--- a/Lectures/Lecture04 - Views Models Templates.pptx
+++ b/Lectures/Lecture04 - Views Models Templates.pptx
@@ -5,7 +5,7 @@
     <p:sldMasterId id="2147483712" r:id="rId1"/>
   </p:sldMasterIdLst>
   <p:notesMasterIdLst>
-    <p:notesMasterId r:id="rId26"/>
+    <p:notesMasterId r:id="rId33"/>
   </p:notesMasterIdLst>
   <p:sldIdLst>
     <p:sldId id="256" r:id="rId2"/>
@@ -32,6 +32,13 @@
     <p:sldId id="279" r:id="rId23"/>
     <p:sldId id="280" r:id="rId24"/>
     <p:sldId id="281" r:id="rId25"/>
+    <p:sldId id="282" r:id="rId26"/>
+    <p:sldId id="283" r:id="rId27"/>
+    <p:sldId id="284" r:id="rId28"/>
+    <p:sldId id="285" r:id="rId29"/>
+    <p:sldId id="286" r:id="rId30"/>
+    <p:sldId id="287" r:id="rId31"/>
+    <p:sldId id="288" r:id="rId32"/>
   </p:sldIdLst>
   <p:sldSz cx="12192000" cy="6858000"/>
   <p:notesSz cx="6858000" cy="9144000"/>
@@ -220,7 +227,7 @@
           <a:p>
             <a:fld id="{2B228A20-238D-4D3C-BEC1-8EC70CB7FE4B}" type="datetimeFigureOut">
               <a:rPr lang="en-US" smtClean="0"/>
-              <a:t>12/24/2023</a:t>
+              <a:t>12/26/2023</a:t>
             </a:fld>
             <a:endParaRPr lang="en-US"/>
           </a:p>
@@ -638,7 +645,7 @@
           <a:p>
             <a:fld id="{1ECB5883-038C-4696-8E27-1811E470D6D4}" type="datetime1">
               <a:rPr lang="en-US" smtClean="0"/>
-              <a:t>12/24/2023</a:t>
+              <a:t>12/26/2023</a:t>
             </a:fld>
             <a:endParaRPr lang="en-US"/>
           </a:p>
@@ -839,7 +846,7 @@
           <a:p>
             <a:fld id="{61E8A6D4-154B-4E4D-9001-7A6C328D243E}" type="datetime1">
               <a:rPr lang="en-US" smtClean="0"/>
-              <a:t>12/24/2023</a:t>
+              <a:t>12/26/2023</a:t>
             </a:fld>
             <a:endParaRPr lang="en-US"/>
           </a:p>
@@ -1050,7 +1057,7 @@
           <a:p>
             <a:fld id="{EF880999-9BD6-4929-BDEC-B84E21C16701}" type="datetime1">
               <a:rPr lang="en-US" smtClean="0"/>
-              <a:t>12/24/2023</a:t>
+              <a:t>12/26/2023</a:t>
             </a:fld>
             <a:endParaRPr lang="en-US"/>
           </a:p>
@@ -1251,7 +1258,7 @@
           <a:p>
             <a:fld id="{579F6069-8263-4296-913A-BC2234E8D32B}" type="datetime1">
               <a:rPr lang="en-US" smtClean="0"/>
-              <a:t>12/24/2023</a:t>
+              <a:t>12/26/2023</a:t>
             </a:fld>
             <a:endParaRPr lang="en-US"/>
           </a:p>
@@ -1531,7 +1538,7 @@
           <a:p>
             <a:fld id="{BC9F5005-EC25-4FB9-B19B-2437F0B120D2}" type="datetime1">
               <a:rPr lang="en-US" smtClean="0"/>
-              <a:t>12/24/2023</a:t>
+              <a:t>12/26/2023</a:t>
             </a:fld>
             <a:endParaRPr lang="en-US"/>
           </a:p>
@@ -1799,7 +1806,7 @@
           <a:p>
             <a:fld id="{0B283B5C-2325-42FF-AF91-C1451D9D66CC}" type="datetime1">
               <a:rPr lang="en-US" smtClean="0"/>
-              <a:t>12/24/2023</a:t>
+              <a:t>12/26/2023</a:t>
             </a:fld>
             <a:endParaRPr lang="en-US"/>
           </a:p>
@@ -2218,7 +2225,7 @@
           <a:p>
             <a:fld id="{0F88DB08-3B01-46DD-99F2-F6F6334EA669}" type="datetime1">
               <a:rPr lang="en-US" smtClean="0"/>
-              <a:t>12/24/2023</a:t>
+              <a:t>12/26/2023</a:t>
             </a:fld>
             <a:endParaRPr lang="en-US"/>
           </a:p>
@@ -2362,7 +2369,7 @@
           <a:p>
             <a:fld id="{5892AC11-ACC3-4129-BBD7-C580BF1A4EE7}" type="datetime1">
               <a:rPr lang="en-US" smtClean="0"/>
-              <a:t>12/24/2023</a:t>
+              <a:t>12/26/2023</a:t>
             </a:fld>
             <a:endParaRPr lang="en-US"/>
           </a:p>
@@ -2478,7 +2485,7 @@
           <a:p>
             <a:fld id="{6D80F7F3-E406-44E2-93AF-674B3F1A2E51}" type="datetime1">
               <a:rPr lang="en-US" smtClean="0"/>
-              <a:t>12/24/2023</a:t>
+              <a:t>12/26/2023</a:t>
             </a:fld>
             <a:endParaRPr lang="en-US"/>
           </a:p>
@@ -2796,7 +2803,7 @@
           <a:p>
             <a:fld id="{2FB1DD93-7C9D-4E53-81F0-DDE57FEA7EDB}" type="datetime1">
               <a:rPr lang="en-US" smtClean="0"/>
-              <a:t>12/24/2023</a:t>
+              <a:t>12/26/2023</a:t>
             </a:fld>
             <a:endParaRPr lang="en-US"/>
           </a:p>
@@ -3089,7 +3096,7 @@
           <a:p>
             <a:fld id="{3DF7BC28-59DE-4F83-B4A1-497203279FAD}" type="datetime1">
               <a:rPr lang="en-US" smtClean="0"/>
-              <a:t>12/24/2023</a:t>
+              <a:t>12/26/2023</a:t>
             </a:fld>
             <a:endParaRPr lang="en-US"/>
           </a:p>
@@ -3389,7 +3396,7 @@
           <a:p>
             <a:fld id="{0BDC4764-F656-4735-9820-9886F8DF1D6A}" type="datetime1">
               <a:rPr lang="en-US" smtClean="0"/>
-              <a:t>12/24/2023</a:t>
+              <a:t>12/26/2023</a:t>
             </a:fld>
             <a:endParaRPr lang="en-US" dirty="0"/>
           </a:p>
@@ -3909,7 +3916,7 @@
             <a:pPr algn="l"/>
             <a:r>
               <a:rPr lang="en-US" sz="5200" dirty="0"/>
-              <a:t>Views Models and Templates</a:t>
+              <a:t>Views, Models and Templates</a:t>
             </a:r>
           </a:p>
         </p:txBody>
@@ -4472,7 +4479,7 @@
           <a:p>
             <a:fld id="{579F6069-8263-4296-913A-BC2234E8D32B}" type="datetime1">
               <a:rPr lang="en-US" smtClean="0"/>
-              <a:t>12/25/2023</a:t>
+              <a:t>12/26/2023</a:t>
             </a:fld>
             <a:endParaRPr lang="en-US"/>
           </a:p>
@@ -5160,7 +5167,7 @@
           <a:p>
             <a:fld id="{579F6069-8263-4296-913A-BC2234E8D32B}" type="datetime1">
               <a:rPr lang="en-US" smtClean="0"/>
-              <a:t>12/25/2023</a:t>
+              <a:t>12/26/2023</a:t>
             </a:fld>
             <a:endParaRPr lang="en-US"/>
           </a:p>
@@ -5524,7 +5531,7 @@
           <a:p>
             <a:fld id="{579F6069-8263-4296-913A-BC2234E8D32B}" type="datetime1">
               <a:rPr lang="en-US" smtClean="0"/>
-              <a:t>12/25/2023</a:t>
+              <a:t>12/26/2023</a:t>
             </a:fld>
             <a:endParaRPr lang="en-US"/>
           </a:p>
@@ -5617,7 +5624,7 @@
           <a:p>
             <a:fld id="{579F6069-8263-4296-913A-BC2234E8D32B}" type="datetime1">
               <a:rPr lang="en-US" smtClean="0"/>
-              <a:t>12/25/2023</a:t>
+              <a:t>12/26/2023</a:t>
             </a:fld>
             <a:endParaRPr lang="en-US"/>
           </a:p>
@@ -6976,47 +6983,15 @@
                   <a:noFill/>
                 </a:ln>
                 <a:solidFill>
-                  <a:srgbClr val="000000"/>
-                </a:solidFill>
-                <a:effectLst/>
-                <a:uLnTx/>
-                <a:uFillTx/>
-                <a:ea typeface="+mn-ea"/>
-                <a:cs typeface="+mn-cs"/>
-              </a:rPr>
-              <a:t>models</a:t>
-            </a:r>
-            <a:r>
-              <a:rPr kumimoji="0" lang="en-US" altLang="en-US" b="0" i="0" u="none" strike="noStrike" kern="1200" cap="none" spc="0" normalizeH="0" baseline="0" noProof="0" dirty="0" err="1">
-                <a:ln>
-                  <a:noFill/>
-                </a:ln>
-                <a:solidFill>
-                  <a:srgbClr val="666666"/>
-                </a:solidFill>
-                <a:effectLst/>
-                <a:uLnTx/>
-                <a:uFillTx/>
-                <a:ea typeface="+mn-ea"/>
-                <a:cs typeface="+mn-cs"/>
-              </a:rPr>
-              <a:t>.</a:t>
-            </a:r>
-            <a:r>
-              <a:rPr kumimoji="0" lang="en-US" altLang="en-US" b="0" i="0" u="none" strike="noStrike" kern="1200" cap="none" spc="0" normalizeH="0" baseline="0" noProof="0" dirty="0" err="1">
-                <a:ln>
-                  <a:noFill/>
-                </a:ln>
-                <a:solidFill>
-                  <a:srgbClr val="000000"/>
-                </a:solidFill>
-                <a:effectLst/>
-                <a:uLnTx/>
-                <a:uFillTx/>
-                <a:ea typeface="+mn-ea"/>
-                <a:cs typeface="+mn-cs"/>
-              </a:rPr>
-              <a:t>Model</a:t>
+                  <a:srgbClr val="C00000"/>
+                </a:solidFill>
+                <a:effectLst/>
+                <a:uLnTx/>
+                <a:uFillTx/>
+                <a:ea typeface="+mn-ea"/>
+                <a:cs typeface="+mn-cs"/>
+              </a:rPr>
+              <a:t>models.Model</a:t>
             </a:r>
             <a:r>
               <a:rPr kumimoji="0" lang="en-US" altLang="en-US" b="0" i="0" u="none" strike="noStrike" kern="1200" cap="none" spc="0" normalizeH="0" baseline="0" noProof="0" dirty="0">
@@ -7553,47 +7528,15 @@
                   <a:noFill/>
                 </a:ln>
                 <a:solidFill>
-                  <a:srgbClr val="000000"/>
-                </a:solidFill>
-                <a:effectLst/>
-                <a:uLnTx/>
-                <a:uFillTx/>
-                <a:ea typeface="+mn-ea"/>
-                <a:cs typeface="+mn-cs"/>
-              </a:rPr>
-              <a:t>models</a:t>
-            </a:r>
-            <a:r>
-              <a:rPr kumimoji="0" lang="en-US" altLang="en-US" b="0" i="0" u="none" strike="noStrike" kern="1200" cap="none" spc="0" normalizeH="0" baseline="0" noProof="0" dirty="0" err="1">
-                <a:ln>
-                  <a:noFill/>
-                </a:ln>
-                <a:solidFill>
-                  <a:srgbClr val="666666"/>
-                </a:solidFill>
-                <a:effectLst/>
-                <a:uLnTx/>
-                <a:uFillTx/>
-                <a:ea typeface="+mn-ea"/>
-                <a:cs typeface="+mn-cs"/>
-              </a:rPr>
-              <a:t>.</a:t>
-            </a:r>
-            <a:r>
-              <a:rPr kumimoji="0" lang="en-US" altLang="en-US" b="0" i="0" u="none" strike="noStrike" kern="1200" cap="none" spc="0" normalizeH="0" baseline="0" noProof="0" dirty="0" err="1">
-                <a:ln>
-                  <a:noFill/>
-                </a:ln>
-                <a:solidFill>
-                  <a:srgbClr val="000000"/>
-                </a:solidFill>
-                <a:effectLst/>
-                <a:uLnTx/>
-                <a:uFillTx/>
-                <a:ea typeface="+mn-ea"/>
-                <a:cs typeface="+mn-cs"/>
-              </a:rPr>
-              <a:t>Model</a:t>
+                  <a:srgbClr val="C00000"/>
+                </a:solidFill>
+                <a:effectLst/>
+                <a:uLnTx/>
+                <a:uFillTx/>
+                <a:ea typeface="+mn-ea"/>
+                <a:cs typeface="+mn-cs"/>
+              </a:rPr>
+              <a:t>models.Model</a:t>
             </a:r>
             <a:r>
               <a:rPr kumimoji="0" lang="en-US" altLang="en-US" b="0" i="0" u="none" strike="noStrike" kern="1200" cap="none" spc="0" normalizeH="0" baseline="0" noProof="0" dirty="0">
@@ -8262,7 +8205,7 @@
           <a:p>
             <a:fld id="{579F6069-8263-4296-913A-BC2234E8D32B}" type="datetime1">
               <a:rPr lang="en-US" smtClean="0"/>
-              <a:t>12/25/2023</a:t>
+              <a:t>12/26/2023</a:t>
             </a:fld>
             <a:endParaRPr lang="en-US"/>
           </a:p>
@@ -8329,6 +8272,58 @@
       </p:grpSpPr>
       <p:sp>
         <p:nvSpPr>
+          <p:cNvPr id="5" name="Rectangle 4">
+            <a:extLst>
+              <a:ext uri="{FF2B5EF4-FFF2-40B4-BE49-F238E27FC236}">
+                <a16:creationId xmlns:a16="http://schemas.microsoft.com/office/drawing/2014/main" id="{0A9E1A99-7919-F73D-BEA1-C18776AEC3AE}"/>
+              </a:ext>
+            </a:extLst>
+          </p:cNvPr>
+          <p:cNvSpPr/>
+          <p:nvPr/>
+        </p:nvSpPr>
+        <p:spPr>
+          <a:xfrm>
+            <a:off x="871109" y="3879541"/>
+            <a:ext cx="5787144" cy="2476807"/>
+          </a:xfrm>
+          <a:prstGeom prst="rect">
+            <a:avLst/>
+          </a:prstGeom>
+          <a:solidFill>
+            <a:schemeClr val="tx2">
+              <a:lumMod val="10000"/>
+              <a:lumOff val="90000"/>
+            </a:schemeClr>
+          </a:solidFill>
+        </p:spPr>
+        <p:style>
+          <a:lnRef idx="2">
+            <a:schemeClr val="accent1">
+              <a:shade val="50000"/>
+            </a:schemeClr>
+          </a:lnRef>
+          <a:fillRef idx="1">
+            <a:schemeClr val="accent1"/>
+          </a:fillRef>
+          <a:effectRef idx="0">
+            <a:schemeClr val="accent1"/>
+          </a:effectRef>
+          <a:fontRef idx="minor">
+            <a:schemeClr val="lt1"/>
+          </a:fontRef>
+        </p:style>
+        <p:txBody>
+          <a:bodyPr rtlCol="0" anchor="ctr"/>
+          <a:lstStyle/>
+          <a:p>
+            <a:pPr algn="ctr"/>
+            <a:endParaRPr lang="en-US"/>
+          </a:p>
+        </p:txBody>
+      </p:sp>
+      <p:sp>
+        <p:nvSpPr>
           <p:cNvPr id="2" name="Title 1">
             <a:extLst>
               <a:ext uri="{FF2B5EF4-FFF2-40B4-BE49-F238E27FC236}">
@@ -9048,7 +9043,7 @@
           <a:p>
             <a:fld id="{579F6069-8263-4296-913A-BC2234E8D32B}" type="datetime1">
               <a:rPr lang="en-US" smtClean="0"/>
-              <a:t>12/25/2023</a:t>
+              <a:t>12/27/2023</a:t>
             </a:fld>
             <a:endParaRPr lang="en-US"/>
           </a:p>
@@ -10079,7 +10074,7 @@
           <a:p>
             <a:fld id="{579F6069-8263-4296-913A-BC2234E8D32B}" type="datetime1">
               <a:rPr lang="en-US" smtClean="0"/>
-              <a:t>12/25/2023</a:t>
+              <a:t>12/26/2023</a:t>
             </a:fld>
             <a:endParaRPr lang="en-US"/>
           </a:p>
@@ -10200,7 +10195,7 @@
           <a:p>
             <a:fld id="{579F6069-8263-4296-913A-BC2234E8D32B}" type="datetime1">
               <a:rPr lang="en-US" smtClean="0"/>
-              <a:t>12/25/2023</a:t>
+              <a:t>12/26/2023</a:t>
             </a:fld>
             <a:endParaRPr lang="en-US"/>
           </a:p>
@@ -10778,7 +10773,7 @@
           <a:p>
             <a:fld id="{579F6069-8263-4296-913A-BC2234E8D32B}" type="datetime1">
               <a:rPr lang="en-US" smtClean="0"/>
-              <a:t>12/24/2023</a:t>
+              <a:t>12/26/2023</a:t>
             </a:fld>
             <a:endParaRPr lang="en-US"/>
           </a:p>
@@ -11033,6 +11028,58 @@
       </p:grpSpPr>
       <p:sp>
         <p:nvSpPr>
+          <p:cNvPr id="5" name="Rectangle 4">
+            <a:extLst>
+              <a:ext uri="{FF2B5EF4-FFF2-40B4-BE49-F238E27FC236}">
+                <a16:creationId xmlns:a16="http://schemas.microsoft.com/office/drawing/2014/main" id="{C39064A6-2F92-7509-2C55-3795B9C9F0EC}"/>
+              </a:ext>
+            </a:extLst>
+          </p:cNvPr>
+          <p:cNvSpPr/>
+          <p:nvPr/>
+        </p:nvSpPr>
+        <p:spPr>
+          <a:xfrm>
+            <a:off x="877824" y="2639043"/>
+            <a:ext cx="4313451" cy="1187233"/>
+          </a:xfrm>
+          <a:prstGeom prst="rect">
+            <a:avLst/>
+          </a:prstGeom>
+          <a:solidFill>
+            <a:schemeClr val="tx2">
+              <a:lumMod val="10000"/>
+              <a:lumOff val="90000"/>
+            </a:schemeClr>
+          </a:solidFill>
+        </p:spPr>
+        <p:style>
+          <a:lnRef idx="2">
+            <a:schemeClr val="accent1">
+              <a:shade val="50000"/>
+            </a:schemeClr>
+          </a:lnRef>
+          <a:fillRef idx="1">
+            <a:schemeClr val="accent1"/>
+          </a:fillRef>
+          <a:effectRef idx="0">
+            <a:schemeClr val="accent1"/>
+          </a:effectRef>
+          <a:fontRef idx="minor">
+            <a:schemeClr val="lt1"/>
+          </a:fontRef>
+        </p:style>
+        <p:txBody>
+          <a:bodyPr rtlCol="0" anchor="ctr"/>
+          <a:lstStyle/>
+          <a:p>
+            <a:pPr algn="ctr"/>
+            <a:endParaRPr lang="en-US"/>
+          </a:p>
+        </p:txBody>
+      </p:sp>
+      <p:sp>
+        <p:nvSpPr>
           <p:cNvPr id="2" name="Title 1">
             <a:extLst>
               <a:ext uri="{FF2B5EF4-FFF2-40B4-BE49-F238E27FC236}">
@@ -11481,7 +11528,7 @@
           <a:p>
             <a:fld id="{579F6069-8263-4296-913A-BC2234E8D32B}" type="datetime1">
               <a:rPr lang="en-US" smtClean="0"/>
-              <a:t>12/26/2023</a:t>
+              <a:t>12/27/2023</a:t>
             </a:fld>
             <a:endParaRPr lang="en-US"/>
           </a:p>
@@ -11964,6 +12011,2078 @@
 </p:sld>
 </file>
 
+<file path=ppt/slides/slide25.xml><?xml version="1.0" encoding="utf-8"?>
+<p:sld xmlns:a="http://schemas.openxmlformats.org/drawingml/2006/main" xmlns:r="http://schemas.openxmlformats.org/officeDocument/2006/relationships" xmlns:p="http://schemas.openxmlformats.org/presentationml/2006/main">
+  <p:cSld>
+    <p:spTree>
+      <p:nvGrpSpPr>
+        <p:cNvPr id="1" name=""/>
+        <p:cNvGrpSpPr/>
+        <p:nvPr/>
+      </p:nvGrpSpPr>
+      <p:grpSpPr>
+        <a:xfrm>
+          <a:off x="0" y="0"/>
+          <a:ext cx="0" cy="0"/>
+          <a:chOff x="0" y="0"/>
+          <a:chExt cx="0" cy="0"/>
+        </a:xfrm>
+      </p:grpSpPr>
+      <p:sp>
+        <p:nvSpPr>
+          <p:cNvPr id="2" name="Title 1">
+            <a:extLst>
+              <a:ext uri="{FF2B5EF4-FFF2-40B4-BE49-F238E27FC236}">
+                <a16:creationId xmlns:a16="http://schemas.microsoft.com/office/drawing/2014/main" id="{4D174C33-7772-47C7-4105-1D888DD3C1E0}"/>
+              </a:ext>
+            </a:extLst>
+          </p:cNvPr>
+          <p:cNvSpPr>
+            <a:spLocks noGrp="1"/>
+          </p:cNvSpPr>
+          <p:nvPr>
+            <p:ph type="title"/>
+          </p:nvPr>
+        </p:nvSpPr>
+        <p:spPr/>
+        <p:txBody>
+          <a:bodyPr/>
+          <a:lstStyle/>
+          <a:p>
+            <a:r>
+              <a:rPr lang="en-US" dirty="0"/>
+              <a:t>Putting what we learned to good use</a:t>
+            </a:r>
+          </a:p>
+        </p:txBody>
+      </p:sp>
+      <p:sp>
+        <p:nvSpPr>
+          <p:cNvPr id="3" name="Content Placeholder 2">
+            <a:extLst>
+              <a:ext uri="{FF2B5EF4-FFF2-40B4-BE49-F238E27FC236}">
+                <a16:creationId xmlns:a16="http://schemas.microsoft.com/office/drawing/2014/main" id="{FF6E4147-E574-17A4-CE35-4107257D12E8}"/>
+              </a:ext>
+            </a:extLst>
+          </p:cNvPr>
+          <p:cNvSpPr>
+            <a:spLocks noGrp="1"/>
+          </p:cNvSpPr>
+          <p:nvPr>
+            <p:ph idx="1"/>
+          </p:nvPr>
+        </p:nvSpPr>
+        <p:spPr/>
+        <p:txBody>
+          <a:bodyPr>
+            <a:normAutofit/>
+          </a:bodyPr>
+          <a:lstStyle/>
+          <a:p>
+            <a:r>
+              <a:rPr lang="en-US" sz="2400" dirty="0"/>
+              <a:t>We will be making new views</a:t>
+            </a:r>
+          </a:p>
+          <a:p>
+            <a:r>
+              <a:rPr lang="en-US" sz="2400" dirty="0"/>
+              <a:t>We will be working with templates to display the views</a:t>
+            </a:r>
+          </a:p>
+          <a:p>
+            <a:r>
+              <a:rPr lang="en-US" sz="2400" dirty="0"/>
+              <a:t>We will use Django’s URL configurations ‘</a:t>
+            </a:r>
+            <a:r>
+              <a:rPr lang="en-US" sz="2400" dirty="0" err="1"/>
+              <a:t>URLconfs</a:t>
+            </a:r>
+            <a:r>
+              <a:rPr lang="en-US" sz="2400" dirty="0"/>
+              <a:t>’ to link URL patterns to views</a:t>
+            </a:r>
+          </a:p>
+        </p:txBody>
+      </p:sp>
+      <p:sp>
+        <p:nvSpPr>
+          <p:cNvPr id="4" name="Date Placeholder 3">
+            <a:extLst>
+              <a:ext uri="{FF2B5EF4-FFF2-40B4-BE49-F238E27FC236}">
+                <a16:creationId xmlns:a16="http://schemas.microsoft.com/office/drawing/2014/main" id="{65932742-8C9B-42FC-7847-DFFDED9E2A81}"/>
+              </a:ext>
+            </a:extLst>
+          </p:cNvPr>
+          <p:cNvSpPr>
+            <a:spLocks noGrp="1"/>
+          </p:cNvSpPr>
+          <p:nvPr>
+            <p:ph type="dt" sz="half" idx="10"/>
+          </p:nvPr>
+        </p:nvSpPr>
+        <p:spPr/>
+        <p:txBody>
+          <a:bodyPr/>
+          <a:lstStyle/>
+          <a:p>
+            <a:fld id="{579F6069-8263-4296-913A-BC2234E8D32B}" type="datetime1">
+              <a:rPr lang="en-US" smtClean="0"/>
+              <a:t>12/26/2023</a:t>
+            </a:fld>
+            <a:endParaRPr lang="en-US"/>
+          </a:p>
+        </p:txBody>
+      </p:sp>
+      <p:sp>
+        <p:nvSpPr>
+          <p:cNvPr id="6" name="Slide Number Placeholder 5">
+            <a:extLst>
+              <a:ext uri="{FF2B5EF4-FFF2-40B4-BE49-F238E27FC236}">
+                <a16:creationId xmlns:a16="http://schemas.microsoft.com/office/drawing/2014/main" id="{B2F1AF0C-30E7-E54F-7CA8-99DB9D520A35}"/>
+              </a:ext>
+            </a:extLst>
+          </p:cNvPr>
+          <p:cNvSpPr>
+            <a:spLocks noGrp="1"/>
+          </p:cNvSpPr>
+          <p:nvPr>
+            <p:ph type="sldNum" sz="quarter" idx="12"/>
+          </p:nvPr>
+        </p:nvSpPr>
+        <p:spPr/>
+        <p:txBody>
+          <a:bodyPr/>
+          <a:lstStyle/>
+          <a:p>
+            <a:fld id="{C68AC1EC-23E2-4F0E-A5A4-674EC8DB954E}" type="slidenum">
+              <a:rPr lang="en-US" smtClean="0"/>
+              <a:t>25</a:t>
+            </a:fld>
+            <a:endParaRPr lang="en-US"/>
+          </a:p>
+        </p:txBody>
+      </p:sp>
+    </p:spTree>
+    <p:extLst>
+      <p:ext uri="{BB962C8B-B14F-4D97-AF65-F5344CB8AC3E}">
+        <p14:creationId xmlns:p14="http://schemas.microsoft.com/office/powerpoint/2010/main" val="2470558785"/>
+      </p:ext>
+    </p:extLst>
+  </p:cSld>
+  <p:clrMapOvr>
+    <a:masterClrMapping/>
+  </p:clrMapOvr>
+</p:sld>
+</file>
+
+<file path=ppt/slides/slide26.xml><?xml version="1.0" encoding="utf-8"?>
+<p:sld xmlns:a="http://schemas.openxmlformats.org/drawingml/2006/main" xmlns:r="http://schemas.openxmlformats.org/officeDocument/2006/relationships" xmlns:p="http://schemas.openxmlformats.org/presentationml/2006/main">
+  <p:cSld>
+    <p:spTree>
+      <p:nvGrpSpPr>
+        <p:cNvPr id="1" name=""/>
+        <p:cNvGrpSpPr/>
+        <p:nvPr/>
+      </p:nvGrpSpPr>
+      <p:grpSpPr>
+        <a:xfrm>
+          <a:off x="0" y="0"/>
+          <a:ext cx="0" cy="0"/>
+          <a:chOff x="0" y="0"/>
+          <a:chExt cx="0" cy="0"/>
+        </a:xfrm>
+      </p:grpSpPr>
+      <p:sp>
+        <p:nvSpPr>
+          <p:cNvPr id="7" name="Rectangle 6">
+            <a:extLst>
+              <a:ext uri="{FF2B5EF4-FFF2-40B4-BE49-F238E27FC236}">
+                <a16:creationId xmlns:a16="http://schemas.microsoft.com/office/drawing/2014/main" id="{37616B3F-9CBD-8A9D-F23B-9E69A5580F8B}"/>
+              </a:ext>
+            </a:extLst>
+          </p:cNvPr>
+          <p:cNvSpPr/>
+          <p:nvPr/>
+        </p:nvSpPr>
+        <p:spPr>
+          <a:xfrm>
+            <a:off x="871108" y="2527267"/>
+            <a:ext cx="7731354" cy="3534535"/>
+          </a:xfrm>
+          <a:prstGeom prst="rect">
+            <a:avLst/>
+          </a:prstGeom>
+          <a:solidFill>
+            <a:schemeClr val="tx2">
+              <a:lumMod val="10000"/>
+              <a:lumOff val="90000"/>
+            </a:schemeClr>
+          </a:solidFill>
+        </p:spPr>
+        <p:style>
+          <a:lnRef idx="2">
+            <a:schemeClr val="accent1">
+              <a:shade val="50000"/>
+            </a:schemeClr>
+          </a:lnRef>
+          <a:fillRef idx="1">
+            <a:schemeClr val="accent1"/>
+          </a:fillRef>
+          <a:effectRef idx="0">
+            <a:schemeClr val="accent1"/>
+          </a:effectRef>
+          <a:fontRef idx="minor">
+            <a:schemeClr val="lt1"/>
+          </a:fontRef>
+        </p:style>
+        <p:txBody>
+          <a:bodyPr rtlCol="0" anchor="ctr"/>
+          <a:lstStyle/>
+          <a:p>
+            <a:pPr algn="ctr"/>
+            <a:endParaRPr lang="en-US"/>
+          </a:p>
+        </p:txBody>
+      </p:sp>
+      <p:sp>
+        <p:nvSpPr>
+          <p:cNvPr id="2" name="Title 1">
+            <a:extLst>
+              <a:ext uri="{FF2B5EF4-FFF2-40B4-BE49-F238E27FC236}">
+                <a16:creationId xmlns:a16="http://schemas.microsoft.com/office/drawing/2014/main" id="{22B507C1-64C4-51EA-D1CE-8CCFE393A298}"/>
+              </a:ext>
+            </a:extLst>
+          </p:cNvPr>
+          <p:cNvSpPr>
+            <a:spLocks noGrp="1"/>
+          </p:cNvSpPr>
+          <p:nvPr>
+            <p:ph type="title"/>
+          </p:nvPr>
+        </p:nvSpPr>
+        <p:spPr/>
+        <p:txBody>
+          <a:bodyPr/>
+          <a:lstStyle/>
+          <a:p>
+            <a:r>
+              <a:rPr lang="en-US" dirty="0"/>
+              <a:t>Making Views</a:t>
+            </a:r>
+          </a:p>
+        </p:txBody>
+      </p:sp>
+      <p:sp>
+        <p:nvSpPr>
+          <p:cNvPr id="3" name="Content Placeholder 2">
+            <a:extLst>
+              <a:ext uri="{FF2B5EF4-FFF2-40B4-BE49-F238E27FC236}">
+                <a16:creationId xmlns:a16="http://schemas.microsoft.com/office/drawing/2014/main" id="{F75F4204-E7E4-234B-3526-3CF609D5D67A}"/>
+              </a:ext>
+            </a:extLst>
+          </p:cNvPr>
+          <p:cNvSpPr>
+            <a:spLocks noGrp="1"/>
+          </p:cNvSpPr>
+          <p:nvPr>
+            <p:ph idx="1"/>
+          </p:nvPr>
+        </p:nvSpPr>
+        <p:spPr/>
+        <p:txBody>
+          <a:bodyPr>
+            <a:normAutofit lnSpcReduction="10000"/>
+          </a:bodyPr>
+          <a:lstStyle/>
+          <a:p>
+            <a:r>
+              <a:rPr lang="en-US" sz="1800" dirty="0"/>
+              <a:t>Define the following views in views.py file</a:t>
+            </a:r>
+          </a:p>
+          <a:p>
+            <a:pPr marL="0" indent="0">
+              <a:buNone/>
+            </a:pPr>
+            <a:r>
+              <a:rPr lang="en-US" sz="1800" b="1" dirty="0">
+                <a:solidFill>
+                  <a:srgbClr val="00B050"/>
+                </a:solidFill>
+              </a:rPr>
+              <a:t>def</a:t>
+            </a:r>
+            <a:r>
+              <a:rPr lang="en-US" sz="1800" b="1" dirty="0"/>
+              <a:t> </a:t>
+            </a:r>
+            <a:r>
+              <a:rPr lang="en-US" sz="1800" b="1" dirty="0">
+                <a:solidFill>
+                  <a:srgbClr val="491AF6"/>
+                </a:solidFill>
+              </a:rPr>
+              <a:t>detail</a:t>
+            </a:r>
+            <a:r>
+              <a:rPr lang="en-US" sz="1800" dirty="0"/>
+              <a:t>(request, </a:t>
+            </a:r>
+            <a:r>
+              <a:rPr lang="en-US" sz="1800" dirty="0" err="1"/>
+              <a:t>question_id</a:t>
+            </a:r>
+            <a:r>
+              <a:rPr lang="en-US" sz="1800" dirty="0"/>
+              <a:t>):</a:t>
+            </a:r>
+            <a:br>
+              <a:rPr lang="en-US" sz="1800" dirty="0"/>
+            </a:br>
+            <a:r>
+              <a:rPr lang="en-US" sz="1800" dirty="0"/>
+              <a:t>	</a:t>
+            </a:r>
+            <a:r>
+              <a:rPr lang="en-US" sz="1800" dirty="0">
+                <a:solidFill>
+                  <a:srgbClr val="C00000"/>
+                </a:solidFill>
+              </a:rPr>
+              <a:t>return</a:t>
+            </a:r>
+            <a:r>
+              <a:rPr lang="en-US" sz="1800" dirty="0"/>
+              <a:t> </a:t>
+            </a:r>
+            <a:r>
+              <a:rPr lang="en-US" sz="1800" dirty="0" err="1"/>
+              <a:t>HttpResponse</a:t>
+            </a:r>
+            <a:r>
+              <a:rPr lang="en-US" sz="1800" dirty="0"/>
+              <a:t>(</a:t>
+            </a:r>
+            <a:r>
+              <a:rPr lang="en-US" sz="1800" dirty="0">
+                <a:solidFill>
+                  <a:srgbClr val="C00000"/>
+                </a:solidFill>
+              </a:rPr>
+              <a:t>“You're looking at question %s.”</a:t>
+            </a:r>
+            <a:r>
+              <a:rPr lang="en-US" sz="1800" dirty="0"/>
+              <a:t>% </a:t>
+            </a:r>
+            <a:r>
+              <a:rPr lang="en-US" sz="1800" dirty="0" err="1"/>
+              <a:t>question_id</a:t>
+            </a:r>
+            <a:r>
+              <a:rPr lang="en-US" sz="1800" dirty="0"/>
+              <a:t>)</a:t>
+            </a:r>
+          </a:p>
+          <a:p>
+            <a:pPr marL="0" indent="0">
+              <a:buNone/>
+            </a:pPr>
+            <a:endParaRPr lang="en-US" sz="1800" dirty="0"/>
+          </a:p>
+          <a:p>
+            <a:pPr marL="0" indent="0">
+              <a:buNone/>
+            </a:pPr>
+            <a:r>
+              <a:rPr lang="en-US" sz="1800" b="1" dirty="0">
+                <a:solidFill>
+                  <a:srgbClr val="00B050"/>
+                </a:solidFill>
+              </a:rPr>
+              <a:t>def</a:t>
+            </a:r>
+            <a:r>
+              <a:rPr lang="en-US" sz="1800" b="1" dirty="0"/>
+              <a:t> </a:t>
+            </a:r>
+            <a:r>
+              <a:rPr lang="en-US" sz="1800" b="1" dirty="0">
+                <a:solidFill>
+                  <a:srgbClr val="491AF6"/>
+                </a:solidFill>
+              </a:rPr>
+              <a:t>results</a:t>
+            </a:r>
+            <a:r>
+              <a:rPr lang="en-US" sz="1800" dirty="0"/>
+              <a:t>(request, </a:t>
+            </a:r>
+            <a:r>
+              <a:rPr lang="en-US" sz="1800" dirty="0" err="1"/>
+              <a:t>question_id</a:t>
+            </a:r>
+            <a:r>
+              <a:rPr lang="en-US" sz="1800" dirty="0"/>
+              <a:t>):</a:t>
+            </a:r>
+            <a:br>
+              <a:rPr lang="en-US" sz="1800" dirty="0"/>
+            </a:br>
+            <a:r>
+              <a:rPr lang="en-US" sz="1800" dirty="0"/>
+              <a:t>	response = </a:t>
+            </a:r>
+            <a:r>
+              <a:rPr lang="en-US" sz="1800" dirty="0">
+                <a:solidFill>
+                  <a:srgbClr val="C00000"/>
+                </a:solidFill>
+              </a:rPr>
+              <a:t>“You're looking at the results of question %s.”</a:t>
+            </a:r>
+            <a:br>
+              <a:rPr lang="en-US" sz="1800" dirty="0"/>
+            </a:br>
+            <a:r>
+              <a:rPr lang="en-US" sz="1800" dirty="0"/>
+              <a:t>	</a:t>
+            </a:r>
+            <a:r>
+              <a:rPr lang="en-US" sz="1800" dirty="0">
+                <a:solidFill>
+                  <a:srgbClr val="C00000"/>
+                </a:solidFill>
+              </a:rPr>
+              <a:t>return</a:t>
+            </a:r>
+            <a:r>
+              <a:rPr lang="en-US" sz="1800" dirty="0"/>
+              <a:t> </a:t>
+            </a:r>
+            <a:r>
+              <a:rPr lang="en-US" sz="1800" dirty="0" err="1"/>
+              <a:t>HttpResponse</a:t>
+            </a:r>
+            <a:r>
+              <a:rPr lang="en-US" sz="1800" dirty="0"/>
+              <a:t>(response % </a:t>
+            </a:r>
+            <a:r>
+              <a:rPr lang="en-US" sz="1800" dirty="0" err="1"/>
+              <a:t>question_id</a:t>
+            </a:r>
+            <a:r>
+              <a:rPr lang="en-US" sz="1800" dirty="0"/>
+              <a:t>)</a:t>
+            </a:r>
+          </a:p>
+          <a:p>
+            <a:pPr marL="0" indent="0">
+              <a:buNone/>
+            </a:pPr>
+            <a:endParaRPr lang="en-US" sz="1800" dirty="0"/>
+          </a:p>
+          <a:p>
+            <a:pPr marL="0" indent="0">
+              <a:buNone/>
+            </a:pPr>
+            <a:r>
+              <a:rPr lang="en-US" sz="1800" b="1" dirty="0">
+                <a:solidFill>
+                  <a:srgbClr val="00B050"/>
+                </a:solidFill>
+              </a:rPr>
+              <a:t>def</a:t>
+            </a:r>
+            <a:r>
+              <a:rPr lang="en-US" sz="1800" b="1" dirty="0"/>
+              <a:t> </a:t>
+            </a:r>
+            <a:r>
+              <a:rPr lang="en-US" sz="1800" b="1" dirty="0">
+                <a:solidFill>
+                  <a:srgbClr val="491AF6"/>
+                </a:solidFill>
+              </a:rPr>
+              <a:t>vote</a:t>
+            </a:r>
+            <a:r>
+              <a:rPr lang="en-US" sz="1800" dirty="0"/>
+              <a:t>(request, </a:t>
+            </a:r>
+            <a:r>
+              <a:rPr lang="en-US" sz="1800" dirty="0" err="1"/>
+              <a:t>question_id</a:t>
+            </a:r>
+            <a:r>
+              <a:rPr lang="en-US" sz="1800" dirty="0"/>
+              <a:t>):</a:t>
+            </a:r>
+            <a:br>
+              <a:rPr lang="en-US" sz="1800" dirty="0"/>
+            </a:br>
+            <a:r>
+              <a:rPr lang="en-US" sz="1800" dirty="0"/>
+              <a:t>	</a:t>
+            </a:r>
+            <a:r>
+              <a:rPr lang="en-US" sz="1800" dirty="0">
+                <a:solidFill>
+                  <a:srgbClr val="C00000"/>
+                </a:solidFill>
+              </a:rPr>
+              <a:t>return</a:t>
+            </a:r>
+            <a:r>
+              <a:rPr lang="en-US" sz="1800" dirty="0"/>
+              <a:t> </a:t>
+            </a:r>
+            <a:r>
+              <a:rPr lang="en-US" sz="1800" dirty="0" err="1"/>
+              <a:t>HttpResponse</a:t>
+            </a:r>
+            <a:r>
+              <a:rPr lang="en-US" sz="1800" dirty="0"/>
+              <a:t>(</a:t>
+            </a:r>
+            <a:r>
+              <a:rPr lang="en-US" sz="1800" dirty="0">
+                <a:solidFill>
+                  <a:srgbClr val="C00000"/>
+                </a:solidFill>
+              </a:rPr>
+              <a:t>“You're voting on question %s.”</a:t>
+            </a:r>
+            <a:r>
+              <a:rPr lang="en-US" sz="1800" dirty="0"/>
+              <a:t>% </a:t>
+            </a:r>
+            <a:r>
+              <a:rPr lang="en-US" sz="1800" dirty="0" err="1"/>
+              <a:t>question_id</a:t>
+            </a:r>
+            <a:r>
+              <a:rPr lang="en-US" sz="1800" dirty="0"/>
+              <a:t>)</a:t>
+            </a:r>
+          </a:p>
+        </p:txBody>
+      </p:sp>
+      <p:sp>
+        <p:nvSpPr>
+          <p:cNvPr id="4" name="Date Placeholder 3">
+            <a:extLst>
+              <a:ext uri="{FF2B5EF4-FFF2-40B4-BE49-F238E27FC236}">
+                <a16:creationId xmlns:a16="http://schemas.microsoft.com/office/drawing/2014/main" id="{827E1887-6EA6-8988-3354-BC490F4F17B4}"/>
+              </a:ext>
+            </a:extLst>
+          </p:cNvPr>
+          <p:cNvSpPr>
+            <a:spLocks noGrp="1"/>
+          </p:cNvSpPr>
+          <p:nvPr>
+            <p:ph type="dt" sz="half" idx="10"/>
+          </p:nvPr>
+        </p:nvSpPr>
+        <p:spPr/>
+        <p:txBody>
+          <a:bodyPr/>
+          <a:lstStyle/>
+          <a:p>
+            <a:fld id="{579F6069-8263-4296-913A-BC2234E8D32B}" type="datetime1">
+              <a:rPr lang="en-US" smtClean="0"/>
+              <a:t>12/27/2023</a:t>
+            </a:fld>
+            <a:endParaRPr lang="en-US"/>
+          </a:p>
+        </p:txBody>
+      </p:sp>
+      <p:sp>
+        <p:nvSpPr>
+          <p:cNvPr id="5" name="Footer Placeholder 4">
+            <a:extLst>
+              <a:ext uri="{FF2B5EF4-FFF2-40B4-BE49-F238E27FC236}">
+                <a16:creationId xmlns:a16="http://schemas.microsoft.com/office/drawing/2014/main" id="{3C72E1D4-44E4-E536-863A-2C682B767751}"/>
+              </a:ext>
+            </a:extLst>
+          </p:cNvPr>
+          <p:cNvSpPr>
+            <a:spLocks noGrp="1"/>
+          </p:cNvSpPr>
+          <p:nvPr>
+            <p:ph type="ftr" sz="quarter" idx="11"/>
+          </p:nvPr>
+        </p:nvSpPr>
+        <p:spPr/>
+        <p:txBody>
+          <a:bodyPr/>
+          <a:lstStyle/>
+          <a:p>
+            <a:r>
+              <a:rPr lang="en-US"/>
+              <a:t>Sample Footer Text</a:t>
+            </a:r>
+          </a:p>
+        </p:txBody>
+      </p:sp>
+      <p:sp>
+        <p:nvSpPr>
+          <p:cNvPr id="6" name="Slide Number Placeholder 5">
+            <a:extLst>
+              <a:ext uri="{FF2B5EF4-FFF2-40B4-BE49-F238E27FC236}">
+                <a16:creationId xmlns:a16="http://schemas.microsoft.com/office/drawing/2014/main" id="{101EDE7B-BDAB-2BAC-E266-1C4B00613FDD}"/>
+              </a:ext>
+            </a:extLst>
+          </p:cNvPr>
+          <p:cNvSpPr>
+            <a:spLocks noGrp="1"/>
+          </p:cNvSpPr>
+          <p:nvPr>
+            <p:ph type="sldNum" sz="quarter" idx="12"/>
+          </p:nvPr>
+        </p:nvSpPr>
+        <p:spPr/>
+        <p:txBody>
+          <a:bodyPr/>
+          <a:lstStyle/>
+          <a:p>
+            <a:fld id="{C68AC1EC-23E2-4F0E-A5A4-674EC8DB954E}" type="slidenum">
+              <a:rPr lang="en-US" smtClean="0"/>
+              <a:t>26</a:t>
+            </a:fld>
+            <a:endParaRPr lang="en-US"/>
+          </a:p>
+        </p:txBody>
+      </p:sp>
+    </p:spTree>
+    <p:extLst>
+      <p:ext uri="{BB962C8B-B14F-4D97-AF65-F5344CB8AC3E}">
+        <p14:creationId xmlns:p14="http://schemas.microsoft.com/office/powerpoint/2010/main" val="2997852062"/>
+      </p:ext>
+    </p:extLst>
+  </p:cSld>
+  <p:clrMapOvr>
+    <a:masterClrMapping/>
+  </p:clrMapOvr>
+</p:sld>
+</file>
+
+<file path=ppt/slides/slide27.xml><?xml version="1.0" encoding="utf-8"?>
+<p:sld xmlns:a="http://schemas.openxmlformats.org/drawingml/2006/main" xmlns:r="http://schemas.openxmlformats.org/officeDocument/2006/relationships" xmlns:p="http://schemas.openxmlformats.org/presentationml/2006/main">
+  <p:cSld>
+    <p:spTree>
+      <p:nvGrpSpPr>
+        <p:cNvPr id="1" name=""/>
+        <p:cNvGrpSpPr/>
+        <p:nvPr/>
+      </p:nvGrpSpPr>
+      <p:grpSpPr>
+        <a:xfrm>
+          <a:off x="0" y="0"/>
+          <a:ext cx="0" cy="0"/>
+          <a:chOff x="0" y="0"/>
+          <a:chExt cx="0" cy="0"/>
+        </a:xfrm>
+      </p:grpSpPr>
+      <p:sp>
+        <p:nvSpPr>
+          <p:cNvPr id="7" name="Rectangle 6">
+            <a:extLst>
+              <a:ext uri="{FF2B5EF4-FFF2-40B4-BE49-F238E27FC236}">
+                <a16:creationId xmlns:a16="http://schemas.microsoft.com/office/drawing/2014/main" id="{FC3B04E3-498B-66C6-F49D-09F20C8135E9}"/>
+              </a:ext>
+            </a:extLst>
+          </p:cNvPr>
+          <p:cNvSpPr/>
+          <p:nvPr/>
+        </p:nvSpPr>
+        <p:spPr>
+          <a:xfrm>
+            <a:off x="877824" y="2909008"/>
+            <a:ext cx="7216449" cy="3003519"/>
+          </a:xfrm>
+          <a:prstGeom prst="rect">
+            <a:avLst/>
+          </a:prstGeom>
+          <a:solidFill>
+            <a:schemeClr val="tx2">
+              <a:lumMod val="10000"/>
+              <a:lumOff val="90000"/>
+            </a:schemeClr>
+          </a:solidFill>
+        </p:spPr>
+        <p:style>
+          <a:lnRef idx="2">
+            <a:schemeClr val="accent1">
+              <a:shade val="50000"/>
+            </a:schemeClr>
+          </a:lnRef>
+          <a:fillRef idx="1">
+            <a:schemeClr val="accent1"/>
+          </a:fillRef>
+          <a:effectRef idx="0">
+            <a:schemeClr val="accent1"/>
+          </a:effectRef>
+          <a:fontRef idx="minor">
+            <a:schemeClr val="lt1"/>
+          </a:fontRef>
+        </p:style>
+        <p:txBody>
+          <a:bodyPr rtlCol="0" anchor="ctr"/>
+          <a:lstStyle/>
+          <a:p>
+            <a:pPr algn="ctr"/>
+            <a:endParaRPr lang="en-US"/>
+          </a:p>
+        </p:txBody>
+      </p:sp>
+      <p:sp>
+        <p:nvSpPr>
+          <p:cNvPr id="2" name="Title 1">
+            <a:extLst>
+              <a:ext uri="{FF2B5EF4-FFF2-40B4-BE49-F238E27FC236}">
+                <a16:creationId xmlns:a16="http://schemas.microsoft.com/office/drawing/2014/main" id="{7815F657-ADF7-4247-EFD5-282E7A60C028}"/>
+              </a:ext>
+            </a:extLst>
+          </p:cNvPr>
+          <p:cNvSpPr>
+            <a:spLocks noGrp="1"/>
+          </p:cNvSpPr>
+          <p:nvPr>
+            <p:ph type="title"/>
+          </p:nvPr>
+        </p:nvSpPr>
+        <p:spPr/>
+        <p:txBody>
+          <a:bodyPr/>
+          <a:lstStyle/>
+          <a:p>
+            <a:r>
+              <a:rPr lang="en-US" dirty="0"/>
+              <a:t>Mapping URLs</a:t>
+            </a:r>
+          </a:p>
+        </p:txBody>
+      </p:sp>
+      <p:sp>
+        <p:nvSpPr>
+          <p:cNvPr id="3" name="Content Placeholder 2">
+            <a:extLst>
+              <a:ext uri="{FF2B5EF4-FFF2-40B4-BE49-F238E27FC236}">
+                <a16:creationId xmlns:a16="http://schemas.microsoft.com/office/drawing/2014/main" id="{330ECDDD-20F0-2EDD-C51A-19E1D3973C14}"/>
+              </a:ext>
+            </a:extLst>
+          </p:cNvPr>
+          <p:cNvSpPr>
+            <a:spLocks noGrp="1"/>
+          </p:cNvSpPr>
+          <p:nvPr>
+            <p:ph idx="1"/>
+          </p:nvPr>
+        </p:nvSpPr>
+        <p:spPr/>
+        <p:txBody>
+          <a:bodyPr>
+            <a:noAutofit/>
+          </a:bodyPr>
+          <a:lstStyle/>
+          <a:p>
+            <a:r>
+              <a:rPr lang="en-US" sz="1800" dirty="0"/>
+              <a:t>Add the following code to </a:t>
+            </a:r>
+            <a:r>
+              <a:rPr lang="en-US" sz="1800" b="1" i="1" dirty="0"/>
+              <a:t>urls.py </a:t>
+            </a:r>
+            <a:r>
+              <a:rPr lang="en-US" sz="1800" dirty="0"/>
+              <a:t>in the polls folder</a:t>
+            </a:r>
+          </a:p>
+          <a:p>
+            <a:pPr marL="0" indent="0">
+              <a:buNone/>
+            </a:pPr>
+            <a:endParaRPr lang="en-US" sz="1800" dirty="0"/>
+          </a:p>
+          <a:p>
+            <a:pPr marL="0" indent="0">
+              <a:buNone/>
+            </a:pPr>
+            <a:r>
+              <a:rPr lang="en-US" sz="1800" b="1" dirty="0">
+                <a:solidFill>
+                  <a:srgbClr val="00B050"/>
+                </a:solidFill>
+              </a:rPr>
+              <a:t>from</a:t>
+            </a:r>
+            <a:r>
+              <a:rPr lang="en-US" sz="1800" dirty="0"/>
+              <a:t> </a:t>
+            </a:r>
+            <a:r>
+              <a:rPr lang="en-US" sz="1800" dirty="0" err="1"/>
+              <a:t>django.urls</a:t>
+            </a:r>
+            <a:r>
+              <a:rPr lang="en-US" sz="1800" dirty="0"/>
+              <a:t> </a:t>
+            </a:r>
+            <a:r>
+              <a:rPr lang="en-US" sz="1800" b="1" dirty="0">
+                <a:solidFill>
+                  <a:srgbClr val="00B050"/>
+                </a:solidFill>
+              </a:rPr>
+              <a:t>import</a:t>
+            </a:r>
+            <a:r>
+              <a:rPr lang="en-US" sz="1800" dirty="0"/>
+              <a:t> path</a:t>
+            </a:r>
+          </a:p>
+          <a:p>
+            <a:pPr marL="0" indent="0">
+              <a:buNone/>
+            </a:pPr>
+            <a:r>
+              <a:rPr lang="en-US" sz="1800" dirty="0" err="1"/>
+              <a:t>urlpatterns</a:t>
+            </a:r>
+            <a:r>
+              <a:rPr lang="en-US" sz="1800" dirty="0"/>
+              <a:t> = [</a:t>
+            </a:r>
+          </a:p>
+          <a:p>
+            <a:pPr marL="0" indent="0">
+              <a:buNone/>
+            </a:pPr>
+            <a:r>
+              <a:rPr lang="en-US" sz="1800" dirty="0"/>
+              <a:t>	path(</a:t>
+            </a:r>
+            <a:r>
+              <a:rPr lang="en-US" sz="1800" dirty="0">
+                <a:solidFill>
+                  <a:srgbClr val="C00000"/>
+                </a:solidFill>
+              </a:rPr>
+              <a:t>“”</a:t>
+            </a:r>
+            <a:r>
+              <a:rPr lang="en-US" sz="1800" dirty="0"/>
+              <a:t>, </a:t>
+            </a:r>
+            <a:r>
+              <a:rPr lang="en-US" sz="1800" dirty="0" err="1"/>
+              <a:t>views.index</a:t>
+            </a:r>
+            <a:r>
+              <a:rPr lang="en-US" sz="1800" dirty="0"/>
+              <a:t>, name = </a:t>
+            </a:r>
+            <a:r>
+              <a:rPr lang="en-US" sz="1800" dirty="0">
+                <a:solidFill>
+                  <a:srgbClr val="C00000"/>
+                </a:solidFill>
+              </a:rPr>
+              <a:t>'index’</a:t>
+            </a:r>
+            <a:r>
+              <a:rPr lang="en-US" sz="1800" dirty="0"/>
+              <a:t> ), </a:t>
+            </a:r>
+            <a:br>
+              <a:rPr lang="en-US" sz="1800" dirty="0"/>
+            </a:br>
+            <a:r>
+              <a:rPr lang="en-US" sz="1800" dirty="0"/>
+              <a:t>	path( </a:t>
+            </a:r>
+            <a:r>
+              <a:rPr lang="en-US" sz="1800" dirty="0">
+                <a:solidFill>
+                  <a:srgbClr val="C00000"/>
+                </a:solidFill>
+              </a:rPr>
+              <a:t>‘&lt;</a:t>
+            </a:r>
+            <a:r>
+              <a:rPr lang="en-US" sz="1800" dirty="0" err="1">
+                <a:solidFill>
+                  <a:srgbClr val="C00000"/>
+                </a:solidFill>
+              </a:rPr>
+              <a:t>int:question_id</a:t>
+            </a:r>
+            <a:r>
+              <a:rPr lang="en-US" sz="1800" dirty="0">
+                <a:solidFill>
+                  <a:srgbClr val="C00000"/>
+                </a:solidFill>
+              </a:rPr>
+              <a:t>&gt;/’</a:t>
+            </a:r>
+            <a:r>
+              <a:rPr lang="en-US" sz="1800" dirty="0"/>
+              <a:t>, </a:t>
+            </a:r>
+            <a:r>
+              <a:rPr lang="en-US" sz="1800" dirty="0" err="1"/>
+              <a:t>views.detail</a:t>
+            </a:r>
+            <a:r>
+              <a:rPr lang="en-US" sz="1800" dirty="0"/>
+              <a:t>, name = </a:t>
+            </a:r>
+            <a:r>
+              <a:rPr lang="en-US" sz="1800" dirty="0">
+                <a:solidFill>
+                  <a:srgbClr val="C00000"/>
+                </a:solidFill>
+              </a:rPr>
+              <a:t>‘detail’</a:t>
+            </a:r>
+            <a:r>
+              <a:rPr lang="en-US" sz="1800" dirty="0"/>
+              <a:t>), 	</a:t>
+            </a:r>
+            <a:br>
+              <a:rPr lang="en-US" sz="1800" dirty="0"/>
+            </a:br>
+            <a:r>
+              <a:rPr lang="en-US" sz="1800" dirty="0"/>
+              <a:t>	path( </a:t>
+            </a:r>
+            <a:r>
+              <a:rPr lang="en-US" sz="1800" dirty="0">
+                <a:solidFill>
+                  <a:srgbClr val="C00000"/>
+                </a:solidFill>
+              </a:rPr>
+              <a:t>‘&lt;</a:t>
+            </a:r>
+            <a:r>
+              <a:rPr lang="en-US" sz="1800" dirty="0" err="1">
+                <a:solidFill>
+                  <a:srgbClr val="C00000"/>
+                </a:solidFill>
+              </a:rPr>
+              <a:t>int:question_id</a:t>
+            </a:r>
+            <a:r>
+              <a:rPr lang="en-US" sz="1800" dirty="0">
+                <a:solidFill>
+                  <a:srgbClr val="C00000"/>
+                </a:solidFill>
+              </a:rPr>
+              <a:t>&gt;/results/’</a:t>
+            </a:r>
+            <a:r>
+              <a:rPr lang="en-US" sz="1800" dirty="0"/>
+              <a:t>, </a:t>
+            </a:r>
+            <a:r>
+              <a:rPr lang="en-US" sz="1800" dirty="0" err="1"/>
+              <a:t>views.results</a:t>
+            </a:r>
+            <a:r>
+              <a:rPr lang="en-US" sz="1800" dirty="0"/>
+              <a:t>, name = </a:t>
+            </a:r>
+            <a:r>
+              <a:rPr lang="en-US" sz="1800" dirty="0">
+                <a:solidFill>
+                  <a:srgbClr val="C00000"/>
+                </a:solidFill>
+              </a:rPr>
+              <a:t>‘results’</a:t>
+            </a:r>
+            <a:r>
+              <a:rPr lang="en-US" sz="1800" dirty="0"/>
+              <a:t> ), </a:t>
+            </a:r>
+            <a:br>
+              <a:rPr lang="en-US" sz="1800" dirty="0"/>
+            </a:br>
+            <a:r>
+              <a:rPr lang="en-US" sz="1800" dirty="0"/>
+              <a:t>	path( </a:t>
+            </a:r>
+            <a:r>
+              <a:rPr lang="en-US" sz="1800" dirty="0">
+                <a:solidFill>
+                  <a:srgbClr val="C00000"/>
+                </a:solidFill>
+              </a:rPr>
+              <a:t>‘&lt;</a:t>
+            </a:r>
+            <a:r>
+              <a:rPr lang="en-US" sz="1800" dirty="0" err="1">
+                <a:solidFill>
+                  <a:srgbClr val="C00000"/>
+                </a:solidFill>
+              </a:rPr>
+              <a:t>int:question_id</a:t>
+            </a:r>
+            <a:r>
+              <a:rPr lang="en-US" sz="1800" dirty="0">
+                <a:solidFill>
+                  <a:srgbClr val="C00000"/>
+                </a:solidFill>
+              </a:rPr>
+              <a:t>&gt;/vote/’</a:t>
+            </a:r>
+            <a:r>
+              <a:rPr lang="en-US" sz="1800" dirty="0"/>
+              <a:t>, </a:t>
+            </a:r>
+            <a:r>
+              <a:rPr lang="en-US" sz="1800" dirty="0" err="1"/>
+              <a:t>views.vote</a:t>
+            </a:r>
+            <a:r>
+              <a:rPr lang="en-US" sz="1800" dirty="0"/>
+              <a:t>, name = </a:t>
+            </a:r>
+            <a:r>
+              <a:rPr lang="en-US" sz="1800" dirty="0">
+                <a:solidFill>
+                  <a:srgbClr val="C00000"/>
+                </a:solidFill>
+              </a:rPr>
+              <a:t>‘vote’ </a:t>
+            </a:r>
+            <a:r>
+              <a:rPr lang="en-US" sz="1800" dirty="0"/>
+              <a:t>),</a:t>
+            </a:r>
+          </a:p>
+          <a:p>
+            <a:pPr marL="0" indent="0">
+              <a:buNone/>
+            </a:pPr>
+            <a:r>
+              <a:rPr lang="en-US" sz="1800" dirty="0"/>
+              <a:t>	]</a:t>
+            </a:r>
+          </a:p>
+        </p:txBody>
+      </p:sp>
+      <p:sp>
+        <p:nvSpPr>
+          <p:cNvPr id="4" name="Date Placeholder 3">
+            <a:extLst>
+              <a:ext uri="{FF2B5EF4-FFF2-40B4-BE49-F238E27FC236}">
+                <a16:creationId xmlns:a16="http://schemas.microsoft.com/office/drawing/2014/main" id="{29BBA604-496A-8BBA-B3F8-A4AC07BCF185}"/>
+              </a:ext>
+            </a:extLst>
+          </p:cNvPr>
+          <p:cNvSpPr>
+            <a:spLocks noGrp="1"/>
+          </p:cNvSpPr>
+          <p:nvPr>
+            <p:ph type="dt" sz="half" idx="10"/>
+          </p:nvPr>
+        </p:nvSpPr>
+        <p:spPr/>
+        <p:txBody>
+          <a:bodyPr/>
+          <a:lstStyle/>
+          <a:p>
+            <a:fld id="{579F6069-8263-4296-913A-BC2234E8D32B}" type="datetime1">
+              <a:rPr lang="en-US" smtClean="0"/>
+              <a:t>12/27/2023</a:t>
+            </a:fld>
+            <a:endParaRPr lang="en-US"/>
+          </a:p>
+        </p:txBody>
+      </p:sp>
+      <p:sp>
+        <p:nvSpPr>
+          <p:cNvPr id="5" name="Footer Placeholder 4">
+            <a:extLst>
+              <a:ext uri="{FF2B5EF4-FFF2-40B4-BE49-F238E27FC236}">
+                <a16:creationId xmlns:a16="http://schemas.microsoft.com/office/drawing/2014/main" id="{211306AE-AEC6-0DB7-9F83-5C53F9C27193}"/>
+              </a:ext>
+            </a:extLst>
+          </p:cNvPr>
+          <p:cNvSpPr>
+            <a:spLocks noGrp="1"/>
+          </p:cNvSpPr>
+          <p:nvPr>
+            <p:ph type="ftr" sz="quarter" idx="11"/>
+          </p:nvPr>
+        </p:nvSpPr>
+        <p:spPr/>
+        <p:txBody>
+          <a:bodyPr/>
+          <a:lstStyle/>
+          <a:p>
+            <a:r>
+              <a:rPr lang="en-US"/>
+              <a:t>Sample Footer Text</a:t>
+            </a:r>
+          </a:p>
+        </p:txBody>
+      </p:sp>
+      <p:sp>
+        <p:nvSpPr>
+          <p:cNvPr id="6" name="Slide Number Placeholder 5">
+            <a:extLst>
+              <a:ext uri="{FF2B5EF4-FFF2-40B4-BE49-F238E27FC236}">
+                <a16:creationId xmlns:a16="http://schemas.microsoft.com/office/drawing/2014/main" id="{C6FB14EE-C98F-1902-78B6-980F00D0C186}"/>
+              </a:ext>
+            </a:extLst>
+          </p:cNvPr>
+          <p:cNvSpPr>
+            <a:spLocks noGrp="1"/>
+          </p:cNvSpPr>
+          <p:nvPr>
+            <p:ph type="sldNum" sz="quarter" idx="12"/>
+          </p:nvPr>
+        </p:nvSpPr>
+        <p:spPr/>
+        <p:txBody>
+          <a:bodyPr/>
+          <a:lstStyle/>
+          <a:p>
+            <a:fld id="{C68AC1EC-23E2-4F0E-A5A4-674EC8DB954E}" type="slidenum">
+              <a:rPr lang="en-US" smtClean="0"/>
+              <a:t>27</a:t>
+            </a:fld>
+            <a:endParaRPr lang="en-US"/>
+          </a:p>
+        </p:txBody>
+      </p:sp>
+    </p:spTree>
+    <p:extLst>
+      <p:ext uri="{BB962C8B-B14F-4D97-AF65-F5344CB8AC3E}">
+        <p14:creationId xmlns:p14="http://schemas.microsoft.com/office/powerpoint/2010/main" val="1836452887"/>
+      </p:ext>
+    </p:extLst>
+  </p:cSld>
+  <p:clrMapOvr>
+    <a:masterClrMapping/>
+  </p:clrMapOvr>
+</p:sld>
+</file>
+
+<file path=ppt/slides/slide28.xml><?xml version="1.0" encoding="utf-8"?>
+<p:sld xmlns:a="http://schemas.openxmlformats.org/drawingml/2006/main" xmlns:r="http://schemas.openxmlformats.org/officeDocument/2006/relationships" xmlns:p="http://schemas.openxmlformats.org/presentationml/2006/main">
+  <p:cSld>
+    <p:spTree>
+      <p:nvGrpSpPr>
+        <p:cNvPr id="1" name=""/>
+        <p:cNvGrpSpPr/>
+        <p:nvPr/>
+      </p:nvGrpSpPr>
+      <p:grpSpPr>
+        <a:xfrm>
+          <a:off x="0" y="0"/>
+          <a:ext cx="0" cy="0"/>
+          <a:chOff x="0" y="0"/>
+          <a:chExt cx="0" cy="0"/>
+        </a:xfrm>
+      </p:grpSpPr>
+      <p:sp>
+        <p:nvSpPr>
+          <p:cNvPr id="7" name="Rectangle 6">
+            <a:extLst>
+              <a:ext uri="{FF2B5EF4-FFF2-40B4-BE49-F238E27FC236}">
+                <a16:creationId xmlns:a16="http://schemas.microsoft.com/office/drawing/2014/main" id="{C0CD1E4E-70C9-263C-D41C-497D72A4C6BA}"/>
+              </a:ext>
+            </a:extLst>
+          </p:cNvPr>
+          <p:cNvSpPr/>
+          <p:nvPr/>
+        </p:nvSpPr>
+        <p:spPr>
+          <a:xfrm>
+            <a:off x="877824" y="3053918"/>
+            <a:ext cx="7216449" cy="1731146"/>
+          </a:xfrm>
+          <a:prstGeom prst="rect">
+            <a:avLst/>
+          </a:prstGeom>
+          <a:solidFill>
+            <a:schemeClr val="tx2">
+              <a:lumMod val="10000"/>
+              <a:lumOff val="90000"/>
+            </a:schemeClr>
+          </a:solidFill>
+        </p:spPr>
+        <p:style>
+          <a:lnRef idx="2">
+            <a:schemeClr val="accent1">
+              <a:shade val="50000"/>
+            </a:schemeClr>
+          </a:lnRef>
+          <a:fillRef idx="1">
+            <a:schemeClr val="accent1"/>
+          </a:fillRef>
+          <a:effectRef idx="0">
+            <a:schemeClr val="accent1"/>
+          </a:effectRef>
+          <a:fontRef idx="minor">
+            <a:schemeClr val="lt1"/>
+          </a:fontRef>
+        </p:style>
+        <p:txBody>
+          <a:bodyPr rtlCol="0" anchor="ctr"/>
+          <a:lstStyle/>
+          <a:p>
+            <a:pPr algn="ctr"/>
+            <a:endParaRPr lang="en-US"/>
+          </a:p>
+        </p:txBody>
+      </p:sp>
+      <p:sp>
+        <p:nvSpPr>
+          <p:cNvPr id="2" name="Title 1">
+            <a:extLst>
+              <a:ext uri="{FF2B5EF4-FFF2-40B4-BE49-F238E27FC236}">
+                <a16:creationId xmlns:a16="http://schemas.microsoft.com/office/drawing/2014/main" id="{1B751DA1-B99E-FA60-26A7-10BE7D220B71}"/>
+              </a:ext>
+            </a:extLst>
+          </p:cNvPr>
+          <p:cNvSpPr>
+            <a:spLocks noGrp="1"/>
+          </p:cNvSpPr>
+          <p:nvPr>
+            <p:ph type="title"/>
+          </p:nvPr>
+        </p:nvSpPr>
+        <p:spPr/>
+        <p:txBody>
+          <a:bodyPr/>
+          <a:lstStyle/>
+          <a:p>
+            <a:r>
+              <a:rPr lang="en-US" dirty="0"/>
+              <a:t>Writing a meaningful view</a:t>
+            </a:r>
+          </a:p>
+        </p:txBody>
+      </p:sp>
+      <p:sp>
+        <p:nvSpPr>
+          <p:cNvPr id="3" name="Content Placeholder 2">
+            <a:extLst>
+              <a:ext uri="{FF2B5EF4-FFF2-40B4-BE49-F238E27FC236}">
+                <a16:creationId xmlns:a16="http://schemas.microsoft.com/office/drawing/2014/main" id="{E74FCEBF-2A31-0A89-EF0C-A42FAB6712E2}"/>
+              </a:ext>
+            </a:extLst>
+          </p:cNvPr>
+          <p:cNvSpPr>
+            <a:spLocks noGrp="1"/>
+          </p:cNvSpPr>
+          <p:nvPr>
+            <p:ph idx="1"/>
+          </p:nvPr>
+        </p:nvSpPr>
+        <p:spPr/>
+        <p:txBody>
+          <a:bodyPr/>
+          <a:lstStyle/>
+          <a:p>
+            <a:r>
+              <a:rPr lang="en-US" dirty="0"/>
+              <a:t>The following code displays the latest 3 poll questions in the system, separated by commas, according to publication date but it is hardcoded</a:t>
+            </a:r>
+          </a:p>
+          <a:p>
+            <a:endParaRPr lang="en-US" dirty="0"/>
+          </a:p>
+          <a:p>
+            <a:pPr marL="0" indent="0">
+              <a:buNone/>
+            </a:pPr>
+            <a:r>
+              <a:rPr lang="en-US" b="1" dirty="0">
+                <a:solidFill>
+                  <a:srgbClr val="491AF6"/>
+                </a:solidFill>
+              </a:rPr>
+              <a:t>def</a:t>
+            </a:r>
+            <a:r>
+              <a:rPr lang="en-US" dirty="0"/>
+              <a:t> index(request):    </a:t>
+            </a:r>
+            <a:br>
+              <a:rPr lang="en-US" dirty="0"/>
+            </a:br>
+            <a:r>
+              <a:rPr lang="en-US" dirty="0"/>
+              <a:t>	</a:t>
+            </a:r>
+            <a:r>
+              <a:rPr lang="en-US" dirty="0" err="1"/>
+              <a:t>latest_questions</a:t>
+            </a:r>
+            <a:r>
+              <a:rPr lang="en-US" dirty="0"/>
+              <a:t> = </a:t>
+            </a:r>
+            <a:r>
+              <a:rPr lang="en-US" dirty="0" err="1"/>
+              <a:t>Question.objects.order_by</a:t>
+            </a:r>
+            <a:r>
+              <a:rPr lang="en-US" dirty="0"/>
+              <a:t>(</a:t>
+            </a:r>
+            <a:r>
+              <a:rPr lang="en-US" dirty="0">
+                <a:solidFill>
+                  <a:srgbClr val="C00000"/>
+                </a:solidFill>
+              </a:rPr>
+              <a:t>'-</a:t>
+            </a:r>
+            <a:r>
+              <a:rPr lang="en-US" dirty="0" err="1">
+                <a:solidFill>
+                  <a:srgbClr val="C00000"/>
+                </a:solidFill>
+              </a:rPr>
+              <a:t>pub_date</a:t>
+            </a:r>
+            <a:r>
+              <a:rPr lang="en-US" dirty="0">
+                <a:solidFill>
+                  <a:srgbClr val="C00000"/>
+                </a:solidFill>
+              </a:rPr>
+              <a:t>'</a:t>
+            </a:r>
+            <a:r>
+              <a:rPr lang="en-US" dirty="0"/>
+              <a:t>)[:3]    </a:t>
+            </a:r>
+            <a:br>
+              <a:rPr lang="en-US" dirty="0"/>
+            </a:br>
+            <a:r>
+              <a:rPr lang="en-US" dirty="0"/>
+              <a:t>	output = </a:t>
+            </a:r>
+            <a:r>
+              <a:rPr lang="en-US" dirty="0">
+                <a:solidFill>
+                  <a:srgbClr val="C00000"/>
+                </a:solidFill>
+              </a:rPr>
+              <a:t>', '</a:t>
+            </a:r>
+            <a:r>
+              <a:rPr lang="en-US" dirty="0"/>
+              <a:t>.join([</a:t>
+            </a:r>
+            <a:r>
+              <a:rPr lang="en-US" dirty="0" err="1"/>
+              <a:t>q.question_text</a:t>
+            </a:r>
+            <a:r>
+              <a:rPr lang="en-US" dirty="0"/>
+              <a:t> for q in </a:t>
+            </a:r>
+            <a:r>
+              <a:rPr lang="en-US" dirty="0" err="1"/>
+              <a:t>latest_questions</a:t>
+            </a:r>
+            <a:r>
+              <a:rPr lang="en-US" dirty="0"/>
+              <a:t>])    </a:t>
+            </a:r>
+            <a:br>
+              <a:rPr lang="en-US" dirty="0"/>
+            </a:br>
+            <a:r>
+              <a:rPr lang="en-US" dirty="0"/>
+              <a:t>	</a:t>
+            </a:r>
+            <a:r>
+              <a:rPr lang="en-US" b="1" dirty="0">
+                <a:solidFill>
+                  <a:srgbClr val="491AF6"/>
+                </a:solidFill>
+              </a:rPr>
+              <a:t>return</a:t>
+            </a:r>
+            <a:r>
+              <a:rPr lang="en-US" dirty="0"/>
+              <a:t> </a:t>
+            </a:r>
+            <a:r>
+              <a:rPr lang="en-US" dirty="0" err="1"/>
+              <a:t>HttpResponse</a:t>
+            </a:r>
+            <a:r>
+              <a:rPr lang="en-US" dirty="0"/>
+              <a:t>(output)</a:t>
+            </a:r>
+          </a:p>
+          <a:p>
+            <a:pPr marL="0" indent="0">
+              <a:buNone/>
+            </a:pPr>
+            <a:endParaRPr lang="en-US" dirty="0"/>
+          </a:p>
+          <a:p>
+            <a:r>
+              <a:rPr lang="en-US" dirty="0"/>
+              <a:t>The aim always is to keep the content as dynamic as possible as it makes it easier to update</a:t>
+            </a:r>
+          </a:p>
+          <a:p>
+            <a:r>
+              <a:rPr lang="en-US" dirty="0"/>
+              <a:t>We do this by using Templates</a:t>
+            </a:r>
+          </a:p>
+        </p:txBody>
+      </p:sp>
+      <p:sp>
+        <p:nvSpPr>
+          <p:cNvPr id="4" name="Date Placeholder 3">
+            <a:extLst>
+              <a:ext uri="{FF2B5EF4-FFF2-40B4-BE49-F238E27FC236}">
+                <a16:creationId xmlns:a16="http://schemas.microsoft.com/office/drawing/2014/main" id="{0DFF3848-7641-6A37-9365-A0F031F8DC45}"/>
+              </a:ext>
+            </a:extLst>
+          </p:cNvPr>
+          <p:cNvSpPr>
+            <a:spLocks noGrp="1"/>
+          </p:cNvSpPr>
+          <p:nvPr>
+            <p:ph type="dt" sz="half" idx="10"/>
+          </p:nvPr>
+        </p:nvSpPr>
+        <p:spPr/>
+        <p:txBody>
+          <a:bodyPr/>
+          <a:lstStyle/>
+          <a:p>
+            <a:fld id="{579F6069-8263-4296-913A-BC2234E8D32B}" type="datetime1">
+              <a:rPr lang="en-US" smtClean="0"/>
+              <a:t>12/27/2023</a:t>
+            </a:fld>
+            <a:endParaRPr lang="en-US"/>
+          </a:p>
+        </p:txBody>
+      </p:sp>
+      <p:sp>
+        <p:nvSpPr>
+          <p:cNvPr id="6" name="Slide Number Placeholder 5">
+            <a:extLst>
+              <a:ext uri="{FF2B5EF4-FFF2-40B4-BE49-F238E27FC236}">
+                <a16:creationId xmlns:a16="http://schemas.microsoft.com/office/drawing/2014/main" id="{7FDAB038-5834-30C7-93F7-5F3F582594CF}"/>
+              </a:ext>
+            </a:extLst>
+          </p:cNvPr>
+          <p:cNvSpPr>
+            <a:spLocks noGrp="1"/>
+          </p:cNvSpPr>
+          <p:nvPr>
+            <p:ph type="sldNum" sz="quarter" idx="12"/>
+          </p:nvPr>
+        </p:nvSpPr>
+        <p:spPr/>
+        <p:txBody>
+          <a:bodyPr/>
+          <a:lstStyle/>
+          <a:p>
+            <a:fld id="{C68AC1EC-23E2-4F0E-A5A4-674EC8DB954E}" type="slidenum">
+              <a:rPr lang="en-US" smtClean="0"/>
+              <a:t>28</a:t>
+            </a:fld>
+            <a:endParaRPr lang="en-US"/>
+          </a:p>
+        </p:txBody>
+      </p:sp>
+    </p:spTree>
+    <p:extLst>
+      <p:ext uri="{BB962C8B-B14F-4D97-AF65-F5344CB8AC3E}">
+        <p14:creationId xmlns:p14="http://schemas.microsoft.com/office/powerpoint/2010/main" val="2914344922"/>
+      </p:ext>
+    </p:extLst>
+  </p:cSld>
+  <p:clrMapOvr>
+    <a:masterClrMapping/>
+  </p:clrMapOvr>
+</p:sld>
+</file>
+
+<file path=ppt/slides/slide29.xml><?xml version="1.0" encoding="utf-8"?>
+<p:sld xmlns:a="http://schemas.openxmlformats.org/drawingml/2006/main" xmlns:r="http://schemas.openxmlformats.org/officeDocument/2006/relationships" xmlns:p="http://schemas.openxmlformats.org/presentationml/2006/main">
+  <p:cSld>
+    <p:spTree>
+      <p:nvGrpSpPr>
+        <p:cNvPr id="1" name=""/>
+        <p:cNvGrpSpPr/>
+        <p:nvPr/>
+      </p:nvGrpSpPr>
+      <p:grpSpPr>
+        <a:xfrm>
+          <a:off x="0" y="0"/>
+          <a:ext cx="0" cy="0"/>
+          <a:chOff x="0" y="0"/>
+          <a:chExt cx="0" cy="0"/>
+        </a:xfrm>
+      </p:grpSpPr>
+      <p:sp>
+        <p:nvSpPr>
+          <p:cNvPr id="2" name="Title 1">
+            <a:extLst>
+              <a:ext uri="{FF2B5EF4-FFF2-40B4-BE49-F238E27FC236}">
+                <a16:creationId xmlns:a16="http://schemas.microsoft.com/office/drawing/2014/main" id="{01A313B3-84B6-98F0-D9E6-FA45C3ADC890}"/>
+              </a:ext>
+            </a:extLst>
+          </p:cNvPr>
+          <p:cNvSpPr>
+            <a:spLocks noGrp="1"/>
+          </p:cNvSpPr>
+          <p:nvPr>
+            <p:ph type="title"/>
+          </p:nvPr>
+        </p:nvSpPr>
+        <p:spPr/>
+        <p:txBody>
+          <a:bodyPr/>
+          <a:lstStyle/>
+          <a:p>
+            <a:r>
+              <a:rPr lang="en-US" dirty="0"/>
+              <a:t>Writing a Template</a:t>
+            </a:r>
+          </a:p>
+        </p:txBody>
+      </p:sp>
+      <p:sp>
+        <p:nvSpPr>
+          <p:cNvPr id="3" name="Content Placeholder 2">
+            <a:extLst>
+              <a:ext uri="{FF2B5EF4-FFF2-40B4-BE49-F238E27FC236}">
+                <a16:creationId xmlns:a16="http://schemas.microsoft.com/office/drawing/2014/main" id="{F8009B07-A9ED-AF98-216C-668631D0DC66}"/>
+              </a:ext>
+            </a:extLst>
+          </p:cNvPr>
+          <p:cNvSpPr>
+            <a:spLocks noGrp="1"/>
+          </p:cNvSpPr>
+          <p:nvPr>
+            <p:ph idx="1"/>
+          </p:nvPr>
+        </p:nvSpPr>
+        <p:spPr>
+          <a:xfrm>
+            <a:off x="877824" y="2157985"/>
+            <a:ext cx="10442448" cy="1265928"/>
+          </a:xfrm>
+        </p:spPr>
+        <p:txBody>
+          <a:bodyPr>
+            <a:normAutofit/>
+          </a:bodyPr>
+          <a:lstStyle/>
+          <a:p>
+            <a:r>
+              <a:rPr lang="en-US" dirty="0"/>
+              <a:t>Create a </a:t>
+            </a:r>
+            <a:r>
+              <a:rPr lang="en-US" b="1" dirty="0"/>
+              <a:t>templates</a:t>
+            </a:r>
+            <a:r>
+              <a:rPr lang="en-US" dirty="0"/>
+              <a:t> folder within the </a:t>
+            </a:r>
+            <a:r>
+              <a:rPr lang="en-US" b="1" dirty="0" err="1"/>
+              <a:t>mysite</a:t>
+            </a:r>
+            <a:r>
+              <a:rPr lang="en-US" dirty="0"/>
+              <a:t> folder</a:t>
+            </a:r>
+          </a:p>
+          <a:p>
+            <a:r>
+              <a:rPr lang="en-US" dirty="0"/>
+              <a:t>Create a </a:t>
+            </a:r>
+            <a:r>
+              <a:rPr lang="en-US" b="1" dirty="0"/>
+              <a:t>polls</a:t>
+            </a:r>
+            <a:r>
+              <a:rPr lang="en-US" dirty="0"/>
+              <a:t> sub-folder within the templates folder to allow for multiple applications</a:t>
+            </a:r>
+          </a:p>
+          <a:p>
+            <a:r>
+              <a:rPr lang="en-US" dirty="0"/>
+              <a:t>In that sub-folder, create a file </a:t>
+            </a:r>
+            <a:r>
+              <a:rPr lang="en-US" b="1" i="1" dirty="0"/>
+              <a:t>index.html </a:t>
+            </a:r>
+            <a:r>
+              <a:rPr lang="en-US" dirty="0"/>
+              <a:t>and add the following code:</a:t>
+            </a:r>
+          </a:p>
+        </p:txBody>
+      </p:sp>
+      <p:sp>
+        <p:nvSpPr>
+          <p:cNvPr id="4" name="Date Placeholder 3">
+            <a:extLst>
+              <a:ext uri="{FF2B5EF4-FFF2-40B4-BE49-F238E27FC236}">
+                <a16:creationId xmlns:a16="http://schemas.microsoft.com/office/drawing/2014/main" id="{8A44280F-45E4-16F2-1F77-97E4E0D85053}"/>
+              </a:ext>
+            </a:extLst>
+          </p:cNvPr>
+          <p:cNvSpPr>
+            <a:spLocks noGrp="1"/>
+          </p:cNvSpPr>
+          <p:nvPr>
+            <p:ph type="dt" sz="half" idx="10"/>
+          </p:nvPr>
+        </p:nvSpPr>
+        <p:spPr/>
+        <p:txBody>
+          <a:bodyPr/>
+          <a:lstStyle/>
+          <a:p>
+            <a:fld id="{579F6069-8263-4296-913A-BC2234E8D32B}" type="datetime1">
+              <a:rPr lang="en-US" smtClean="0"/>
+              <a:t>12/27/2023</a:t>
+            </a:fld>
+            <a:endParaRPr lang="en-US"/>
+          </a:p>
+        </p:txBody>
+      </p:sp>
+      <p:sp>
+        <p:nvSpPr>
+          <p:cNvPr id="6" name="Slide Number Placeholder 5">
+            <a:extLst>
+              <a:ext uri="{FF2B5EF4-FFF2-40B4-BE49-F238E27FC236}">
+                <a16:creationId xmlns:a16="http://schemas.microsoft.com/office/drawing/2014/main" id="{586CD712-E028-D711-9EE6-2D04E8A1E59A}"/>
+              </a:ext>
+            </a:extLst>
+          </p:cNvPr>
+          <p:cNvSpPr>
+            <a:spLocks noGrp="1"/>
+          </p:cNvSpPr>
+          <p:nvPr>
+            <p:ph type="sldNum" sz="quarter" idx="12"/>
+          </p:nvPr>
+        </p:nvSpPr>
+        <p:spPr/>
+        <p:txBody>
+          <a:bodyPr/>
+          <a:lstStyle/>
+          <a:p>
+            <a:fld id="{C68AC1EC-23E2-4F0E-A5A4-674EC8DB954E}" type="slidenum">
+              <a:rPr lang="en-US" smtClean="0"/>
+              <a:t>29</a:t>
+            </a:fld>
+            <a:endParaRPr lang="en-US"/>
+          </a:p>
+        </p:txBody>
+      </p:sp>
+      <p:sp>
+        <p:nvSpPr>
+          <p:cNvPr id="8" name="Rectangle 7">
+            <a:extLst>
+              <a:ext uri="{FF2B5EF4-FFF2-40B4-BE49-F238E27FC236}">
+                <a16:creationId xmlns:a16="http://schemas.microsoft.com/office/drawing/2014/main" id="{FAC1ECA6-F52B-E402-AEFD-175ACF3585C6}"/>
+              </a:ext>
+            </a:extLst>
+          </p:cNvPr>
+          <p:cNvSpPr/>
+          <p:nvPr/>
+        </p:nvSpPr>
+        <p:spPr>
+          <a:xfrm>
+            <a:off x="871108" y="3423913"/>
+            <a:ext cx="7216449" cy="2932436"/>
+          </a:xfrm>
+          <a:prstGeom prst="rect">
+            <a:avLst/>
+          </a:prstGeom>
+          <a:solidFill>
+            <a:schemeClr val="tx2">
+              <a:lumMod val="10000"/>
+              <a:lumOff val="90000"/>
+            </a:schemeClr>
+          </a:solidFill>
+        </p:spPr>
+        <p:style>
+          <a:lnRef idx="2">
+            <a:schemeClr val="accent1">
+              <a:shade val="50000"/>
+            </a:schemeClr>
+          </a:lnRef>
+          <a:fillRef idx="1">
+            <a:schemeClr val="accent1"/>
+          </a:fillRef>
+          <a:effectRef idx="0">
+            <a:schemeClr val="accent1"/>
+          </a:effectRef>
+          <a:fontRef idx="minor">
+            <a:schemeClr val="lt1"/>
+          </a:fontRef>
+        </p:style>
+        <p:txBody>
+          <a:bodyPr rtlCol="0" anchor="ctr"/>
+          <a:lstStyle/>
+          <a:p>
+            <a:pPr algn="ctr"/>
+            <a:endParaRPr lang="en-US"/>
+          </a:p>
+        </p:txBody>
+      </p:sp>
+      <p:sp>
+        <p:nvSpPr>
+          <p:cNvPr id="7" name="Content Placeholder 2">
+            <a:extLst>
+              <a:ext uri="{FF2B5EF4-FFF2-40B4-BE49-F238E27FC236}">
+                <a16:creationId xmlns:a16="http://schemas.microsoft.com/office/drawing/2014/main" id="{4B700E5F-18AD-9DFD-30FF-C2094B941A47}"/>
+              </a:ext>
+            </a:extLst>
+          </p:cNvPr>
+          <p:cNvSpPr txBox="1">
+            <a:spLocks/>
+          </p:cNvSpPr>
+          <p:nvPr/>
+        </p:nvSpPr>
+        <p:spPr>
+          <a:xfrm>
+            <a:off x="871108" y="3423914"/>
+            <a:ext cx="10442448" cy="2932436"/>
+          </a:xfrm>
+          <a:prstGeom prst="rect">
+            <a:avLst/>
+          </a:prstGeom>
+        </p:spPr>
+        <p:txBody>
+          <a:bodyPr vert="horz" lIns="91440" tIns="45720" rIns="91440" bIns="45720" rtlCol="0">
+            <a:normAutofit fontScale="62500" lnSpcReduction="20000"/>
+          </a:bodyPr>
+          <a:lstStyle>
+            <a:lvl1pPr marL="228600" indent="-228600" algn="l" defTabSz="914400" rtl="0" eaLnBrk="1" latinLnBrk="0" hangingPunct="1">
+              <a:lnSpc>
+                <a:spcPct val="120000"/>
+              </a:lnSpc>
+              <a:spcBef>
+                <a:spcPts val="1000"/>
+              </a:spcBef>
+              <a:buFont typeface="Arial" panose="020B0604020202020204" pitchFamily="34" charset="0"/>
+              <a:buChar char="•"/>
+              <a:defRPr sz="1600" kern="1200">
+                <a:solidFill>
+                  <a:schemeClr val="tx2"/>
+                </a:solidFill>
+                <a:latin typeface="+mn-lt"/>
+                <a:ea typeface="+mn-ea"/>
+                <a:cs typeface="+mn-cs"/>
+              </a:defRPr>
+            </a:lvl1pPr>
+            <a:lvl2pPr marL="457200" indent="-228600" algn="l" defTabSz="914400" rtl="0" eaLnBrk="1" latinLnBrk="0" hangingPunct="1">
+              <a:lnSpc>
+                <a:spcPct val="120000"/>
+              </a:lnSpc>
+              <a:spcBef>
+                <a:spcPts val="500"/>
+              </a:spcBef>
+              <a:buFont typeface="Arial" panose="020B0604020202020204" pitchFamily="34" charset="0"/>
+              <a:buChar char="•"/>
+              <a:defRPr sz="1400" kern="1200">
+                <a:solidFill>
+                  <a:schemeClr val="tx2"/>
+                </a:solidFill>
+                <a:latin typeface="+mn-lt"/>
+                <a:ea typeface="+mn-ea"/>
+                <a:cs typeface="+mn-cs"/>
+              </a:defRPr>
+            </a:lvl2pPr>
+            <a:lvl3pPr marL="685800" indent="-228600" algn="l" defTabSz="914400" rtl="0" eaLnBrk="1" latinLnBrk="0" hangingPunct="1">
+              <a:lnSpc>
+                <a:spcPct val="120000"/>
+              </a:lnSpc>
+              <a:spcBef>
+                <a:spcPts val="500"/>
+              </a:spcBef>
+              <a:buFont typeface="Arial" panose="020B0604020202020204" pitchFamily="34" charset="0"/>
+              <a:buChar char="•"/>
+              <a:defRPr sz="1200" kern="1200">
+                <a:solidFill>
+                  <a:schemeClr val="tx2"/>
+                </a:solidFill>
+                <a:latin typeface="+mn-lt"/>
+                <a:ea typeface="+mn-ea"/>
+                <a:cs typeface="+mn-cs"/>
+              </a:defRPr>
+            </a:lvl3pPr>
+            <a:lvl4pPr marL="914400" indent="-228600" algn="l" defTabSz="914400" rtl="0" eaLnBrk="1" latinLnBrk="0" hangingPunct="1">
+              <a:lnSpc>
+                <a:spcPct val="120000"/>
+              </a:lnSpc>
+              <a:spcBef>
+                <a:spcPts val="500"/>
+              </a:spcBef>
+              <a:buFont typeface="Arial" panose="020B0604020202020204" pitchFamily="34" charset="0"/>
+              <a:buChar char="•"/>
+              <a:defRPr sz="1100" kern="1200">
+                <a:solidFill>
+                  <a:schemeClr val="tx2"/>
+                </a:solidFill>
+                <a:latin typeface="+mn-lt"/>
+                <a:ea typeface="+mn-ea"/>
+                <a:cs typeface="+mn-cs"/>
+              </a:defRPr>
+            </a:lvl4pPr>
+            <a:lvl5pPr marL="1143000" indent="-228600" algn="l" defTabSz="914400" rtl="0" eaLnBrk="1" latinLnBrk="0" hangingPunct="1">
+              <a:lnSpc>
+                <a:spcPct val="120000"/>
+              </a:lnSpc>
+              <a:spcBef>
+                <a:spcPts val="500"/>
+              </a:spcBef>
+              <a:buFont typeface="Arial" panose="020B0604020202020204" pitchFamily="34" charset="0"/>
+              <a:buChar char="•"/>
+              <a:defRPr sz="1100" kern="1200">
+                <a:solidFill>
+                  <a:schemeClr val="tx2"/>
+                </a:solidFill>
+                <a:latin typeface="+mn-lt"/>
+                <a:ea typeface="+mn-ea"/>
+                <a:cs typeface="+mn-cs"/>
+              </a:defRPr>
+            </a:lvl5pPr>
+            <a:lvl6pPr marL="2514600" indent="-228600" algn="l" defTabSz="914400" rtl="0" eaLnBrk="1" latinLnBrk="0" hangingPunct="1">
+              <a:lnSpc>
+                <a:spcPct val="90000"/>
+              </a:lnSpc>
+              <a:spcBef>
+                <a:spcPts val="500"/>
+              </a:spcBef>
+              <a:buFont typeface="Arial" panose="020B0604020202020204" pitchFamily="34" charset="0"/>
+              <a:buChar char="•"/>
+              <a:defRPr sz="1800" kern="1200">
+                <a:solidFill>
+                  <a:schemeClr val="tx1"/>
+                </a:solidFill>
+                <a:latin typeface="+mn-lt"/>
+                <a:ea typeface="+mn-ea"/>
+                <a:cs typeface="+mn-cs"/>
+              </a:defRPr>
+            </a:lvl6pPr>
+            <a:lvl7pPr marL="2971800" indent="-228600" algn="l" defTabSz="914400" rtl="0" eaLnBrk="1" latinLnBrk="0" hangingPunct="1">
+              <a:lnSpc>
+                <a:spcPct val="90000"/>
+              </a:lnSpc>
+              <a:spcBef>
+                <a:spcPts val="500"/>
+              </a:spcBef>
+              <a:buFont typeface="Arial" panose="020B0604020202020204" pitchFamily="34" charset="0"/>
+              <a:buChar char="•"/>
+              <a:defRPr sz="1800" kern="1200">
+                <a:solidFill>
+                  <a:schemeClr val="tx1"/>
+                </a:solidFill>
+                <a:latin typeface="+mn-lt"/>
+                <a:ea typeface="+mn-ea"/>
+                <a:cs typeface="+mn-cs"/>
+              </a:defRPr>
+            </a:lvl7pPr>
+            <a:lvl8pPr marL="3429000" indent="-228600" algn="l" defTabSz="914400" rtl="0" eaLnBrk="1" latinLnBrk="0" hangingPunct="1">
+              <a:lnSpc>
+                <a:spcPct val="90000"/>
+              </a:lnSpc>
+              <a:spcBef>
+                <a:spcPts val="500"/>
+              </a:spcBef>
+              <a:buFont typeface="Arial" panose="020B0604020202020204" pitchFamily="34" charset="0"/>
+              <a:buChar char="•"/>
+              <a:defRPr sz="1800" kern="1200">
+                <a:solidFill>
+                  <a:schemeClr val="tx1"/>
+                </a:solidFill>
+                <a:latin typeface="+mn-lt"/>
+                <a:ea typeface="+mn-ea"/>
+                <a:cs typeface="+mn-cs"/>
+              </a:defRPr>
+            </a:lvl8pPr>
+            <a:lvl9pPr marL="3886200" indent="-228600" algn="l" defTabSz="914400" rtl="0" eaLnBrk="1" latinLnBrk="0" hangingPunct="1">
+              <a:lnSpc>
+                <a:spcPct val="90000"/>
+              </a:lnSpc>
+              <a:spcBef>
+                <a:spcPts val="500"/>
+              </a:spcBef>
+              <a:buFont typeface="Arial" panose="020B0604020202020204" pitchFamily="34" charset="0"/>
+              <a:buChar char="•"/>
+              <a:defRPr sz="1800" kern="1200">
+                <a:solidFill>
+                  <a:schemeClr val="tx1"/>
+                </a:solidFill>
+                <a:latin typeface="+mn-lt"/>
+                <a:ea typeface="+mn-ea"/>
+                <a:cs typeface="+mn-cs"/>
+              </a:defRPr>
+            </a:lvl9pPr>
+          </a:lstStyle>
+          <a:p>
+            <a:pPr marL="0" indent="0">
+              <a:buNone/>
+            </a:pPr>
+            <a:r>
+              <a:rPr lang="en-US" sz="2500" dirty="0"/>
+              <a:t>{% if </a:t>
+            </a:r>
+            <a:r>
+              <a:rPr lang="en-US" sz="2500" dirty="0" err="1"/>
+              <a:t>latest_question_list</a:t>
+            </a:r>
+            <a:r>
+              <a:rPr lang="en-US" sz="2500" dirty="0"/>
+              <a:t> %}</a:t>
+            </a:r>
+          </a:p>
+          <a:p>
+            <a:pPr marL="228600" lvl="1" indent="0">
+              <a:buNone/>
+            </a:pPr>
+            <a:r>
+              <a:rPr lang="en-US" sz="2500" dirty="0"/>
+              <a:t>&lt;ul&gt;</a:t>
+            </a:r>
+          </a:p>
+          <a:p>
+            <a:pPr marL="457200" lvl="2" indent="0">
+              <a:buNone/>
+            </a:pPr>
+            <a:r>
+              <a:rPr lang="en-US" sz="2500" dirty="0"/>
+              <a:t>{% for question in </a:t>
+            </a:r>
+            <a:r>
+              <a:rPr lang="en-US" sz="2500" dirty="0" err="1"/>
+              <a:t>latest_question_list</a:t>
+            </a:r>
+            <a:r>
+              <a:rPr lang="en-US" sz="2500" dirty="0"/>
+              <a:t> %}</a:t>
+            </a:r>
+          </a:p>
+          <a:p>
+            <a:pPr marL="685800" lvl="3" indent="0">
+              <a:buNone/>
+            </a:pPr>
+            <a:r>
+              <a:rPr lang="en-US" sz="2500" dirty="0"/>
+              <a:t>&lt;li&gt;&lt;a </a:t>
+            </a:r>
+            <a:r>
+              <a:rPr lang="en-US" sz="2500" dirty="0" err="1"/>
+              <a:t>href</a:t>
+            </a:r>
+            <a:r>
+              <a:rPr lang="en-US" sz="2500" dirty="0"/>
+              <a:t>="/polls/{{ question.id }}/"&gt;{{ </a:t>
+            </a:r>
+            <a:r>
+              <a:rPr lang="en-US" sz="2500" dirty="0" err="1"/>
+              <a:t>question.question_text</a:t>
+            </a:r>
+            <a:r>
+              <a:rPr lang="en-US" sz="2500" dirty="0"/>
+              <a:t> }}&lt;/a&gt;&lt;/li&gt;</a:t>
+            </a:r>
+          </a:p>
+          <a:p>
+            <a:pPr marL="457200" lvl="2" indent="0">
+              <a:buNone/>
+            </a:pPr>
+            <a:r>
+              <a:rPr lang="en-US" sz="2500" dirty="0"/>
+              <a:t>{% </a:t>
+            </a:r>
+            <a:r>
+              <a:rPr lang="en-US" sz="2500" dirty="0" err="1"/>
+              <a:t>endfor</a:t>
+            </a:r>
+            <a:r>
+              <a:rPr lang="en-US" sz="2500" dirty="0"/>
+              <a:t> %}</a:t>
+            </a:r>
+          </a:p>
+          <a:p>
+            <a:pPr marL="228600" lvl="1" indent="0">
+              <a:buNone/>
+            </a:pPr>
+            <a:r>
+              <a:rPr lang="en-US" sz="2500" dirty="0"/>
+              <a:t>&lt;/ul&gt;</a:t>
+            </a:r>
+          </a:p>
+          <a:p>
+            <a:pPr marL="0" indent="0">
+              <a:buNone/>
+            </a:pPr>
+            <a:r>
+              <a:rPr lang="en-US" sz="2500" dirty="0"/>
+              <a:t>{% else %}</a:t>
+            </a:r>
+          </a:p>
+          <a:p>
+            <a:pPr marL="228600" lvl="1" indent="0">
+              <a:buNone/>
+            </a:pPr>
+            <a:r>
+              <a:rPr lang="en-US" sz="2500" dirty="0"/>
+              <a:t>&lt;p&gt;No polls are available.&lt;/p&gt;</a:t>
+            </a:r>
+          </a:p>
+          <a:p>
+            <a:pPr marL="0" indent="0">
+              <a:buNone/>
+            </a:pPr>
+            <a:r>
+              <a:rPr lang="en-US" sz="2500" dirty="0"/>
+              <a:t>{% endif %}</a:t>
+            </a:r>
+          </a:p>
+        </p:txBody>
+      </p:sp>
+    </p:spTree>
+    <p:extLst>
+      <p:ext uri="{BB962C8B-B14F-4D97-AF65-F5344CB8AC3E}">
+        <p14:creationId xmlns:p14="http://schemas.microsoft.com/office/powerpoint/2010/main" val="2675660868"/>
+      </p:ext>
+    </p:extLst>
+  </p:cSld>
+  <p:clrMapOvr>
+    <a:masterClrMapping/>
+  </p:clrMapOvr>
+</p:sld>
+</file>
+
 <file path=ppt/slides/slide3.xml><?xml version="1.0" encoding="utf-8"?>
 <p:sld xmlns:a="http://schemas.openxmlformats.org/drawingml/2006/main" xmlns:r="http://schemas.openxmlformats.org/officeDocument/2006/relationships" xmlns:p="http://schemas.openxmlformats.org/presentationml/2006/main">
   <p:cSld>
@@ -12131,7 +14250,7 @@
           <a:p>
             <a:fld id="{579F6069-8263-4296-913A-BC2234E8D32B}" type="datetime1">
               <a:rPr lang="en-US" smtClean="0"/>
-              <a:t>12/24/2023</a:t>
+              <a:t>12/26/2023</a:t>
             </a:fld>
             <a:endParaRPr lang="en-US"/>
           </a:p>
@@ -12170,6 +14289,691 @@
     <p:extLst>
       <p:ext uri="{BB962C8B-B14F-4D97-AF65-F5344CB8AC3E}">
         <p14:creationId xmlns:p14="http://schemas.microsoft.com/office/powerpoint/2010/main" val="1280019300"/>
+      </p:ext>
+    </p:extLst>
+  </p:cSld>
+  <p:clrMapOvr>
+    <a:masterClrMapping/>
+  </p:clrMapOvr>
+</p:sld>
+</file>
+
+<file path=ppt/slides/slide30.xml><?xml version="1.0" encoding="utf-8"?>
+<p:sld xmlns:a="http://schemas.openxmlformats.org/drawingml/2006/main" xmlns:r="http://schemas.openxmlformats.org/officeDocument/2006/relationships" xmlns:p="http://schemas.openxmlformats.org/presentationml/2006/main">
+  <p:cSld>
+    <p:spTree>
+      <p:nvGrpSpPr>
+        <p:cNvPr id="1" name=""/>
+        <p:cNvGrpSpPr/>
+        <p:nvPr/>
+      </p:nvGrpSpPr>
+      <p:grpSpPr>
+        <a:xfrm>
+          <a:off x="0" y="0"/>
+          <a:ext cx="0" cy="0"/>
+          <a:chOff x="0" y="0"/>
+          <a:chExt cx="0" cy="0"/>
+        </a:xfrm>
+      </p:grpSpPr>
+      <p:sp>
+        <p:nvSpPr>
+          <p:cNvPr id="7" name="Rectangle 6">
+            <a:extLst>
+              <a:ext uri="{FF2B5EF4-FFF2-40B4-BE49-F238E27FC236}">
+                <a16:creationId xmlns:a16="http://schemas.microsoft.com/office/drawing/2014/main" id="{2E02081B-BE63-6B77-D1EF-2DC798FFBCCE}"/>
+              </a:ext>
+            </a:extLst>
+          </p:cNvPr>
+          <p:cNvSpPr/>
+          <p:nvPr/>
+        </p:nvSpPr>
+        <p:spPr>
+          <a:xfrm>
+            <a:off x="877824" y="2740333"/>
+            <a:ext cx="7216449" cy="2506370"/>
+          </a:xfrm>
+          <a:prstGeom prst="rect">
+            <a:avLst/>
+          </a:prstGeom>
+          <a:solidFill>
+            <a:schemeClr val="tx2">
+              <a:lumMod val="10000"/>
+              <a:lumOff val="90000"/>
+            </a:schemeClr>
+          </a:solidFill>
+        </p:spPr>
+        <p:style>
+          <a:lnRef idx="2">
+            <a:schemeClr val="accent1">
+              <a:shade val="50000"/>
+            </a:schemeClr>
+          </a:lnRef>
+          <a:fillRef idx="1">
+            <a:schemeClr val="accent1"/>
+          </a:fillRef>
+          <a:effectRef idx="0">
+            <a:schemeClr val="accent1"/>
+          </a:effectRef>
+          <a:fontRef idx="minor">
+            <a:schemeClr val="lt1"/>
+          </a:fontRef>
+        </p:style>
+        <p:txBody>
+          <a:bodyPr rtlCol="0" anchor="ctr"/>
+          <a:lstStyle/>
+          <a:p>
+            <a:pPr algn="ctr"/>
+            <a:endParaRPr lang="en-US"/>
+          </a:p>
+        </p:txBody>
+      </p:sp>
+      <p:sp>
+        <p:nvSpPr>
+          <p:cNvPr id="2" name="Title 1">
+            <a:extLst>
+              <a:ext uri="{FF2B5EF4-FFF2-40B4-BE49-F238E27FC236}">
+                <a16:creationId xmlns:a16="http://schemas.microsoft.com/office/drawing/2014/main" id="{D648E248-4636-EC92-0328-2EEF592EC605}"/>
+              </a:ext>
+            </a:extLst>
+          </p:cNvPr>
+          <p:cNvSpPr>
+            <a:spLocks noGrp="1"/>
+          </p:cNvSpPr>
+          <p:nvPr>
+            <p:ph type="title"/>
+          </p:nvPr>
+        </p:nvSpPr>
+        <p:spPr/>
+        <p:txBody>
+          <a:bodyPr/>
+          <a:lstStyle/>
+          <a:p>
+            <a:r>
+              <a:rPr lang="en-US" dirty="0"/>
+              <a:t>Locating your Templates folder</a:t>
+            </a:r>
+          </a:p>
+        </p:txBody>
+      </p:sp>
+      <p:sp>
+        <p:nvSpPr>
+          <p:cNvPr id="3" name="Content Placeholder 2">
+            <a:extLst>
+              <a:ext uri="{FF2B5EF4-FFF2-40B4-BE49-F238E27FC236}">
+                <a16:creationId xmlns:a16="http://schemas.microsoft.com/office/drawing/2014/main" id="{5D63BE33-970C-169D-C7F7-8458F558700A}"/>
+              </a:ext>
+            </a:extLst>
+          </p:cNvPr>
+          <p:cNvSpPr>
+            <a:spLocks noGrp="1"/>
+          </p:cNvSpPr>
+          <p:nvPr>
+            <p:ph idx="1"/>
+          </p:nvPr>
+        </p:nvSpPr>
+        <p:spPr/>
+        <p:txBody>
+          <a:bodyPr/>
+          <a:lstStyle/>
+          <a:p>
+            <a:r>
+              <a:rPr lang="en-US" dirty="0"/>
+              <a:t>Add the following to </a:t>
+            </a:r>
+            <a:r>
+              <a:rPr lang="en-US" b="1" i="1" dirty="0"/>
+              <a:t>settings.py</a:t>
+            </a:r>
+            <a:r>
+              <a:rPr lang="en-US" dirty="0"/>
+              <a:t>:</a:t>
+            </a:r>
+          </a:p>
+          <a:p>
+            <a:endParaRPr lang="en-US" dirty="0"/>
+          </a:p>
+          <a:p>
+            <a:pPr marL="0" indent="0">
+              <a:buNone/>
+            </a:pPr>
+            <a:r>
+              <a:rPr lang="en-US" dirty="0"/>
+              <a:t>TEMPLATE_DIR = </a:t>
+            </a:r>
+            <a:r>
+              <a:rPr lang="en-US" dirty="0" err="1"/>
+              <a:t>os.path.join</a:t>
+            </a:r>
+            <a:r>
+              <a:rPr lang="en-US" dirty="0"/>
+              <a:t>(BASE_DIR, 'templates')</a:t>
+            </a:r>
+          </a:p>
+          <a:p>
+            <a:pPr marL="0" indent="0">
+              <a:buNone/>
+            </a:pPr>
+            <a:r>
+              <a:rPr lang="en-US" dirty="0"/>
+              <a:t>TEMPLATES = [{</a:t>
+            </a:r>
+          </a:p>
+          <a:p>
+            <a:pPr marL="0" indent="0">
+              <a:buNone/>
+            </a:pPr>
+            <a:r>
+              <a:rPr lang="en-US" dirty="0"/>
+              <a:t>	'BACKEND':...</a:t>
+            </a:r>
+          </a:p>
+          <a:p>
+            <a:pPr marL="0" indent="0">
+              <a:buNone/>
+            </a:pPr>
+            <a:r>
+              <a:rPr lang="en-US" dirty="0"/>
+              <a:t>	'DIRS': [TEMPLATE_DIR,],</a:t>
+            </a:r>
+          </a:p>
+          <a:p>
+            <a:pPr marL="0" indent="0">
+              <a:buNone/>
+            </a:pPr>
+            <a:r>
+              <a:rPr lang="en-US" dirty="0"/>
+              <a:t>	... }]</a:t>
+            </a:r>
+          </a:p>
+        </p:txBody>
+      </p:sp>
+      <p:sp>
+        <p:nvSpPr>
+          <p:cNvPr id="4" name="Date Placeholder 3">
+            <a:extLst>
+              <a:ext uri="{FF2B5EF4-FFF2-40B4-BE49-F238E27FC236}">
+                <a16:creationId xmlns:a16="http://schemas.microsoft.com/office/drawing/2014/main" id="{54C6AE1D-AA59-4CF1-C4B4-EC9051A8EB09}"/>
+              </a:ext>
+            </a:extLst>
+          </p:cNvPr>
+          <p:cNvSpPr>
+            <a:spLocks noGrp="1"/>
+          </p:cNvSpPr>
+          <p:nvPr>
+            <p:ph type="dt" sz="half" idx="10"/>
+          </p:nvPr>
+        </p:nvSpPr>
+        <p:spPr/>
+        <p:txBody>
+          <a:bodyPr/>
+          <a:lstStyle/>
+          <a:p>
+            <a:fld id="{579F6069-8263-4296-913A-BC2234E8D32B}" type="datetime1">
+              <a:rPr lang="en-US" smtClean="0"/>
+              <a:t>12/27/2023</a:t>
+            </a:fld>
+            <a:endParaRPr lang="en-US"/>
+          </a:p>
+        </p:txBody>
+      </p:sp>
+      <p:sp>
+        <p:nvSpPr>
+          <p:cNvPr id="5" name="Footer Placeholder 4">
+            <a:extLst>
+              <a:ext uri="{FF2B5EF4-FFF2-40B4-BE49-F238E27FC236}">
+                <a16:creationId xmlns:a16="http://schemas.microsoft.com/office/drawing/2014/main" id="{3EF32C3D-6E94-B832-5565-314B93A1B8A9}"/>
+              </a:ext>
+            </a:extLst>
+          </p:cNvPr>
+          <p:cNvSpPr>
+            <a:spLocks noGrp="1"/>
+          </p:cNvSpPr>
+          <p:nvPr>
+            <p:ph type="ftr" sz="quarter" idx="11"/>
+          </p:nvPr>
+        </p:nvSpPr>
+        <p:spPr/>
+        <p:txBody>
+          <a:bodyPr/>
+          <a:lstStyle/>
+          <a:p>
+            <a:r>
+              <a:rPr lang="en-US"/>
+              <a:t>Sample Footer Text</a:t>
+            </a:r>
+          </a:p>
+        </p:txBody>
+      </p:sp>
+      <p:sp>
+        <p:nvSpPr>
+          <p:cNvPr id="6" name="Slide Number Placeholder 5">
+            <a:extLst>
+              <a:ext uri="{FF2B5EF4-FFF2-40B4-BE49-F238E27FC236}">
+                <a16:creationId xmlns:a16="http://schemas.microsoft.com/office/drawing/2014/main" id="{19B6449D-B036-A7B0-BD18-E6EF6918FB51}"/>
+              </a:ext>
+            </a:extLst>
+          </p:cNvPr>
+          <p:cNvSpPr>
+            <a:spLocks noGrp="1"/>
+          </p:cNvSpPr>
+          <p:nvPr>
+            <p:ph type="sldNum" sz="quarter" idx="12"/>
+          </p:nvPr>
+        </p:nvSpPr>
+        <p:spPr/>
+        <p:txBody>
+          <a:bodyPr/>
+          <a:lstStyle/>
+          <a:p>
+            <a:fld id="{C68AC1EC-23E2-4F0E-A5A4-674EC8DB954E}" type="slidenum">
+              <a:rPr lang="en-US" smtClean="0"/>
+              <a:t>30</a:t>
+            </a:fld>
+            <a:endParaRPr lang="en-US"/>
+          </a:p>
+        </p:txBody>
+      </p:sp>
+    </p:spTree>
+    <p:extLst>
+      <p:ext uri="{BB962C8B-B14F-4D97-AF65-F5344CB8AC3E}">
+        <p14:creationId xmlns:p14="http://schemas.microsoft.com/office/powerpoint/2010/main" val="4036681143"/>
+      </p:ext>
+    </p:extLst>
+  </p:cSld>
+  <p:clrMapOvr>
+    <a:masterClrMapping/>
+  </p:clrMapOvr>
+</p:sld>
+</file>
+
+<file path=ppt/slides/slide31.xml><?xml version="1.0" encoding="utf-8"?>
+<p:sld xmlns:a="http://schemas.openxmlformats.org/drawingml/2006/main" xmlns:r="http://schemas.openxmlformats.org/officeDocument/2006/relationships" xmlns:p="http://schemas.openxmlformats.org/presentationml/2006/main">
+  <p:cSld>
+    <p:spTree>
+      <p:nvGrpSpPr>
+        <p:cNvPr id="1" name=""/>
+        <p:cNvGrpSpPr/>
+        <p:nvPr/>
+      </p:nvGrpSpPr>
+      <p:grpSpPr>
+        <a:xfrm>
+          <a:off x="0" y="0"/>
+          <a:ext cx="0" cy="0"/>
+          <a:chOff x="0" y="0"/>
+          <a:chExt cx="0" cy="0"/>
+        </a:xfrm>
+      </p:grpSpPr>
+      <p:sp>
+        <p:nvSpPr>
+          <p:cNvPr id="7" name="Rectangle 6">
+            <a:extLst>
+              <a:ext uri="{FF2B5EF4-FFF2-40B4-BE49-F238E27FC236}">
+                <a16:creationId xmlns:a16="http://schemas.microsoft.com/office/drawing/2014/main" id="{A3D0242E-0BDA-D927-6F21-7AD417C2212B}"/>
+              </a:ext>
+            </a:extLst>
+          </p:cNvPr>
+          <p:cNvSpPr/>
+          <p:nvPr/>
+        </p:nvSpPr>
+        <p:spPr>
+          <a:xfrm>
+            <a:off x="877824" y="1962782"/>
+            <a:ext cx="7216449" cy="2245234"/>
+          </a:xfrm>
+          <a:prstGeom prst="rect">
+            <a:avLst/>
+          </a:prstGeom>
+          <a:solidFill>
+            <a:schemeClr val="tx2">
+              <a:lumMod val="10000"/>
+              <a:lumOff val="90000"/>
+            </a:schemeClr>
+          </a:solidFill>
+        </p:spPr>
+        <p:style>
+          <a:lnRef idx="2">
+            <a:schemeClr val="accent1">
+              <a:shade val="50000"/>
+            </a:schemeClr>
+          </a:lnRef>
+          <a:fillRef idx="1">
+            <a:schemeClr val="accent1"/>
+          </a:fillRef>
+          <a:effectRef idx="0">
+            <a:schemeClr val="accent1"/>
+          </a:effectRef>
+          <a:fontRef idx="minor">
+            <a:schemeClr val="lt1"/>
+          </a:fontRef>
+        </p:style>
+        <p:txBody>
+          <a:bodyPr rtlCol="0" anchor="ctr"/>
+          <a:lstStyle/>
+          <a:p>
+            <a:pPr algn="ctr"/>
+            <a:endParaRPr lang="en-US"/>
+          </a:p>
+        </p:txBody>
+      </p:sp>
+      <p:sp>
+        <p:nvSpPr>
+          <p:cNvPr id="2" name="Title 1">
+            <a:extLst>
+              <a:ext uri="{FF2B5EF4-FFF2-40B4-BE49-F238E27FC236}">
+                <a16:creationId xmlns:a16="http://schemas.microsoft.com/office/drawing/2014/main" id="{E88309C8-B55F-4A2C-461F-69C4C239B60B}"/>
+              </a:ext>
+            </a:extLst>
+          </p:cNvPr>
+          <p:cNvSpPr>
+            <a:spLocks noGrp="1"/>
+          </p:cNvSpPr>
+          <p:nvPr>
+            <p:ph type="title"/>
+          </p:nvPr>
+        </p:nvSpPr>
+        <p:spPr/>
+        <p:txBody>
+          <a:bodyPr/>
+          <a:lstStyle/>
+          <a:p>
+            <a:r>
+              <a:rPr lang="en-US" dirty="0"/>
+              <a:t>Changing the index view to use the template</a:t>
+            </a:r>
+          </a:p>
+        </p:txBody>
+      </p:sp>
+      <p:sp>
+        <p:nvSpPr>
+          <p:cNvPr id="3" name="Content Placeholder 2">
+            <a:extLst>
+              <a:ext uri="{FF2B5EF4-FFF2-40B4-BE49-F238E27FC236}">
+                <a16:creationId xmlns:a16="http://schemas.microsoft.com/office/drawing/2014/main" id="{6B07E535-BBAA-E8BB-57AD-37810E2647B3}"/>
+              </a:ext>
+            </a:extLst>
+          </p:cNvPr>
+          <p:cNvSpPr>
+            <a:spLocks noGrp="1"/>
+          </p:cNvSpPr>
+          <p:nvPr>
+            <p:ph idx="1"/>
+          </p:nvPr>
+        </p:nvSpPr>
+        <p:spPr/>
+        <p:txBody>
+          <a:bodyPr/>
+          <a:lstStyle/>
+          <a:p>
+            <a:pPr marL="0" indent="0">
+              <a:buNone/>
+            </a:pPr>
+            <a:r>
+              <a:rPr lang="en-US" b="1" dirty="0">
+                <a:solidFill>
+                  <a:srgbClr val="00B050"/>
+                </a:solidFill>
+              </a:rPr>
+              <a:t>from</a:t>
+            </a:r>
+            <a:r>
+              <a:rPr lang="en-US" dirty="0"/>
+              <a:t> </a:t>
+            </a:r>
+            <a:r>
+              <a:rPr lang="en-US" dirty="0" err="1"/>
+              <a:t>django.shortcuts</a:t>
+            </a:r>
+            <a:r>
+              <a:rPr lang="en-US" dirty="0"/>
+              <a:t> </a:t>
+            </a:r>
+            <a:r>
+              <a:rPr lang="en-US" b="1" dirty="0">
+                <a:solidFill>
+                  <a:srgbClr val="00B050"/>
+                </a:solidFill>
+              </a:rPr>
+              <a:t>import</a:t>
+            </a:r>
+            <a:r>
+              <a:rPr lang="en-US" dirty="0"/>
+              <a:t> render</a:t>
+            </a:r>
+          </a:p>
+          <a:p>
+            <a:pPr marL="0" indent="0">
+              <a:buNone/>
+            </a:pPr>
+            <a:r>
+              <a:rPr lang="en-US" b="1" dirty="0">
+                <a:solidFill>
+                  <a:srgbClr val="491AF6"/>
+                </a:solidFill>
+              </a:rPr>
+              <a:t>def</a:t>
+            </a:r>
+            <a:r>
+              <a:rPr lang="en-US" dirty="0"/>
+              <a:t> index(request):</a:t>
+            </a:r>
+            <a:br>
+              <a:rPr lang="en-US" dirty="0"/>
+            </a:br>
+            <a:r>
+              <a:rPr lang="en-US" dirty="0"/>
+              <a:t>	</a:t>
+            </a:r>
+            <a:r>
+              <a:rPr lang="en-US" dirty="0" err="1"/>
+              <a:t>latest_questions</a:t>
+            </a:r>
+            <a:r>
+              <a:rPr lang="en-US" dirty="0"/>
+              <a:t> = </a:t>
+            </a:r>
+            <a:r>
+              <a:rPr lang="en-US" dirty="0" err="1"/>
+              <a:t>Question.objects.order_by</a:t>
+            </a:r>
+            <a:r>
+              <a:rPr lang="en-US" dirty="0"/>
+              <a:t> (</a:t>
+            </a:r>
+            <a:r>
+              <a:rPr lang="en-US" dirty="0">
+                <a:solidFill>
+                  <a:srgbClr val="C00000"/>
+                </a:solidFill>
+              </a:rPr>
+              <a:t>'-</a:t>
+            </a:r>
+            <a:r>
+              <a:rPr lang="en-US" dirty="0" err="1">
+                <a:solidFill>
+                  <a:srgbClr val="C00000"/>
+                </a:solidFill>
+              </a:rPr>
+              <a:t>pub_date</a:t>
+            </a:r>
+            <a:r>
+              <a:rPr lang="en-US" dirty="0">
+                <a:solidFill>
+                  <a:srgbClr val="C00000"/>
+                </a:solidFill>
+              </a:rPr>
+              <a:t>'</a:t>
+            </a:r>
+            <a:r>
+              <a:rPr lang="en-US" dirty="0"/>
+              <a:t>)[:3]</a:t>
+            </a:r>
+            <a:br>
+              <a:rPr lang="en-US" dirty="0"/>
+            </a:br>
+            <a:r>
+              <a:rPr lang="en-US" dirty="0"/>
+              <a:t>	context = {</a:t>
+            </a:r>
+            <a:r>
+              <a:rPr lang="en-US" dirty="0">
+                <a:solidFill>
+                  <a:srgbClr val="C00000"/>
+                </a:solidFill>
+              </a:rPr>
+              <a:t>'</a:t>
+            </a:r>
+            <a:r>
+              <a:rPr lang="en-US" dirty="0" err="1">
+                <a:solidFill>
+                  <a:srgbClr val="C00000"/>
+                </a:solidFill>
+              </a:rPr>
+              <a:t>latest_question_list</a:t>
+            </a:r>
+            <a:r>
+              <a:rPr lang="en-US" dirty="0">
+                <a:solidFill>
+                  <a:srgbClr val="C00000"/>
+                </a:solidFill>
+              </a:rPr>
+              <a:t>'</a:t>
+            </a:r>
+            <a:r>
+              <a:rPr lang="en-US" dirty="0"/>
+              <a:t>: </a:t>
+            </a:r>
+            <a:r>
+              <a:rPr lang="en-US" dirty="0" err="1"/>
+              <a:t>latest_questions</a:t>
+            </a:r>
+            <a:r>
+              <a:rPr lang="en-US" dirty="0"/>
+              <a:t>}</a:t>
+            </a:r>
+            <a:br>
+              <a:rPr lang="en-US" dirty="0"/>
+            </a:br>
+            <a:r>
+              <a:rPr lang="en-US" dirty="0"/>
+              <a:t>	</a:t>
+            </a:r>
+            <a:r>
+              <a:rPr lang="en-US" b="1" dirty="0">
+                <a:solidFill>
+                  <a:srgbClr val="491AF6"/>
+                </a:solidFill>
+              </a:rPr>
+              <a:t>return</a:t>
+            </a:r>
+            <a:r>
+              <a:rPr lang="en-US" dirty="0"/>
+              <a:t> render(request, </a:t>
+            </a:r>
+            <a:r>
+              <a:rPr lang="en-US" dirty="0">
+                <a:solidFill>
+                  <a:srgbClr val="C00000"/>
+                </a:solidFill>
+              </a:rPr>
+              <a:t>'polls/index.html'</a:t>
+            </a:r>
+            <a:r>
+              <a:rPr lang="en-US" dirty="0"/>
+              <a:t>, context)</a:t>
+            </a:r>
+          </a:p>
+        </p:txBody>
+      </p:sp>
+      <p:sp>
+        <p:nvSpPr>
+          <p:cNvPr id="4" name="Date Placeholder 3">
+            <a:extLst>
+              <a:ext uri="{FF2B5EF4-FFF2-40B4-BE49-F238E27FC236}">
+                <a16:creationId xmlns:a16="http://schemas.microsoft.com/office/drawing/2014/main" id="{2E9DA456-3680-E6E7-F387-ABD8573D30F1}"/>
+              </a:ext>
+            </a:extLst>
+          </p:cNvPr>
+          <p:cNvSpPr>
+            <a:spLocks noGrp="1"/>
+          </p:cNvSpPr>
+          <p:nvPr>
+            <p:ph type="dt" sz="half" idx="10"/>
+          </p:nvPr>
+        </p:nvSpPr>
+        <p:spPr/>
+        <p:txBody>
+          <a:bodyPr/>
+          <a:lstStyle/>
+          <a:p>
+            <a:fld id="{579F6069-8263-4296-913A-BC2234E8D32B}" type="datetime1">
+              <a:rPr lang="en-US" smtClean="0"/>
+              <a:t>12/27/2023</a:t>
+            </a:fld>
+            <a:endParaRPr lang="en-US"/>
+          </a:p>
+        </p:txBody>
+      </p:sp>
+      <p:sp>
+        <p:nvSpPr>
+          <p:cNvPr id="5" name="Footer Placeholder 4">
+            <a:extLst>
+              <a:ext uri="{FF2B5EF4-FFF2-40B4-BE49-F238E27FC236}">
+                <a16:creationId xmlns:a16="http://schemas.microsoft.com/office/drawing/2014/main" id="{C5A307A9-1700-AF33-5E0F-78A389A94168}"/>
+              </a:ext>
+            </a:extLst>
+          </p:cNvPr>
+          <p:cNvSpPr>
+            <a:spLocks noGrp="1"/>
+          </p:cNvSpPr>
+          <p:nvPr>
+            <p:ph type="ftr" sz="quarter" idx="11"/>
+          </p:nvPr>
+        </p:nvSpPr>
+        <p:spPr/>
+        <p:txBody>
+          <a:bodyPr/>
+          <a:lstStyle/>
+          <a:p>
+            <a:r>
+              <a:rPr lang="en-US"/>
+              <a:t>Sample Footer Text</a:t>
+            </a:r>
+          </a:p>
+        </p:txBody>
+      </p:sp>
+      <p:sp>
+        <p:nvSpPr>
+          <p:cNvPr id="6" name="Slide Number Placeholder 5">
+            <a:extLst>
+              <a:ext uri="{FF2B5EF4-FFF2-40B4-BE49-F238E27FC236}">
+                <a16:creationId xmlns:a16="http://schemas.microsoft.com/office/drawing/2014/main" id="{641699B2-96E9-82F9-741E-F252BDE82877}"/>
+              </a:ext>
+            </a:extLst>
+          </p:cNvPr>
+          <p:cNvSpPr>
+            <a:spLocks noGrp="1"/>
+          </p:cNvSpPr>
+          <p:nvPr>
+            <p:ph type="sldNum" sz="quarter" idx="12"/>
+          </p:nvPr>
+        </p:nvSpPr>
+        <p:spPr/>
+        <p:txBody>
+          <a:bodyPr/>
+          <a:lstStyle/>
+          <a:p>
+            <a:fld id="{C68AC1EC-23E2-4F0E-A5A4-674EC8DB954E}" type="slidenum">
+              <a:rPr lang="en-US" smtClean="0"/>
+              <a:t>31</a:t>
+            </a:fld>
+            <a:endParaRPr lang="en-US"/>
+          </a:p>
+        </p:txBody>
+      </p:sp>
+    </p:spTree>
+    <p:extLst>
+      <p:ext uri="{BB962C8B-B14F-4D97-AF65-F5344CB8AC3E}">
+        <p14:creationId xmlns:p14="http://schemas.microsoft.com/office/powerpoint/2010/main" val="1777859330"/>
       </p:ext>
     </p:extLst>
   </p:cSld>
@@ -12761,7 +15565,7 @@
           <a:p>
             <a:fld id="{579F6069-8263-4296-913A-BC2234E8D32B}" type="datetime1">
               <a:rPr lang="en-US" smtClean="0"/>
-              <a:t>12/25/2023</a:t>
+              <a:t>12/26/2023</a:t>
             </a:fld>
             <a:endParaRPr lang="en-US"/>
           </a:p>
@@ -12933,7 +15737,7 @@
           <a:p>
             <a:fld id="{579F6069-8263-4296-913A-BC2234E8D32B}" type="datetime1">
               <a:rPr lang="en-US" smtClean="0"/>
-              <a:t>12/25/2023</a:t>
+              <a:t>12/26/2023</a:t>
             </a:fld>
             <a:endParaRPr lang="en-US"/>
           </a:p>
@@ -13000,6 +15804,58 @@
       </p:grpSpPr>
       <p:sp>
         <p:nvSpPr>
+          <p:cNvPr id="5" name="Rectangle 4">
+            <a:extLst>
+              <a:ext uri="{FF2B5EF4-FFF2-40B4-BE49-F238E27FC236}">
+                <a16:creationId xmlns:a16="http://schemas.microsoft.com/office/drawing/2014/main" id="{62B33599-8F9D-26F8-160F-21C9A5F34489}"/>
+              </a:ext>
+            </a:extLst>
+          </p:cNvPr>
+          <p:cNvSpPr/>
+          <p:nvPr/>
+        </p:nvSpPr>
+        <p:spPr>
+          <a:xfrm>
+            <a:off x="877824" y="2545024"/>
+            <a:ext cx="7216449" cy="2932436"/>
+          </a:xfrm>
+          <a:prstGeom prst="rect">
+            <a:avLst/>
+          </a:prstGeom>
+          <a:solidFill>
+            <a:schemeClr val="tx2">
+              <a:lumMod val="10000"/>
+              <a:lumOff val="90000"/>
+            </a:schemeClr>
+          </a:solidFill>
+        </p:spPr>
+        <p:style>
+          <a:lnRef idx="2">
+            <a:schemeClr val="accent1">
+              <a:shade val="50000"/>
+            </a:schemeClr>
+          </a:lnRef>
+          <a:fillRef idx="1">
+            <a:schemeClr val="accent1"/>
+          </a:fillRef>
+          <a:effectRef idx="0">
+            <a:schemeClr val="accent1"/>
+          </a:effectRef>
+          <a:fontRef idx="minor">
+            <a:schemeClr val="lt1"/>
+          </a:fontRef>
+        </p:style>
+        <p:txBody>
+          <a:bodyPr rtlCol="0" anchor="ctr"/>
+          <a:lstStyle/>
+          <a:p>
+            <a:pPr algn="ctr"/>
+            <a:endParaRPr lang="en-US"/>
+          </a:p>
+        </p:txBody>
+      </p:sp>
+      <p:sp>
+        <p:nvSpPr>
           <p:cNvPr id="2" name="Title 1">
             <a:extLst>
               <a:ext uri="{FF2B5EF4-FFF2-40B4-BE49-F238E27FC236}">
@@ -13509,7 +16365,7 @@
           <a:p>
             <a:fld id="{579F6069-8263-4296-913A-BC2234E8D32B}" type="datetime1">
               <a:rPr lang="en-US" smtClean="0"/>
-              <a:t>12/25/2023</a:t>
+              <a:t>12/27/2023</a:t>
             </a:fld>
             <a:endParaRPr lang="en-US"/>
           </a:p>
@@ -13576,6 +16432,58 @@
       </p:grpSpPr>
       <p:sp>
         <p:nvSpPr>
+          <p:cNvPr id="5" name="Rectangle 4">
+            <a:extLst>
+              <a:ext uri="{FF2B5EF4-FFF2-40B4-BE49-F238E27FC236}">
+                <a16:creationId xmlns:a16="http://schemas.microsoft.com/office/drawing/2014/main" id="{06416EC0-12E5-B0E7-2EB0-6ED1850B608D}"/>
+              </a:ext>
+            </a:extLst>
+          </p:cNvPr>
+          <p:cNvSpPr/>
+          <p:nvPr/>
+        </p:nvSpPr>
+        <p:spPr>
+          <a:xfrm>
+            <a:off x="877825" y="2947386"/>
+            <a:ext cx="4830518" cy="2432482"/>
+          </a:xfrm>
+          <a:prstGeom prst="rect">
+            <a:avLst/>
+          </a:prstGeom>
+          <a:solidFill>
+            <a:schemeClr val="tx2">
+              <a:lumMod val="10000"/>
+              <a:lumOff val="90000"/>
+            </a:schemeClr>
+          </a:solidFill>
+        </p:spPr>
+        <p:style>
+          <a:lnRef idx="2">
+            <a:schemeClr val="accent1">
+              <a:shade val="50000"/>
+            </a:schemeClr>
+          </a:lnRef>
+          <a:fillRef idx="1">
+            <a:schemeClr val="accent1"/>
+          </a:fillRef>
+          <a:effectRef idx="0">
+            <a:schemeClr val="accent1"/>
+          </a:effectRef>
+          <a:fontRef idx="minor">
+            <a:schemeClr val="lt1"/>
+          </a:fontRef>
+        </p:style>
+        <p:txBody>
+          <a:bodyPr rtlCol="0" anchor="ctr"/>
+          <a:lstStyle/>
+          <a:p>
+            <a:pPr algn="ctr"/>
+            <a:endParaRPr lang="en-US"/>
+          </a:p>
+        </p:txBody>
+      </p:sp>
+      <p:sp>
+        <p:nvSpPr>
           <p:cNvPr id="2" name="Title 1">
             <a:extLst>
               <a:ext uri="{FF2B5EF4-FFF2-40B4-BE49-F238E27FC236}">
@@ -14258,7 +17166,7 @@
           <a:p>
             <a:fld id="{579F6069-8263-4296-913A-BC2234E8D32B}" type="datetime1">
               <a:rPr lang="en-US" smtClean="0"/>
-              <a:t>12/25/2023</a:t>
+              <a:t>12/27/2023</a:t>
             </a:fld>
             <a:endParaRPr lang="en-US"/>
           </a:p>
@@ -14451,7 +17359,7 @@
           <a:p>
             <a:fld id="{579F6069-8263-4296-913A-BC2234E8D32B}" type="datetime1">
               <a:rPr lang="en-US" smtClean="0"/>
-              <a:t>12/25/2023</a:t>
+              <a:t>12/26/2023</a:t>
             </a:fld>
             <a:endParaRPr lang="en-US"/>
           </a:p>
@@ -15095,7 +18003,7 @@
           <a:p>
             <a:fld id="{579F6069-8263-4296-913A-BC2234E8D32B}" type="datetime1">
               <a:rPr lang="en-US" smtClean="0"/>
-              <a:t>12/25/2023</a:t>
+              <a:t>12/26/2023</a:t>
             </a:fld>
             <a:endParaRPr lang="en-US"/>
           </a:p>

--- a/Lectures/Lecture04 - Views Models Templates.pptx
+++ b/Lectures/Lecture04 - Views Models Templates.pptx
@@ -5,40 +5,43 @@
     <p:sldMasterId id="2147483712" r:id="rId1"/>
   </p:sldMasterIdLst>
   <p:notesMasterIdLst>
-    <p:notesMasterId r:id="rId33"/>
+    <p:notesMasterId r:id="rId36"/>
   </p:notesMasterIdLst>
   <p:sldIdLst>
     <p:sldId id="256" r:id="rId2"/>
     <p:sldId id="259" r:id="rId3"/>
     <p:sldId id="260" r:id="rId4"/>
-    <p:sldId id="262" r:id="rId5"/>
-    <p:sldId id="264" r:id="rId6"/>
-    <p:sldId id="261" r:id="rId7"/>
-    <p:sldId id="265" r:id="rId8"/>
-    <p:sldId id="266" r:id="rId9"/>
-    <p:sldId id="263" r:id="rId10"/>
-    <p:sldId id="267" r:id="rId11"/>
-    <p:sldId id="268" r:id="rId12"/>
-    <p:sldId id="269" r:id="rId13"/>
-    <p:sldId id="270" r:id="rId14"/>
-    <p:sldId id="271" r:id="rId15"/>
-    <p:sldId id="272" r:id="rId16"/>
-    <p:sldId id="273" r:id="rId17"/>
-    <p:sldId id="274" r:id="rId18"/>
-    <p:sldId id="275" r:id="rId19"/>
-    <p:sldId id="276" r:id="rId20"/>
-    <p:sldId id="277" r:id="rId21"/>
-    <p:sldId id="278" r:id="rId22"/>
-    <p:sldId id="279" r:id="rId23"/>
-    <p:sldId id="280" r:id="rId24"/>
-    <p:sldId id="281" r:id="rId25"/>
-    <p:sldId id="282" r:id="rId26"/>
-    <p:sldId id="283" r:id="rId27"/>
-    <p:sldId id="284" r:id="rId28"/>
-    <p:sldId id="285" r:id="rId29"/>
-    <p:sldId id="286" r:id="rId30"/>
-    <p:sldId id="287" r:id="rId31"/>
-    <p:sldId id="288" r:id="rId32"/>
+    <p:sldId id="289" r:id="rId5"/>
+    <p:sldId id="290" r:id="rId6"/>
+    <p:sldId id="262" r:id="rId7"/>
+    <p:sldId id="264" r:id="rId8"/>
+    <p:sldId id="261" r:id="rId9"/>
+    <p:sldId id="265" r:id="rId10"/>
+    <p:sldId id="266" r:id="rId11"/>
+    <p:sldId id="263" r:id="rId12"/>
+    <p:sldId id="267" r:id="rId13"/>
+    <p:sldId id="268" r:id="rId14"/>
+    <p:sldId id="269" r:id="rId15"/>
+    <p:sldId id="270" r:id="rId16"/>
+    <p:sldId id="271" r:id="rId17"/>
+    <p:sldId id="272" r:id="rId18"/>
+    <p:sldId id="273" r:id="rId19"/>
+    <p:sldId id="274" r:id="rId20"/>
+    <p:sldId id="275" r:id="rId21"/>
+    <p:sldId id="276" r:id="rId22"/>
+    <p:sldId id="277" r:id="rId23"/>
+    <p:sldId id="278" r:id="rId24"/>
+    <p:sldId id="279" r:id="rId25"/>
+    <p:sldId id="280" r:id="rId26"/>
+    <p:sldId id="281" r:id="rId27"/>
+    <p:sldId id="282" r:id="rId28"/>
+    <p:sldId id="283" r:id="rId29"/>
+    <p:sldId id="291" r:id="rId30"/>
+    <p:sldId id="284" r:id="rId31"/>
+    <p:sldId id="285" r:id="rId32"/>
+    <p:sldId id="286" r:id="rId33"/>
+    <p:sldId id="287" r:id="rId34"/>
+    <p:sldId id="288" r:id="rId35"/>
   </p:sldIdLst>
   <p:sldSz cx="12192000" cy="6858000"/>
   <p:notesSz cx="6858000" cy="9144000"/>
@@ -227,7 +230,7 @@
           <a:p>
             <a:fld id="{2B228A20-238D-4D3C-BEC1-8EC70CB7FE4B}" type="datetimeFigureOut">
               <a:rPr lang="en-US" smtClean="0"/>
-              <a:t>12/26/2023</a:t>
+              <a:t>12/29/2023</a:t>
             </a:fld>
             <a:endParaRPr lang="en-US"/>
           </a:p>
@@ -645,7 +648,7 @@
           <a:p>
             <a:fld id="{1ECB5883-038C-4696-8E27-1811E470D6D4}" type="datetime1">
               <a:rPr lang="en-US" smtClean="0"/>
-              <a:t>12/26/2023</a:t>
+              <a:t>12/29/2023</a:t>
             </a:fld>
             <a:endParaRPr lang="en-US"/>
           </a:p>
@@ -846,7 +849,7 @@
           <a:p>
             <a:fld id="{61E8A6D4-154B-4E4D-9001-7A6C328D243E}" type="datetime1">
               <a:rPr lang="en-US" smtClean="0"/>
-              <a:t>12/26/2023</a:t>
+              <a:t>12/29/2023</a:t>
             </a:fld>
             <a:endParaRPr lang="en-US"/>
           </a:p>
@@ -1057,7 +1060,7 @@
           <a:p>
             <a:fld id="{EF880999-9BD6-4929-BDEC-B84E21C16701}" type="datetime1">
               <a:rPr lang="en-US" smtClean="0"/>
-              <a:t>12/26/2023</a:t>
+              <a:t>12/29/2023</a:t>
             </a:fld>
             <a:endParaRPr lang="en-US"/>
           </a:p>
@@ -1258,7 +1261,7 @@
           <a:p>
             <a:fld id="{579F6069-8263-4296-913A-BC2234E8D32B}" type="datetime1">
               <a:rPr lang="en-US" smtClean="0"/>
-              <a:t>12/26/2023</a:t>
+              <a:t>12/29/2023</a:t>
             </a:fld>
             <a:endParaRPr lang="en-US"/>
           </a:p>
@@ -1538,7 +1541,7 @@
           <a:p>
             <a:fld id="{BC9F5005-EC25-4FB9-B19B-2437F0B120D2}" type="datetime1">
               <a:rPr lang="en-US" smtClean="0"/>
-              <a:t>12/26/2023</a:t>
+              <a:t>12/29/2023</a:t>
             </a:fld>
             <a:endParaRPr lang="en-US"/>
           </a:p>
@@ -1806,7 +1809,7 @@
           <a:p>
             <a:fld id="{0B283B5C-2325-42FF-AF91-C1451D9D66CC}" type="datetime1">
               <a:rPr lang="en-US" smtClean="0"/>
-              <a:t>12/26/2023</a:t>
+              <a:t>12/29/2023</a:t>
             </a:fld>
             <a:endParaRPr lang="en-US"/>
           </a:p>
@@ -2225,7 +2228,7 @@
           <a:p>
             <a:fld id="{0F88DB08-3B01-46DD-99F2-F6F6334EA669}" type="datetime1">
               <a:rPr lang="en-US" smtClean="0"/>
-              <a:t>12/26/2023</a:t>
+              <a:t>12/29/2023</a:t>
             </a:fld>
             <a:endParaRPr lang="en-US"/>
           </a:p>
@@ -2369,7 +2372,7 @@
           <a:p>
             <a:fld id="{5892AC11-ACC3-4129-BBD7-C580BF1A4EE7}" type="datetime1">
               <a:rPr lang="en-US" smtClean="0"/>
-              <a:t>12/26/2023</a:t>
+              <a:t>12/29/2023</a:t>
             </a:fld>
             <a:endParaRPr lang="en-US"/>
           </a:p>
@@ -2485,7 +2488,7 @@
           <a:p>
             <a:fld id="{6D80F7F3-E406-44E2-93AF-674B3F1A2E51}" type="datetime1">
               <a:rPr lang="en-US" smtClean="0"/>
-              <a:t>12/26/2023</a:t>
+              <a:t>12/29/2023</a:t>
             </a:fld>
             <a:endParaRPr lang="en-US"/>
           </a:p>
@@ -2803,7 +2806,7 @@
           <a:p>
             <a:fld id="{2FB1DD93-7C9D-4E53-81F0-DDE57FEA7EDB}" type="datetime1">
               <a:rPr lang="en-US" smtClean="0"/>
-              <a:t>12/26/2023</a:t>
+              <a:t>12/29/2023</a:t>
             </a:fld>
             <a:endParaRPr lang="en-US"/>
           </a:p>
@@ -3096,7 +3099,7 @@
           <a:p>
             <a:fld id="{3DF7BC28-59DE-4F83-B4A1-497203279FAD}" type="datetime1">
               <a:rPr lang="en-US" smtClean="0"/>
-              <a:t>12/26/2023</a:t>
+              <a:t>12/29/2023</a:t>
             </a:fld>
             <a:endParaRPr lang="en-US"/>
           </a:p>
@@ -3396,7 +3399,7 @@
           <a:p>
             <a:fld id="{0BDC4764-F656-4735-9820-9886F8DF1D6A}" type="datetime1">
               <a:rPr lang="en-US" smtClean="0"/>
-              <a:t>12/26/2023</a:t>
+              <a:t>12/29/2023</a:t>
             </a:fld>
             <a:endParaRPr lang="en-US" dirty="0"/>
           </a:p>
@@ -4019,6 +4022,843 @@
           <p:cNvPr id="2" name="Title 1">
             <a:extLst>
               <a:ext uri="{FF2B5EF4-FFF2-40B4-BE49-F238E27FC236}">
+                <a16:creationId xmlns:a16="http://schemas.microsoft.com/office/drawing/2014/main" id="{4802860E-F967-A14A-FEF8-2D958372256A}"/>
+              </a:ext>
+            </a:extLst>
+          </p:cNvPr>
+          <p:cNvSpPr>
+            <a:spLocks noGrp="1"/>
+          </p:cNvSpPr>
+          <p:nvPr>
+            <p:ph type="title"/>
+          </p:nvPr>
+        </p:nvSpPr>
+        <p:spPr/>
+        <p:txBody>
+          <a:bodyPr/>
+          <a:lstStyle/>
+          <a:p>
+            <a:r>
+              <a:rPr lang="en-US" dirty="0"/>
+              <a:t>Testing it out</a:t>
+            </a:r>
+          </a:p>
+        </p:txBody>
+      </p:sp>
+      <p:sp>
+        <p:nvSpPr>
+          <p:cNvPr id="3" name="Content Placeholder 2">
+            <a:extLst>
+              <a:ext uri="{FF2B5EF4-FFF2-40B4-BE49-F238E27FC236}">
+                <a16:creationId xmlns:a16="http://schemas.microsoft.com/office/drawing/2014/main" id="{58C630BA-ECF2-6BAD-C2F4-586A992FF6B8}"/>
+              </a:ext>
+            </a:extLst>
+          </p:cNvPr>
+          <p:cNvSpPr>
+            <a:spLocks noGrp="1"/>
+          </p:cNvSpPr>
+          <p:nvPr>
+            <p:ph idx="1"/>
+          </p:nvPr>
+        </p:nvSpPr>
+        <p:spPr/>
+        <p:txBody>
+          <a:bodyPr>
+            <a:normAutofit/>
+          </a:bodyPr>
+          <a:lstStyle/>
+          <a:p>
+            <a:r>
+              <a:rPr lang="en-US" dirty="0"/>
+              <a:t>to launch the server while using a terminal or shell, type in:</a:t>
+            </a:r>
+          </a:p>
+          <a:p>
+            <a:pPr marL="0" indent="0">
+              <a:buNone/>
+            </a:pPr>
+            <a:r>
+              <a:rPr lang="en-US" b="1" dirty="0"/>
+              <a:t>$ python manage.py </a:t>
+            </a:r>
+            <a:r>
+              <a:rPr lang="en-US" b="1" dirty="0" err="1"/>
+              <a:t>runserver</a:t>
+            </a:r>
+            <a:endParaRPr lang="en-US" dirty="0"/>
+          </a:p>
+          <a:p>
+            <a:r>
+              <a:rPr lang="en-US" dirty="0"/>
+              <a:t>If you are working on python anywhere, you must relaunch the server by pressing the following button:</a:t>
+            </a:r>
+          </a:p>
+          <a:p>
+            <a:endParaRPr lang="en-US" dirty="0"/>
+          </a:p>
+          <a:p>
+            <a:r>
+              <a:rPr lang="en-US" dirty="0"/>
+              <a:t>If you are working on the shell or terminal, go to </a:t>
+            </a:r>
+            <a:r>
+              <a:rPr lang="en-US" b="1" dirty="0"/>
+              <a:t>http://localhost:8000/polls/</a:t>
+            </a:r>
+          </a:p>
+          <a:p>
+            <a:r>
+              <a:rPr lang="en-US" dirty="0"/>
+              <a:t>If you are working on python anywhere, go to </a:t>
+            </a:r>
+            <a:r>
+              <a:rPr lang="en-US" b="1" dirty="0"/>
+              <a:t>&lt;username&gt;.pythonanywhere.com/polls/ </a:t>
+            </a:r>
+            <a:r>
+              <a:rPr lang="en-US" dirty="0"/>
+              <a:t>and check the output</a:t>
+            </a:r>
+          </a:p>
+        </p:txBody>
+      </p:sp>
+      <p:sp>
+        <p:nvSpPr>
+          <p:cNvPr id="4" name="Date Placeholder 3">
+            <a:extLst>
+              <a:ext uri="{FF2B5EF4-FFF2-40B4-BE49-F238E27FC236}">
+                <a16:creationId xmlns:a16="http://schemas.microsoft.com/office/drawing/2014/main" id="{1312A1E5-62C3-1906-8A26-4EA109241397}"/>
+              </a:ext>
+            </a:extLst>
+          </p:cNvPr>
+          <p:cNvSpPr>
+            <a:spLocks noGrp="1"/>
+          </p:cNvSpPr>
+          <p:nvPr>
+            <p:ph type="dt" sz="half" idx="10"/>
+          </p:nvPr>
+        </p:nvSpPr>
+        <p:spPr/>
+        <p:txBody>
+          <a:bodyPr/>
+          <a:lstStyle/>
+          <a:p>
+            <a:fld id="{579F6069-8263-4296-913A-BC2234E8D32B}" type="datetime1">
+              <a:rPr lang="en-US" smtClean="0"/>
+              <a:t>12/29/2023</a:t>
+            </a:fld>
+            <a:endParaRPr lang="en-US"/>
+          </a:p>
+        </p:txBody>
+      </p:sp>
+      <p:sp>
+        <p:nvSpPr>
+          <p:cNvPr id="6" name="Slide Number Placeholder 5">
+            <a:extLst>
+              <a:ext uri="{FF2B5EF4-FFF2-40B4-BE49-F238E27FC236}">
+                <a16:creationId xmlns:a16="http://schemas.microsoft.com/office/drawing/2014/main" id="{28F55C69-06DC-ACAF-54EC-845B7C05875F}"/>
+              </a:ext>
+            </a:extLst>
+          </p:cNvPr>
+          <p:cNvSpPr>
+            <a:spLocks noGrp="1"/>
+          </p:cNvSpPr>
+          <p:nvPr>
+            <p:ph type="sldNum" sz="quarter" idx="12"/>
+          </p:nvPr>
+        </p:nvSpPr>
+        <p:spPr/>
+        <p:txBody>
+          <a:bodyPr/>
+          <a:lstStyle/>
+          <a:p>
+            <a:fld id="{C68AC1EC-23E2-4F0E-A5A4-674EC8DB954E}" type="slidenum">
+              <a:rPr lang="en-US" smtClean="0"/>
+              <a:t>10</a:t>
+            </a:fld>
+            <a:endParaRPr lang="en-US"/>
+          </a:p>
+        </p:txBody>
+      </p:sp>
+      <p:pic>
+        <p:nvPicPr>
+          <p:cNvPr id="10" name="Picture 9">
+            <a:extLst>
+              <a:ext uri="{FF2B5EF4-FFF2-40B4-BE49-F238E27FC236}">
+                <a16:creationId xmlns:a16="http://schemas.microsoft.com/office/drawing/2014/main" id="{CAF7B228-6E7F-005D-7F12-DD3B32B82BAB}"/>
+              </a:ext>
+            </a:extLst>
+          </p:cNvPr>
+          <p:cNvPicPr>
+            <a:picLocks noChangeAspect="1"/>
+          </p:cNvPicPr>
+          <p:nvPr/>
+        </p:nvPicPr>
+        <p:blipFill>
+          <a:blip r:embed="rId2"/>
+          <a:stretch>
+            <a:fillRect/>
+          </a:stretch>
+        </p:blipFill>
+        <p:spPr>
+          <a:xfrm>
+            <a:off x="1229418" y="3429000"/>
+            <a:ext cx="2790825" cy="323850"/>
+          </a:xfrm>
+          <a:prstGeom prst="rect">
+            <a:avLst/>
+          </a:prstGeom>
+        </p:spPr>
+      </p:pic>
+    </p:spTree>
+    <p:extLst>
+      <p:ext uri="{BB962C8B-B14F-4D97-AF65-F5344CB8AC3E}">
+        <p14:creationId xmlns:p14="http://schemas.microsoft.com/office/powerpoint/2010/main" val="3209122033"/>
+      </p:ext>
+    </p:extLst>
+  </p:cSld>
+  <p:clrMapOvr>
+    <a:masterClrMapping/>
+  </p:clrMapOvr>
+</p:sld>
+</file>
+
+<file path=ppt/slides/slide11.xml><?xml version="1.0" encoding="utf-8"?>
+<p:sld xmlns:a="http://schemas.openxmlformats.org/drawingml/2006/main" xmlns:r="http://schemas.openxmlformats.org/officeDocument/2006/relationships" xmlns:p="http://schemas.openxmlformats.org/presentationml/2006/main">
+  <p:cSld>
+    <p:spTree>
+      <p:nvGrpSpPr>
+        <p:cNvPr id="1" name=""/>
+        <p:cNvGrpSpPr/>
+        <p:nvPr/>
+      </p:nvGrpSpPr>
+      <p:grpSpPr>
+        <a:xfrm>
+          <a:off x="0" y="0"/>
+          <a:ext cx="0" cy="0"/>
+          <a:chOff x="0" y="0"/>
+          <a:chExt cx="0" cy="0"/>
+        </a:xfrm>
+      </p:grpSpPr>
+      <p:sp>
+        <p:nvSpPr>
+          <p:cNvPr id="2" name="Title 1">
+            <a:extLst>
+              <a:ext uri="{FF2B5EF4-FFF2-40B4-BE49-F238E27FC236}">
+                <a16:creationId xmlns:a16="http://schemas.microsoft.com/office/drawing/2014/main" id="{EFEAFB94-5723-EAAB-D0A4-DB8A8D7D7353}"/>
+              </a:ext>
+            </a:extLst>
+          </p:cNvPr>
+          <p:cNvSpPr>
+            <a:spLocks noGrp="1"/>
+          </p:cNvSpPr>
+          <p:nvPr>
+            <p:ph type="title"/>
+          </p:nvPr>
+        </p:nvSpPr>
+        <p:spPr/>
+        <p:txBody>
+          <a:bodyPr/>
+          <a:lstStyle/>
+          <a:p>
+            <a:r>
+              <a:rPr lang="en-US" dirty="0"/>
+              <a:t>Upgrading the first view</a:t>
+            </a:r>
+          </a:p>
+        </p:txBody>
+      </p:sp>
+      <p:sp>
+        <p:nvSpPr>
+          <p:cNvPr id="10" name="Rectangle 9">
+            <a:extLst>
+              <a:ext uri="{FF2B5EF4-FFF2-40B4-BE49-F238E27FC236}">
+                <a16:creationId xmlns:a16="http://schemas.microsoft.com/office/drawing/2014/main" id="{BC749135-45EA-F57C-6DE6-172D190EC52A}"/>
+              </a:ext>
+            </a:extLst>
+          </p:cNvPr>
+          <p:cNvSpPr/>
+          <p:nvPr/>
+        </p:nvSpPr>
+        <p:spPr>
+          <a:xfrm>
+            <a:off x="949911" y="3098307"/>
+            <a:ext cx="7457242" cy="1340528"/>
+          </a:xfrm>
+          <a:prstGeom prst="rect">
+            <a:avLst/>
+          </a:prstGeom>
+          <a:solidFill>
+            <a:schemeClr val="tx2">
+              <a:lumMod val="10000"/>
+              <a:lumOff val="90000"/>
+            </a:schemeClr>
+          </a:solidFill>
+          <a:ln>
+            <a:solidFill>
+              <a:schemeClr val="bg2">
+                <a:lumMod val="50000"/>
+              </a:schemeClr>
+            </a:solidFill>
+          </a:ln>
+        </p:spPr>
+        <p:style>
+          <a:lnRef idx="2">
+            <a:schemeClr val="accent1">
+              <a:shade val="50000"/>
+            </a:schemeClr>
+          </a:lnRef>
+          <a:fillRef idx="1">
+            <a:schemeClr val="accent1"/>
+          </a:fillRef>
+          <a:effectRef idx="0">
+            <a:schemeClr val="accent1"/>
+          </a:effectRef>
+          <a:fontRef idx="minor">
+            <a:schemeClr val="lt1"/>
+          </a:fontRef>
+        </p:style>
+        <p:txBody>
+          <a:bodyPr rtlCol="0" anchor="ctr"/>
+          <a:lstStyle/>
+          <a:p>
+            <a:pPr algn="ctr"/>
+            <a:endParaRPr lang="en-US"/>
+          </a:p>
+        </p:txBody>
+      </p:sp>
+      <p:sp>
+        <p:nvSpPr>
+          <p:cNvPr id="3" name="Content Placeholder 2">
+            <a:extLst>
+              <a:ext uri="{FF2B5EF4-FFF2-40B4-BE49-F238E27FC236}">
+                <a16:creationId xmlns:a16="http://schemas.microsoft.com/office/drawing/2014/main" id="{B9945DBF-AD9F-9766-F4D0-7F913F6F9763}"/>
+              </a:ext>
+            </a:extLst>
+          </p:cNvPr>
+          <p:cNvSpPr>
+            <a:spLocks noGrp="1"/>
+          </p:cNvSpPr>
+          <p:nvPr>
+            <p:ph idx="1"/>
+          </p:nvPr>
+        </p:nvSpPr>
+        <p:spPr>
+          <a:xfrm>
+            <a:off x="877824" y="2294509"/>
+            <a:ext cx="10442448" cy="3903819"/>
+          </a:xfrm>
+        </p:spPr>
+        <p:txBody>
+          <a:bodyPr/>
+          <a:lstStyle/>
+          <a:p>
+            <a:r>
+              <a:rPr lang="en-US" dirty="0"/>
+              <a:t>We further upgrade the response object by adding a bit of HTML … it however does not give us the result that we want:</a:t>
+            </a:r>
+          </a:p>
+          <a:p>
+            <a:endParaRPr lang="en-US" dirty="0"/>
+          </a:p>
+          <a:p>
+            <a:pPr marL="0" marR="0" lvl="0" indent="0" algn="l" defTabSz="914400" rtl="0" eaLnBrk="0" fontAlgn="base" latinLnBrk="0" hangingPunct="0">
+              <a:lnSpc>
+                <a:spcPct val="100000"/>
+              </a:lnSpc>
+              <a:spcBef>
+                <a:spcPct val="30000"/>
+              </a:spcBef>
+              <a:spcAft>
+                <a:spcPct val="0"/>
+              </a:spcAft>
+              <a:buClrTx/>
+              <a:buSzTx/>
+              <a:buFontTx/>
+              <a:buNone/>
+              <a:tabLst/>
+              <a:defRPr/>
+            </a:pPr>
+            <a:r>
+              <a:rPr kumimoji="0" lang="en-US" altLang="en-US" b="1" i="0" u="none" strike="noStrike" kern="1200" cap="none" spc="0" normalizeH="0" baseline="0" noProof="0" dirty="0">
+                <a:ln>
+                  <a:noFill/>
+                </a:ln>
+                <a:solidFill>
+                  <a:srgbClr val="008000"/>
+                </a:solidFill>
+                <a:effectLst/>
+                <a:uLnTx/>
+                <a:uFillTx/>
+                <a:ea typeface="+mn-ea"/>
+                <a:cs typeface="+mn-cs"/>
+              </a:rPr>
+              <a:t>from</a:t>
+            </a:r>
+            <a:r>
+              <a:rPr kumimoji="0" lang="en-US" altLang="en-US" b="0" i="0" u="none" strike="noStrike" kern="1200" cap="none" spc="0" normalizeH="0" baseline="0" noProof="0" dirty="0">
+                <a:ln>
+                  <a:noFill/>
+                </a:ln>
+                <a:solidFill>
+                  <a:srgbClr val="000000"/>
+                </a:solidFill>
+                <a:effectLst/>
+                <a:uLnTx/>
+                <a:uFillTx/>
+                <a:ea typeface="+mn-ea"/>
+                <a:cs typeface="+mn-cs"/>
+              </a:rPr>
+              <a:t> </a:t>
+            </a:r>
+            <a:r>
+              <a:rPr kumimoji="0" lang="en-US" altLang="en-US" b="1" i="0" u="none" strike="noStrike" kern="1200" cap="none" spc="0" normalizeH="0" baseline="0" noProof="0" dirty="0" err="1">
+                <a:ln>
+                  <a:noFill/>
+                </a:ln>
+                <a:solidFill>
+                  <a:srgbClr val="0000FF"/>
+                </a:solidFill>
+                <a:effectLst/>
+                <a:uLnTx/>
+                <a:uFillTx/>
+                <a:ea typeface="+mn-ea"/>
+                <a:cs typeface="+mn-cs"/>
+              </a:rPr>
+              <a:t>django.http</a:t>
+            </a:r>
+            <a:r>
+              <a:rPr kumimoji="0" lang="en-US" altLang="en-US" b="0" i="0" u="none" strike="noStrike" kern="1200" cap="none" spc="0" normalizeH="0" baseline="0" noProof="0" dirty="0">
+                <a:ln>
+                  <a:noFill/>
+                </a:ln>
+                <a:solidFill>
+                  <a:srgbClr val="000000"/>
+                </a:solidFill>
+                <a:effectLst/>
+                <a:uLnTx/>
+                <a:uFillTx/>
+                <a:ea typeface="+mn-ea"/>
+                <a:cs typeface="+mn-cs"/>
+              </a:rPr>
+              <a:t> </a:t>
+            </a:r>
+            <a:r>
+              <a:rPr kumimoji="0" lang="en-US" altLang="en-US" b="1" i="0" u="none" strike="noStrike" kern="1200" cap="none" spc="0" normalizeH="0" baseline="0" noProof="0" dirty="0">
+                <a:ln>
+                  <a:noFill/>
+                </a:ln>
+                <a:solidFill>
+                  <a:srgbClr val="008000"/>
+                </a:solidFill>
+                <a:effectLst/>
+                <a:uLnTx/>
+                <a:uFillTx/>
+                <a:ea typeface="+mn-ea"/>
+                <a:cs typeface="+mn-cs"/>
+              </a:rPr>
+              <a:t>import</a:t>
+            </a:r>
+            <a:r>
+              <a:rPr kumimoji="0" lang="en-US" altLang="en-US" b="0" i="0" u="none" strike="noStrike" kern="1200" cap="none" spc="0" normalizeH="0" baseline="0" noProof="0" dirty="0">
+                <a:ln>
+                  <a:noFill/>
+                </a:ln>
+                <a:solidFill>
+                  <a:srgbClr val="000000"/>
+                </a:solidFill>
+                <a:effectLst/>
+                <a:uLnTx/>
+                <a:uFillTx/>
+                <a:ea typeface="+mn-ea"/>
+                <a:cs typeface="+mn-cs"/>
+              </a:rPr>
+              <a:t> </a:t>
+            </a:r>
+            <a:r>
+              <a:rPr kumimoji="0" lang="en-US" altLang="en-US" b="0" i="0" u="none" strike="noStrike" kern="1200" cap="none" spc="0" normalizeH="0" baseline="0" noProof="0" dirty="0" err="1">
+                <a:ln>
+                  <a:noFill/>
+                </a:ln>
+                <a:solidFill>
+                  <a:srgbClr val="000000"/>
+                </a:solidFill>
+                <a:effectLst/>
+                <a:uLnTx/>
+                <a:uFillTx/>
+                <a:ea typeface="+mn-ea"/>
+                <a:cs typeface="+mn-cs"/>
+              </a:rPr>
+              <a:t>HttpResponse</a:t>
+            </a:r>
+            <a:r>
+              <a:rPr kumimoji="0" lang="en-US" altLang="en-US" b="0" i="0" u="none" strike="noStrike" kern="1200" cap="none" spc="0" normalizeH="0" baseline="0" noProof="0" dirty="0">
+                <a:ln>
+                  <a:noFill/>
+                </a:ln>
+                <a:solidFill>
+                  <a:srgbClr val="000000"/>
+                </a:solidFill>
+                <a:effectLst/>
+                <a:uLnTx/>
+                <a:uFillTx/>
+                <a:ea typeface="+mn-ea"/>
+                <a:cs typeface="+mn-cs"/>
+              </a:rPr>
+              <a:t> </a:t>
+            </a:r>
+          </a:p>
+          <a:p>
+            <a:pPr marL="0" marR="0" lvl="0" indent="0" algn="l" defTabSz="914400" rtl="0" eaLnBrk="0" fontAlgn="base" latinLnBrk="0" hangingPunct="0">
+              <a:lnSpc>
+                <a:spcPct val="100000"/>
+              </a:lnSpc>
+              <a:spcBef>
+                <a:spcPct val="30000"/>
+              </a:spcBef>
+              <a:spcAft>
+                <a:spcPct val="0"/>
+              </a:spcAft>
+              <a:buClrTx/>
+              <a:buSzTx/>
+              <a:buFontTx/>
+              <a:buNone/>
+              <a:tabLst/>
+              <a:defRPr/>
+            </a:pPr>
+            <a:endParaRPr kumimoji="0" lang="en-US" altLang="en-US" b="0" i="0" u="none" strike="noStrike" kern="1200" cap="none" spc="0" normalizeH="0" baseline="0" noProof="0" dirty="0">
+              <a:ln>
+                <a:noFill/>
+              </a:ln>
+              <a:solidFill>
+                <a:srgbClr val="000000"/>
+              </a:solidFill>
+              <a:effectLst/>
+              <a:uLnTx/>
+              <a:uFillTx/>
+              <a:ea typeface="+mn-ea"/>
+              <a:cs typeface="+mn-cs"/>
+            </a:endParaRPr>
+          </a:p>
+          <a:p>
+            <a:pPr marL="0" marR="0" lvl="0" indent="0" algn="l" defTabSz="914400" rtl="0" eaLnBrk="0" fontAlgn="base" latinLnBrk="0" hangingPunct="0">
+              <a:lnSpc>
+                <a:spcPct val="100000"/>
+              </a:lnSpc>
+              <a:spcBef>
+                <a:spcPct val="30000"/>
+              </a:spcBef>
+              <a:spcAft>
+                <a:spcPct val="0"/>
+              </a:spcAft>
+              <a:buClrTx/>
+              <a:buSzTx/>
+              <a:buFontTx/>
+              <a:buNone/>
+              <a:tabLst/>
+              <a:defRPr/>
+            </a:pPr>
+            <a:r>
+              <a:rPr kumimoji="0" lang="en-US" altLang="en-US" b="1" i="0" u="none" strike="noStrike" kern="1200" cap="none" spc="0" normalizeH="0" baseline="0" noProof="0" dirty="0">
+                <a:ln>
+                  <a:noFill/>
+                </a:ln>
+                <a:solidFill>
+                  <a:srgbClr val="008000"/>
+                </a:solidFill>
+                <a:effectLst/>
+                <a:uLnTx/>
+                <a:uFillTx/>
+                <a:ea typeface="+mn-ea"/>
+                <a:cs typeface="+mn-cs"/>
+              </a:rPr>
+              <a:t>def</a:t>
+            </a:r>
+            <a:r>
+              <a:rPr kumimoji="0" lang="en-US" altLang="en-US" b="0" i="0" u="none" strike="noStrike" kern="1200" cap="none" spc="0" normalizeH="0" baseline="0" noProof="0" dirty="0">
+                <a:ln>
+                  <a:noFill/>
+                </a:ln>
+                <a:solidFill>
+                  <a:srgbClr val="000000"/>
+                </a:solidFill>
+                <a:effectLst/>
+                <a:uLnTx/>
+                <a:uFillTx/>
+                <a:ea typeface="+mn-ea"/>
+                <a:cs typeface="+mn-cs"/>
+              </a:rPr>
+              <a:t> </a:t>
+            </a:r>
+            <a:r>
+              <a:rPr kumimoji="0" lang="en-US" altLang="en-US" b="0" i="0" u="none" strike="noStrike" kern="1200" cap="none" spc="0" normalizeH="0" baseline="0" noProof="0" dirty="0">
+                <a:ln>
+                  <a:noFill/>
+                </a:ln>
+                <a:solidFill>
+                  <a:srgbClr val="0000FF"/>
+                </a:solidFill>
+                <a:effectLst/>
+                <a:uLnTx/>
+                <a:uFillTx/>
+                <a:ea typeface="+mn-ea"/>
+                <a:cs typeface="+mn-cs"/>
+              </a:rPr>
+              <a:t>index</a:t>
+            </a:r>
+            <a:r>
+              <a:rPr kumimoji="0" lang="en-US" altLang="en-US" b="0" i="0" u="none" strike="noStrike" kern="1200" cap="none" spc="0" normalizeH="0" baseline="0" noProof="0" dirty="0">
+                <a:ln>
+                  <a:noFill/>
+                </a:ln>
+                <a:solidFill>
+                  <a:srgbClr val="000000"/>
+                </a:solidFill>
+                <a:effectLst/>
+                <a:uLnTx/>
+                <a:uFillTx/>
+                <a:ea typeface="+mn-ea"/>
+                <a:cs typeface="+mn-cs"/>
+              </a:rPr>
+              <a:t>(request): </a:t>
+            </a:r>
+          </a:p>
+          <a:p>
+            <a:pPr marL="0" marR="0" lvl="0" indent="0" algn="l" defTabSz="914400" rtl="0" eaLnBrk="0" fontAlgn="base" latinLnBrk="0" hangingPunct="0">
+              <a:lnSpc>
+                <a:spcPct val="100000"/>
+              </a:lnSpc>
+              <a:spcBef>
+                <a:spcPct val="30000"/>
+              </a:spcBef>
+              <a:spcAft>
+                <a:spcPct val="0"/>
+              </a:spcAft>
+              <a:buClrTx/>
+              <a:buSzTx/>
+              <a:buFontTx/>
+              <a:buNone/>
+              <a:tabLst/>
+              <a:defRPr/>
+            </a:pPr>
+            <a:r>
+              <a:rPr lang="en-US" altLang="en-US" dirty="0">
+                <a:solidFill>
+                  <a:srgbClr val="000000"/>
+                </a:solidFill>
+              </a:rPr>
+              <a:t>	</a:t>
+            </a:r>
+            <a:r>
+              <a:rPr kumimoji="0" lang="en-US" altLang="en-US" b="1" i="0" u="none" strike="noStrike" kern="1200" cap="none" spc="0" normalizeH="0" baseline="0" noProof="0" dirty="0">
+                <a:ln>
+                  <a:noFill/>
+                </a:ln>
+                <a:solidFill>
+                  <a:srgbClr val="008000"/>
+                </a:solidFill>
+                <a:effectLst/>
+                <a:uLnTx/>
+                <a:uFillTx/>
+                <a:ea typeface="+mn-ea"/>
+                <a:cs typeface="+mn-cs"/>
+              </a:rPr>
+              <a:t>return</a:t>
+            </a:r>
+            <a:r>
+              <a:rPr kumimoji="0" lang="en-US" altLang="en-US" b="0" i="0" u="none" strike="noStrike" kern="1200" cap="none" spc="0" normalizeH="0" baseline="0" noProof="0" dirty="0">
+                <a:ln>
+                  <a:noFill/>
+                </a:ln>
+                <a:solidFill>
+                  <a:srgbClr val="000000"/>
+                </a:solidFill>
+                <a:effectLst/>
+                <a:uLnTx/>
+                <a:uFillTx/>
+                <a:ea typeface="+mn-ea"/>
+                <a:cs typeface="+mn-cs"/>
+              </a:rPr>
+              <a:t> </a:t>
+            </a:r>
+            <a:r>
+              <a:rPr kumimoji="0" lang="en-US" altLang="en-US" b="0" i="0" u="none" strike="noStrike" kern="1200" cap="none" spc="0" normalizeH="0" baseline="0" noProof="0" dirty="0" err="1">
+                <a:ln>
+                  <a:noFill/>
+                </a:ln>
+                <a:solidFill>
+                  <a:srgbClr val="000000"/>
+                </a:solidFill>
+                <a:effectLst/>
+                <a:uLnTx/>
+                <a:uFillTx/>
+                <a:ea typeface="+mn-ea"/>
+                <a:cs typeface="+mn-cs"/>
+              </a:rPr>
+              <a:t>HttpResponse</a:t>
+            </a:r>
+            <a:r>
+              <a:rPr kumimoji="0" lang="en-US" altLang="en-US" b="0" i="0" u="none" strike="noStrike" kern="1200" cap="none" spc="0" normalizeH="0" baseline="0" noProof="0" dirty="0">
+                <a:ln>
+                  <a:noFill/>
+                </a:ln>
+                <a:solidFill>
+                  <a:srgbClr val="000000"/>
+                </a:solidFill>
+                <a:effectLst/>
+                <a:uLnTx/>
+                <a:uFillTx/>
+                <a:ea typeface="+mn-ea"/>
+                <a:cs typeface="+mn-cs"/>
+              </a:rPr>
+              <a:t>(</a:t>
+            </a:r>
+            <a:r>
+              <a:rPr kumimoji="0" lang="en-US" altLang="en-US" b="0" i="0" u="none" strike="noStrike" kern="1200" cap="none" spc="0" normalizeH="0" baseline="0" noProof="0" dirty="0">
+                <a:ln>
+                  <a:noFill/>
+                </a:ln>
+                <a:solidFill>
+                  <a:srgbClr val="BA2121"/>
+                </a:solidFill>
+                <a:effectLst/>
+                <a:uLnTx/>
+                <a:uFillTx/>
+                <a:ea typeface="+mn-ea"/>
+                <a:cs typeface="+mn-cs"/>
+              </a:rPr>
+              <a:t>“&lt;h1&gt;Hello, world. &lt;p&gt;You're at the polls index.&lt;/p&gt;"</a:t>
+            </a:r>
+            <a:r>
+              <a:rPr kumimoji="0" lang="en-US" altLang="en-US" b="0" i="0" u="none" strike="noStrike" kern="1200" cap="none" spc="0" normalizeH="0" baseline="0" noProof="0" dirty="0">
+                <a:ln>
+                  <a:noFill/>
+                </a:ln>
+                <a:solidFill>
+                  <a:srgbClr val="000000"/>
+                </a:solidFill>
+                <a:effectLst/>
+                <a:uLnTx/>
+                <a:uFillTx/>
+                <a:ea typeface="+mn-ea"/>
+                <a:cs typeface="+mn-cs"/>
+              </a:rPr>
+              <a:t>)</a:t>
+            </a:r>
+          </a:p>
+          <a:p>
+            <a:pPr marL="0" indent="0">
+              <a:buNone/>
+            </a:pPr>
+            <a:endParaRPr lang="en-US" dirty="0"/>
+          </a:p>
+          <a:p>
+            <a:r>
+              <a:rPr lang="en-US" dirty="0"/>
+              <a:t>You can see that the HTML syntax is not complete and yet it works … although the view is a little bit not like what we want</a:t>
+            </a:r>
+          </a:p>
+          <a:p>
+            <a:r>
+              <a:rPr lang="en-US" dirty="0"/>
+              <a:t>This disregard of syntax is intentionally overlooked by the browsers as the aim is to give proper information and the styling can be investigated later. \</a:t>
+            </a:r>
+          </a:p>
+        </p:txBody>
+      </p:sp>
+      <p:sp>
+        <p:nvSpPr>
+          <p:cNvPr id="4" name="Date Placeholder 3">
+            <a:extLst>
+              <a:ext uri="{FF2B5EF4-FFF2-40B4-BE49-F238E27FC236}">
+                <a16:creationId xmlns:a16="http://schemas.microsoft.com/office/drawing/2014/main" id="{9A5751CF-E7DE-B76E-6E9B-2608B53D4F07}"/>
+              </a:ext>
+            </a:extLst>
+          </p:cNvPr>
+          <p:cNvSpPr>
+            <a:spLocks noGrp="1"/>
+          </p:cNvSpPr>
+          <p:nvPr>
+            <p:ph type="dt" sz="half" idx="10"/>
+          </p:nvPr>
+        </p:nvSpPr>
+        <p:spPr/>
+        <p:txBody>
+          <a:bodyPr/>
+          <a:lstStyle/>
+          <a:p>
+            <a:fld id="{579F6069-8263-4296-913A-BC2234E8D32B}" type="datetime1">
+              <a:rPr lang="en-US" smtClean="0"/>
+              <a:t>12/29/2023</a:t>
+            </a:fld>
+            <a:endParaRPr lang="en-US"/>
+          </a:p>
+        </p:txBody>
+      </p:sp>
+      <p:sp>
+        <p:nvSpPr>
+          <p:cNvPr id="6" name="Slide Number Placeholder 5">
+            <a:extLst>
+              <a:ext uri="{FF2B5EF4-FFF2-40B4-BE49-F238E27FC236}">
+                <a16:creationId xmlns:a16="http://schemas.microsoft.com/office/drawing/2014/main" id="{72BF7527-EFDB-4609-2B5D-E40E5BE945D6}"/>
+              </a:ext>
+            </a:extLst>
+          </p:cNvPr>
+          <p:cNvSpPr>
+            <a:spLocks noGrp="1"/>
+          </p:cNvSpPr>
+          <p:nvPr>
+            <p:ph type="sldNum" sz="quarter" idx="12"/>
+          </p:nvPr>
+        </p:nvSpPr>
+        <p:spPr/>
+        <p:txBody>
+          <a:bodyPr/>
+          <a:lstStyle/>
+          <a:p>
+            <a:fld id="{C68AC1EC-23E2-4F0E-A5A4-674EC8DB954E}" type="slidenum">
+              <a:rPr lang="en-US" smtClean="0"/>
+              <a:t>11</a:t>
+            </a:fld>
+            <a:endParaRPr lang="en-US"/>
+          </a:p>
+        </p:txBody>
+      </p:sp>
+    </p:spTree>
+    <p:extLst>
+      <p:ext uri="{BB962C8B-B14F-4D97-AF65-F5344CB8AC3E}">
+        <p14:creationId xmlns:p14="http://schemas.microsoft.com/office/powerpoint/2010/main" val="2897484157"/>
+      </p:ext>
+    </p:extLst>
+  </p:cSld>
+  <p:clrMapOvr>
+    <a:masterClrMapping/>
+  </p:clrMapOvr>
+</p:sld>
+</file>
+
+<file path=ppt/slides/slide12.xml><?xml version="1.0" encoding="utf-8"?>
+<p:sld xmlns:a="http://schemas.openxmlformats.org/drawingml/2006/main" xmlns:r="http://schemas.openxmlformats.org/officeDocument/2006/relationships" xmlns:p="http://schemas.openxmlformats.org/presentationml/2006/main">
+  <p:cSld>
+    <p:spTree>
+      <p:nvGrpSpPr>
+        <p:cNvPr id="1" name=""/>
+        <p:cNvGrpSpPr/>
+        <p:nvPr/>
+      </p:nvGrpSpPr>
+      <p:grpSpPr>
+        <a:xfrm>
+          <a:off x="0" y="0"/>
+          <a:ext cx="0" cy="0"/>
+          <a:chOff x="0" y="0"/>
+          <a:chExt cx="0" cy="0"/>
+        </a:xfrm>
+      </p:grpSpPr>
+      <p:sp>
+        <p:nvSpPr>
+          <p:cNvPr id="2" name="Title 1">
+            <a:extLst>
+              <a:ext uri="{FF2B5EF4-FFF2-40B4-BE49-F238E27FC236}">
                 <a16:creationId xmlns:a16="http://schemas.microsoft.com/office/drawing/2014/main" id="{EFEAFB94-5723-EAAB-D0A4-DB8A8D7D7353}"/>
               </a:ext>
             </a:extLst>
@@ -4479,7 +5319,7 @@
           <a:p>
             <a:fld id="{579F6069-8263-4296-913A-BC2234E8D32B}" type="datetime1">
               <a:rPr lang="en-US" smtClean="0"/>
-              <a:t>12/26/2023</a:t>
+              <a:t>12/29/2023</a:t>
             </a:fld>
             <a:endParaRPr lang="en-US"/>
           </a:p>
@@ -4508,7 +5348,7 @@
           <a:p>
             <a:fld id="{C68AC1EC-23E2-4F0E-A5A4-674EC8DB954E}" type="slidenum">
               <a:rPr lang="en-US" smtClean="0"/>
-              <a:t>10</a:t>
+              <a:t>12</a:t>
             </a:fld>
             <a:endParaRPr lang="en-US"/>
           </a:p>
@@ -4527,7 +5367,7 @@
 </p:sld>
 </file>
 
-<file path=ppt/slides/slide11.xml><?xml version="1.0" encoding="utf-8"?>
+<file path=ppt/slides/slide13.xml><?xml version="1.0" encoding="utf-8"?>
 <p:sld xmlns:a="http://schemas.openxmlformats.org/drawingml/2006/main" xmlns:r="http://schemas.openxmlformats.org/officeDocument/2006/relationships" xmlns:p="http://schemas.openxmlformats.org/presentationml/2006/main">
   <p:cSld>
     <p:spTree>
@@ -5121,7 +5961,7 @@
                   <a:schemeClr val="tx1"/>
                 </a:solidFill>
               </a:rPr>
-              <a:t>You may need to write this text in a line to make it work properly</a:t>
+              <a:t>You may need to write this text in a line within the python function to make it work properly</a:t>
             </a:r>
             <a:endParaRPr kumimoji="0" lang="en-US" altLang="en-US" b="0" i="0" u="none" strike="noStrike" kern="1200" cap="none" spc="0" normalizeH="0" baseline="0" noProof="0" dirty="0">
               <a:ln>
@@ -5167,7 +6007,7 @@
           <a:p>
             <a:fld id="{579F6069-8263-4296-913A-BC2234E8D32B}" type="datetime1">
               <a:rPr lang="en-US" smtClean="0"/>
-              <a:t>12/26/2023</a:t>
+              <a:t>12/29/2023</a:t>
             </a:fld>
             <a:endParaRPr lang="en-US"/>
           </a:p>
@@ -5196,7 +6036,7 @@
           <a:p>
             <a:fld id="{C68AC1EC-23E2-4F0E-A5A4-674EC8DB954E}" type="slidenum">
               <a:rPr lang="en-US" smtClean="0"/>
-              <a:t>11</a:t>
+              <a:t>13</a:t>
             </a:fld>
             <a:endParaRPr lang="en-US"/>
           </a:p>
@@ -5215,7 +6055,7 @@
 </p:sld>
 </file>
 
-<file path=ppt/slides/slide12.xml><?xml version="1.0" encoding="utf-8"?>
+<file path=ppt/slides/slide14.xml><?xml version="1.0" encoding="utf-8"?>
 <p:sld xmlns:a="http://schemas.openxmlformats.org/drawingml/2006/main" xmlns:r="http://schemas.openxmlformats.org/officeDocument/2006/relationships" xmlns:p="http://schemas.openxmlformats.org/presentationml/2006/main">
   <p:cSld>
     <p:spTree>
@@ -5531,7 +6371,7 @@
           <a:p>
             <a:fld id="{579F6069-8263-4296-913A-BC2234E8D32B}" type="datetime1">
               <a:rPr lang="en-US" smtClean="0"/>
-              <a:t>12/26/2023</a:t>
+              <a:t>12/29/2023</a:t>
             </a:fld>
             <a:endParaRPr lang="en-US"/>
           </a:p>
@@ -5560,7 +6400,7 @@
           <a:p>
             <a:fld id="{C68AC1EC-23E2-4F0E-A5A4-674EC8DB954E}" type="slidenum">
               <a:rPr lang="en-US" smtClean="0"/>
-              <a:t>12</a:t>
+              <a:t>14</a:t>
             </a:fld>
             <a:endParaRPr lang="en-US"/>
           </a:p>
@@ -5579,7 +6419,7 @@
 </p:sld>
 </file>
 
-<file path=ppt/slides/slide13.xml><?xml version="1.0" encoding="utf-8"?>
+<file path=ppt/slides/slide15.xml><?xml version="1.0" encoding="utf-8"?>
 <p:sld xmlns:a="http://schemas.openxmlformats.org/drawingml/2006/main" xmlns:r="http://schemas.openxmlformats.org/officeDocument/2006/relationships" xmlns:p="http://schemas.openxmlformats.org/presentationml/2006/main">
   <p:cSld>
     <p:spTree>
@@ -5624,7 +6464,7 @@
           <a:p>
             <a:fld id="{579F6069-8263-4296-913A-BC2234E8D32B}" type="datetime1">
               <a:rPr lang="en-US" smtClean="0"/>
-              <a:t>12/26/2023</a:t>
+              <a:t>12/29/2023</a:t>
             </a:fld>
             <a:endParaRPr lang="en-US"/>
           </a:p>
@@ -5653,7 +6493,7 @@
           <a:p>
             <a:fld id="{C68AC1EC-23E2-4F0E-A5A4-674EC8DB954E}" type="slidenum">
               <a:rPr lang="en-US" smtClean="0"/>
-              <a:t>13</a:t>
+              <a:t>15</a:t>
             </a:fld>
             <a:endParaRPr lang="en-US"/>
           </a:p>
@@ -6617,7 +7457,7 @@
 </p:sld>
 </file>
 
-<file path=ppt/slides/slide14.xml><?xml version="1.0" encoding="utf-8"?>
+<file path=ppt/slides/slide16.xml><?xml version="1.0" encoding="utf-8"?>
 <p:sld xmlns:a="http://schemas.openxmlformats.org/drawingml/2006/main" xmlns:r="http://schemas.openxmlformats.org/officeDocument/2006/relationships" xmlns:p="http://schemas.openxmlformats.org/presentationml/2006/main">
   <p:cSld>
     <p:spTree>
@@ -8205,7 +9045,7 @@
           <a:p>
             <a:fld id="{579F6069-8263-4296-913A-BC2234E8D32B}" type="datetime1">
               <a:rPr lang="en-US" smtClean="0"/>
-              <a:t>12/26/2023</a:t>
+              <a:t>12/29/2023</a:t>
             </a:fld>
             <a:endParaRPr lang="en-US"/>
           </a:p>
@@ -8234,7 +9074,7 @@
           <a:p>
             <a:fld id="{C68AC1EC-23E2-4F0E-A5A4-674EC8DB954E}" type="slidenum">
               <a:rPr lang="en-US" smtClean="0"/>
-              <a:t>14</a:t>
+              <a:t>16</a:t>
             </a:fld>
             <a:endParaRPr lang="en-US"/>
           </a:p>
@@ -8253,7 +9093,7 @@
 </p:sld>
 </file>
 
-<file path=ppt/slides/slide15.xml><?xml version="1.0" encoding="utf-8"?>
+<file path=ppt/slides/slide17.xml><?xml version="1.0" encoding="utf-8"?>
 <p:sld xmlns:a="http://schemas.openxmlformats.org/drawingml/2006/main" xmlns:r="http://schemas.openxmlformats.org/officeDocument/2006/relationships" xmlns:p="http://schemas.openxmlformats.org/presentationml/2006/main">
   <p:cSld>
     <p:spTree>
@@ -8934,6 +9774,54 @@
               </a:rPr>
             </a:br>
             <a:r>
+              <a:rPr kumimoji="0" lang="en-US" altLang="en-US" sz="1800" b="1" i="0" u="none" strike="noStrike" kern="1200" cap="none" spc="0" normalizeH="0" baseline="0" noProof="0" dirty="0">
+                <a:ln>
+                  <a:noFill/>
+                </a:ln>
+                <a:solidFill>
+                  <a:schemeClr val="tx1"/>
+                </a:solidFill>
+                <a:effectLst/>
+                <a:uLnTx/>
+                <a:uFillTx/>
+                <a:ea typeface="+mn-ea"/>
+                <a:cs typeface="+mn-cs"/>
+              </a:rPr>
+              <a:t>'</a:t>
+            </a:r>
+            <a:r>
+              <a:rPr kumimoji="0" lang="en-US" altLang="en-US" sz="1800" b="1" i="0" u="none" strike="noStrike" kern="1200" cap="none" spc="0" normalizeH="0" baseline="0" noProof="0" dirty="0" err="1">
+                <a:ln>
+                  <a:noFill/>
+                </a:ln>
+                <a:solidFill>
+                  <a:schemeClr val="tx1"/>
+                </a:solidFill>
+                <a:effectLst/>
+                <a:uLnTx/>
+                <a:uFillTx/>
+                <a:ea typeface="+mn-ea"/>
+                <a:cs typeface="+mn-cs"/>
+              </a:rPr>
+              <a:t>polls.apps.PollsConfig</a:t>
+            </a:r>
+            <a:r>
+              <a:rPr kumimoji="0" lang="en-US" altLang="en-US" sz="1800" b="1" i="0" u="none" strike="noStrike" kern="1200" cap="none" spc="0" normalizeH="0" baseline="0" noProof="0" dirty="0">
+                <a:ln>
+                  <a:noFill/>
+                </a:ln>
+                <a:solidFill>
+                  <a:schemeClr val="tx1"/>
+                </a:solidFill>
+                <a:effectLst/>
+                <a:uLnTx/>
+                <a:uFillTx/>
+                <a:ea typeface="+mn-ea"/>
+                <a:cs typeface="+mn-cs"/>
+              </a:rPr>
+              <a:t>'</a:t>
+            </a:r>
+            <a:r>
               <a:rPr kumimoji="0" lang="en-US" altLang="en-US" sz="1800" b="0" i="0" u="none" strike="noStrike" kern="1200" cap="none" spc="0" normalizeH="0" baseline="0" noProof="0" dirty="0">
                 <a:ln>
                   <a:noFill/>
@@ -8947,39 +9835,7 @@
                 <a:ea typeface="+mn-ea"/>
                 <a:cs typeface="+mn-cs"/>
               </a:rPr>
-              <a:t>'</a:t>
-            </a:r>
-            <a:r>
-              <a:rPr kumimoji="0" lang="en-US" altLang="en-US" sz="1800" b="0" i="0" u="none" strike="noStrike" kern="1200" cap="none" spc="0" normalizeH="0" baseline="0" noProof="0" dirty="0" err="1">
-                <a:ln>
-                  <a:noFill/>
-                </a:ln>
-                <a:solidFill>
-                  <a:schemeClr val="tx1"/>
-                </a:solidFill>
-                <a:effectLst/>
-                <a:uLnTx/>
-                <a:uFillTx/>
-                <a:ea typeface="+mn-ea"/>
-                <a:cs typeface="+mn-cs"/>
-              </a:rPr>
-              <a:t>polls.apps.PollsConfig</a:t>
-            </a:r>
-            <a:r>
-              <a:rPr kumimoji="0" lang="en-US" altLang="en-US" sz="1800" b="0" i="0" u="none" strike="noStrike" kern="1200" cap="none" spc="0" normalizeH="0" baseline="0" noProof="0" dirty="0">
-                <a:ln>
-                  <a:noFill/>
-                </a:ln>
-                <a:solidFill>
-                  <a:schemeClr val="tx1"/>
-                </a:solidFill>
-                <a:effectLst/>
-                <a:uLnTx/>
-                <a:uFillTx/>
-                <a:ea typeface="+mn-ea"/>
-                <a:cs typeface="+mn-cs"/>
-              </a:rPr>
-              <a:t>',</a:t>
+              <a:t>,</a:t>
             </a:r>
           </a:p>
           <a:p>
@@ -9043,7 +9899,7 @@
           <a:p>
             <a:fld id="{579F6069-8263-4296-913A-BC2234E8D32B}" type="datetime1">
               <a:rPr lang="en-US" smtClean="0"/>
-              <a:t>12/27/2023</a:t>
+              <a:t>12/29/2023</a:t>
             </a:fld>
             <a:endParaRPr lang="en-US"/>
           </a:p>
@@ -9072,7 +9928,7 @@
           <a:p>
             <a:fld id="{C68AC1EC-23E2-4F0E-A5A4-674EC8DB954E}" type="slidenum">
               <a:rPr lang="en-US" smtClean="0"/>
-              <a:t>15</a:t>
+              <a:t>17</a:t>
             </a:fld>
             <a:endParaRPr lang="en-US"/>
           </a:p>
@@ -9091,7 +9947,7 @@
 </p:sld>
 </file>
 
-<file path=ppt/slides/slide16.xml><?xml version="1.0" encoding="utf-8"?>
+<file path=ppt/slides/slide18.xml><?xml version="1.0" encoding="utf-8"?>
 <p:sld xmlns:a="http://schemas.openxmlformats.org/drawingml/2006/main" xmlns:r="http://schemas.openxmlformats.org/officeDocument/2006/relationships" xmlns:p="http://schemas.openxmlformats.org/presentationml/2006/main">
   <p:cSld>
     <p:spTree>
@@ -10074,7 +10930,7 @@
           <a:p>
             <a:fld id="{579F6069-8263-4296-913A-BC2234E8D32B}" type="datetime1">
               <a:rPr lang="en-US" smtClean="0"/>
-              <a:t>12/26/2023</a:t>
+              <a:t>12/29/2023</a:t>
             </a:fld>
             <a:endParaRPr lang="en-US"/>
           </a:p>
@@ -10103,7 +10959,7 @@
           <a:p>
             <a:fld id="{C68AC1EC-23E2-4F0E-A5A4-674EC8DB954E}" type="slidenum">
               <a:rPr lang="en-US" smtClean="0"/>
-              <a:t>16</a:t>
+              <a:t>18</a:t>
             </a:fld>
             <a:endParaRPr lang="en-US"/>
           </a:p>
@@ -10122,7 +10978,7 @@
 </p:sld>
 </file>
 
-<file path=ppt/slides/slide17.xml><?xml version="1.0" encoding="utf-8"?>
+<file path=ppt/slides/slide19.xml><?xml version="1.0" encoding="utf-8"?>
 <p:sld xmlns:a="http://schemas.openxmlformats.org/drawingml/2006/main" xmlns:r="http://schemas.openxmlformats.org/officeDocument/2006/relationships" xmlns:p="http://schemas.openxmlformats.org/presentationml/2006/main">
   <p:cSld>
     <p:spTree>
@@ -10195,7 +11051,7 @@
           <a:p>
             <a:fld id="{579F6069-8263-4296-913A-BC2234E8D32B}" type="datetime1">
               <a:rPr lang="en-US" smtClean="0"/>
-              <a:t>12/26/2023</a:t>
+              <a:t>12/29/2023</a:t>
             </a:fld>
             <a:endParaRPr lang="en-US"/>
           </a:p>
@@ -10224,7 +11080,7 @@
           <a:p>
             <a:fld id="{C68AC1EC-23E2-4F0E-A5A4-674EC8DB954E}" type="slidenum">
               <a:rPr lang="en-US" smtClean="0"/>
-              <a:t>17</a:t>
+              <a:t>19</a:t>
             </a:fld>
             <a:endParaRPr lang="en-US"/>
           </a:p>
@@ -10279,7 +11135,7 @@
 </p:sld>
 </file>
 
-<file path=ppt/slides/slide18.xml><?xml version="1.0" encoding="utf-8"?>
+<file path=ppt/slides/slide2.xml><?xml version="1.0" encoding="utf-8"?>
 <p:sld xmlns:a="http://schemas.openxmlformats.org/drawingml/2006/main" xmlns:r="http://schemas.openxmlformats.org/officeDocument/2006/relationships" xmlns:p="http://schemas.openxmlformats.org/presentationml/2006/main">
   <p:cSld>
     <p:spTree>
@@ -10301,7 +11157,7 @@
           <p:cNvPr id="2" name="Title 1">
             <a:extLst>
               <a:ext uri="{FF2B5EF4-FFF2-40B4-BE49-F238E27FC236}">
-                <a16:creationId xmlns:a16="http://schemas.microsoft.com/office/drawing/2014/main" id="{28F2D6DF-F615-99B8-9292-5B8A75786C2F}"/>
+                <a16:creationId xmlns:a16="http://schemas.microsoft.com/office/drawing/2014/main" id="{13D7BB39-C022-506B-7705-6B288474DB48}"/>
               </a:ext>
             </a:extLst>
           </p:cNvPr>
@@ -10319,7 +11175,7 @@
           <a:p>
             <a:r>
               <a:rPr lang="en-US" dirty="0"/>
-              <a:t>The Administrator</a:t>
+              <a:t>Understanding the workflow</a:t>
             </a:r>
           </a:p>
         </p:txBody>
@@ -10329,7 +11185,7 @@
           <p:cNvPr id="3" name="Content Placeholder 2">
             <a:extLst>
               <a:ext uri="{FF2B5EF4-FFF2-40B4-BE49-F238E27FC236}">
-                <a16:creationId xmlns:a16="http://schemas.microsoft.com/office/drawing/2014/main" id="{9D1B174C-9007-D681-5076-36BFC4C8683C}"/>
+                <a16:creationId xmlns:a16="http://schemas.microsoft.com/office/drawing/2014/main" id="{05689B9E-BF5F-0B38-2C37-512A3761FBCA}"/>
               </a:ext>
             </a:extLst>
           </p:cNvPr>
@@ -10340,38 +11196,47 @@
             <p:ph idx="1"/>
           </p:nvPr>
         </p:nvSpPr>
-        <p:spPr/>
-        <p:txBody>
-          <a:bodyPr/>
-          <a:lstStyle/>
-          <a:p>
-            <a:r>
-              <a:rPr lang="en-US" dirty="0"/>
-              <a:t>While creating your web application, you may create the data to be added to your database or link a created database to your web application</a:t>
-            </a:r>
-          </a:p>
-          <a:p>
-            <a:r>
-              <a:rPr lang="en-US" dirty="0"/>
-              <a:t>To add or remove data, you can use the shell to do so at the back end or you can work with the admin interface that is provided by Django itself</a:t>
-            </a:r>
-          </a:p>
-          <a:p>
-            <a:r>
-              <a:rPr lang="en-US" dirty="0"/>
-              <a:t>Django was written in a newsroom environment, with a very clear separation between “content publishers” and the “public” site. </a:t>
-            </a:r>
-          </a:p>
-          <a:p>
-            <a:r>
-              <a:rPr lang="en-US" dirty="0"/>
-              <a:t>Hence, we need site managers that can quickly add or remove content to the site for the site visitors to view. Django entirely automates creation of admin interfaces for models.</a:t>
-            </a:r>
-          </a:p>
-          <a:p>
-            <a:r>
-              <a:rPr lang="en-US" dirty="0"/>
-              <a:t>The site manager is normally called an admin</a:t>
+        <p:spPr>
+          <a:xfrm>
+            <a:off x="877823" y="2157984"/>
+            <a:ext cx="10552175" cy="3903819"/>
+          </a:xfrm>
+        </p:spPr>
+        <p:txBody>
+          <a:bodyPr>
+            <a:normAutofit/>
+          </a:bodyPr>
+          <a:lstStyle/>
+          <a:p>
+            <a:pPr algn="just"/>
+            <a:r>
+              <a:rPr lang="en-US" sz="1800" dirty="0"/>
+              <a:t>We need to first understand how the components work together when a site managed by Django is accessed</a:t>
+            </a:r>
+          </a:p>
+          <a:p>
+            <a:pPr algn="just"/>
+            <a:r>
+              <a:rPr lang="en-US" sz="1800" dirty="0"/>
+              <a:t>Having a clear understanding of the working of nuts and bolts will make it easier to understand the overall design of any application that we will make</a:t>
+            </a:r>
+          </a:p>
+          <a:p>
+            <a:pPr algn="just"/>
+            <a:r>
+              <a:rPr lang="en-US" sz="1800" dirty="0"/>
+              <a:t>A site made by Django is actually a collection of different applications where each application is a collection of different webpages</a:t>
+            </a:r>
+          </a:p>
+          <a:p>
+            <a:pPr algn="just"/>
+            <a:r>
+              <a:rPr lang="en-US" sz="1800" dirty="0"/>
+              <a:t>So we must begin from the starting point and that being, what happens when a user opens the very first page of an application which is normally </a:t>
+            </a:r>
+            <a:r>
+              <a:rPr lang="en-US" sz="1800" b="1" dirty="0"/>
+              <a:t>index.html</a:t>
             </a:r>
           </a:p>
         </p:txBody>
@@ -10381,7 +11246,7 @@
           <p:cNvPr id="4" name="Date Placeholder 3">
             <a:extLst>
               <a:ext uri="{FF2B5EF4-FFF2-40B4-BE49-F238E27FC236}">
-                <a16:creationId xmlns:a16="http://schemas.microsoft.com/office/drawing/2014/main" id="{5417773B-6969-9F51-49A6-E6955BDAC51E}"/>
+                <a16:creationId xmlns:a16="http://schemas.microsoft.com/office/drawing/2014/main" id="{C5B2B352-82E9-D7A0-8E8B-365DB115985A}"/>
               </a:ext>
             </a:extLst>
           </p:cNvPr>
@@ -10399,7 +11264,7 @@
           <a:p>
             <a:fld id="{579F6069-8263-4296-913A-BC2234E8D32B}" type="datetime1">
               <a:rPr lang="en-US" smtClean="0"/>
-              <a:t>12/26/2023</a:t>
+              <a:t>12/29/2023</a:t>
             </a:fld>
             <a:endParaRPr lang="en-US"/>
           </a:p>
@@ -10410,7 +11275,7 @@
           <p:cNvPr id="6" name="Slide Number Placeholder 5">
             <a:extLst>
               <a:ext uri="{FF2B5EF4-FFF2-40B4-BE49-F238E27FC236}">
-                <a16:creationId xmlns:a16="http://schemas.microsoft.com/office/drawing/2014/main" id="{9B7E24BC-0437-A246-0AC2-7B38B4DF481E}"/>
+                <a16:creationId xmlns:a16="http://schemas.microsoft.com/office/drawing/2014/main" id="{ABC0E6A7-72EF-6EAF-7761-36A63544B97C}"/>
               </a:ext>
             </a:extLst>
           </p:cNvPr>
@@ -10428,7 +11293,7 @@
           <a:p>
             <a:fld id="{C68AC1EC-23E2-4F0E-A5A4-674EC8DB954E}" type="slidenum">
               <a:rPr lang="en-US" smtClean="0"/>
-              <a:t>18</a:t>
+              <a:t>2</a:t>
             </a:fld>
             <a:endParaRPr lang="en-US"/>
           </a:p>
@@ -10437,7 +11302,7 @@
     </p:spTree>
     <p:extLst>
       <p:ext uri="{BB962C8B-B14F-4D97-AF65-F5344CB8AC3E}">
-        <p14:creationId xmlns:p14="http://schemas.microsoft.com/office/powerpoint/2010/main" val="2142176711"/>
+        <p14:creationId xmlns:p14="http://schemas.microsoft.com/office/powerpoint/2010/main" val="1560108451"/>
       </p:ext>
     </p:extLst>
   </p:cSld>
@@ -10447,7 +11312,7 @@
 </p:sld>
 </file>
 
-<file path=ppt/slides/slide19.xml><?xml version="1.0" encoding="utf-8"?>
+<file path=ppt/slides/slide20.xml><?xml version="1.0" encoding="utf-8"?>
 <p:sld xmlns:a="http://schemas.openxmlformats.org/drawingml/2006/main" xmlns:r="http://schemas.openxmlformats.org/officeDocument/2006/relationships" xmlns:p="http://schemas.openxmlformats.org/presentationml/2006/main">
   <p:cSld>
     <p:spTree>
@@ -10487,6 +11352,174 @@
           <a:p>
             <a:r>
               <a:rPr lang="en-US" dirty="0"/>
+              <a:t>The Administrator</a:t>
+            </a:r>
+          </a:p>
+        </p:txBody>
+      </p:sp>
+      <p:sp>
+        <p:nvSpPr>
+          <p:cNvPr id="3" name="Content Placeholder 2">
+            <a:extLst>
+              <a:ext uri="{FF2B5EF4-FFF2-40B4-BE49-F238E27FC236}">
+                <a16:creationId xmlns:a16="http://schemas.microsoft.com/office/drawing/2014/main" id="{9D1B174C-9007-D681-5076-36BFC4C8683C}"/>
+              </a:ext>
+            </a:extLst>
+          </p:cNvPr>
+          <p:cNvSpPr>
+            <a:spLocks noGrp="1"/>
+          </p:cNvSpPr>
+          <p:nvPr>
+            <p:ph idx="1"/>
+          </p:nvPr>
+        </p:nvSpPr>
+        <p:spPr/>
+        <p:txBody>
+          <a:bodyPr/>
+          <a:lstStyle/>
+          <a:p>
+            <a:r>
+              <a:rPr lang="en-US" dirty="0"/>
+              <a:t>While creating your web application, you may create the data to be added to your database or link a created database to your web application</a:t>
+            </a:r>
+          </a:p>
+          <a:p>
+            <a:r>
+              <a:rPr lang="en-US" dirty="0"/>
+              <a:t>To add or remove data, you can use the shell to do so at the back end or you can work with the admin interface that is provided by Django itself</a:t>
+            </a:r>
+          </a:p>
+          <a:p>
+            <a:r>
+              <a:rPr lang="en-US" dirty="0"/>
+              <a:t>Django was written in a newsroom environment, with a very clear separation between “content publishers” and the “public” site. </a:t>
+            </a:r>
+          </a:p>
+          <a:p>
+            <a:r>
+              <a:rPr lang="en-US" dirty="0"/>
+              <a:t>Hence, we need site managers that can quickly add or remove content to the site for the site visitors to view. Django entirely automates creation of admin interfaces for models.</a:t>
+            </a:r>
+          </a:p>
+          <a:p>
+            <a:r>
+              <a:rPr lang="en-US" dirty="0"/>
+              <a:t>The site manager is normally called an admin</a:t>
+            </a:r>
+          </a:p>
+        </p:txBody>
+      </p:sp>
+      <p:sp>
+        <p:nvSpPr>
+          <p:cNvPr id="4" name="Date Placeholder 3">
+            <a:extLst>
+              <a:ext uri="{FF2B5EF4-FFF2-40B4-BE49-F238E27FC236}">
+                <a16:creationId xmlns:a16="http://schemas.microsoft.com/office/drawing/2014/main" id="{5417773B-6969-9F51-49A6-E6955BDAC51E}"/>
+              </a:ext>
+            </a:extLst>
+          </p:cNvPr>
+          <p:cNvSpPr>
+            <a:spLocks noGrp="1"/>
+          </p:cNvSpPr>
+          <p:nvPr>
+            <p:ph type="dt" sz="half" idx="10"/>
+          </p:nvPr>
+        </p:nvSpPr>
+        <p:spPr/>
+        <p:txBody>
+          <a:bodyPr/>
+          <a:lstStyle/>
+          <a:p>
+            <a:fld id="{579F6069-8263-4296-913A-BC2234E8D32B}" type="datetime1">
+              <a:rPr lang="en-US" smtClean="0"/>
+              <a:t>12/29/2023</a:t>
+            </a:fld>
+            <a:endParaRPr lang="en-US"/>
+          </a:p>
+        </p:txBody>
+      </p:sp>
+      <p:sp>
+        <p:nvSpPr>
+          <p:cNvPr id="6" name="Slide Number Placeholder 5">
+            <a:extLst>
+              <a:ext uri="{FF2B5EF4-FFF2-40B4-BE49-F238E27FC236}">
+                <a16:creationId xmlns:a16="http://schemas.microsoft.com/office/drawing/2014/main" id="{9B7E24BC-0437-A246-0AC2-7B38B4DF481E}"/>
+              </a:ext>
+            </a:extLst>
+          </p:cNvPr>
+          <p:cNvSpPr>
+            <a:spLocks noGrp="1"/>
+          </p:cNvSpPr>
+          <p:nvPr>
+            <p:ph type="sldNum" sz="quarter" idx="12"/>
+          </p:nvPr>
+        </p:nvSpPr>
+        <p:spPr/>
+        <p:txBody>
+          <a:bodyPr/>
+          <a:lstStyle/>
+          <a:p>
+            <a:fld id="{C68AC1EC-23E2-4F0E-A5A4-674EC8DB954E}" type="slidenum">
+              <a:rPr lang="en-US" smtClean="0"/>
+              <a:t>20</a:t>
+            </a:fld>
+            <a:endParaRPr lang="en-US"/>
+          </a:p>
+        </p:txBody>
+      </p:sp>
+    </p:spTree>
+    <p:extLst>
+      <p:ext uri="{BB962C8B-B14F-4D97-AF65-F5344CB8AC3E}">
+        <p14:creationId xmlns:p14="http://schemas.microsoft.com/office/powerpoint/2010/main" val="2142176711"/>
+      </p:ext>
+    </p:extLst>
+  </p:cSld>
+  <p:clrMapOvr>
+    <a:masterClrMapping/>
+  </p:clrMapOvr>
+</p:sld>
+</file>
+
+<file path=ppt/slides/slide21.xml><?xml version="1.0" encoding="utf-8"?>
+<p:sld xmlns:a="http://schemas.openxmlformats.org/drawingml/2006/main" xmlns:r="http://schemas.openxmlformats.org/officeDocument/2006/relationships" xmlns:p="http://schemas.openxmlformats.org/presentationml/2006/main">
+  <p:cSld>
+    <p:spTree>
+      <p:nvGrpSpPr>
+        <p:cNvPr id="1" name=""/>
+        <p:cNvGrpSpPr/>
+        <p:nvPr/>
+      </p:nvGrpSpPr>
+      <p:grpSpPr>
+        <a:xfrm>
+          <a:off x="0" y="0"/>
+          <a:ext cx="0" cy="0"/>
+          <a:chOff x="0" y="0"/>
+          <a:chExt cx="0" cy="0"/>
+        </a:xfrm>
+      </p:grpSpPr>
+      <p:sp>
+        <p:nvSpPr>
+          <p:cNvPr id="2" name="Title 1">
+            <a:extLst>
+              <a:ext uri="{FF2B5EF4-FFF2-40B4-BE49-F238E27FC236}">
+                <a16:creationId xmlns:a16="http://schemas.microsoft.com/office/drawing/2014/main" id="{28F2D6DF-F615-99B8-9292-5B8A75786C2F}"/>
+              </a:ext>
+            </a:extLst>
+          </p:cNvPr>
+          <p:cNvSpPr>
+            <a:spLocks noGrp="1"/>
+          </p:cNvSpPr>
+          <p:nvPr>
+            <p:ph type="title"/>
+          </p:nvPr>
+        </p:nvSpPr>
+        <p:spPr/>
+        <p:txBody>
+          <a:bodyPr/>
+          <a:lstStyle/>
+          <a:p>
+            <a:r>
+              <a:rPr lang="en-US" dirty="0"/>
               <a:t>Logging in as Administrator</a:t>
             </a:r>
           </a:p>
@@ -10566,7 +11599,7 @@
           <a:p>
             <a:fld id="{579F6069-8263-4296-913A-BC2234E8D32B}" type="datetime1">
               <a:rPr lang="en-US" smtClean="0"/>
-              <a:t>12/26/2023</a:t>
+              <a:t>12/29/2023</a:t>
             </a:fld>
             <a:endParaRPr lang="en-US"/>
           </a:p>
@@ -10595,7 +11628,7 @@
           <a:p>
             <a:fld id="{C68AC1EC-23E2-4F0E-A5A4-674EC8DB954E}" type="slidenum">
               <a:rPr lang="en-US" smtClean="0"/>
-              <a:t>19</a:t>
+              <a:t>21</a:t>
             </a:fld>
             <a:endParaRPr lang="en-US"/>
           </a:p>
@@ -10644,7 +11677,7 @@
 </p:sld>
 </file>
 
-<file path=ppt/slides/slide2.xml><?xml version="1.0" encoding="utf-8"?>
+<file path=ppt/slides/slide22.xml><?xml version="1.0" encoding="utf-8"?>
 <p:sld xmlns:a="http://schemas.openxmlformats.org/drawingml/2006/main" xmlns:r="http://schemas.openxmlformats.org/officeDocument/2006/relationships" xmlns:p="http://schemas.openxmlformats.org/presentationml/2006/main">
   <p:cSld>
     <p:spTree>
@@ -10666,183 +11699,6 @@
           <p:cNvPr id="2" name="Title 1">
             <a:extLst>
               <a:ext uri="{FF2B5EF4-FFF2-40B4-BE49-F238E27FC236}">
-                <a16:creationId xmlns:a16="http://schemas.microsoft.com/office/drawing/2014/main" id="{13D7BB39-C022-506B-7705-6B288474DB48}"/>
-              </a:ext>
-            </a:extLst>
-          </p:cNvPr>
-          <p:cNvSpPr>
-            <a:spLocks noGrp="1"/>
-          </p:cNvSpPr>
-          <p:nvPr>
-            <p:ph type="title"/>
-          </p:nvPr>
-        </p:nvSpPr>
-        <p:spPr/>
-        <p:txBody>
-          <a:bodyPr/>
-          <a:lstStyle/>
-          <a:p>
-            <a:r>
-              <a:rPr lang="en-US" dirty="0"/>
-              <a:t>Understanding the workflow</a:t>
-            </a:r>
-          </a:p>
-        </p:txBody>
-      </p:sp>
-      <p:sp>
-        <p:nvSpPr>
-          <p:cNvPr id="3" name="Content Placeholder 2">
-            <a:extLst>
-              <a:ext uri="{FF2B5EF4-FFF2-40B4-BE49-F238E27FC236}">
-                <a16:creationId xmlns:a16="http://schemas.microsoft.com/office/drawing/2014/main" id="{05689B9E-BF5F-0B38-2C37-512A3761FBCA}"/>
-              </a:ext>
-            </a:extLst>
-          </p:cNvPr>
-          <p:cNvSpPr>
-            <a:spLocks noGrp="1"/>
-          </p:cNvSpPr>
-          <p:nvPr>
-            <p:ph idx="1"/>
-          </p:nvPr>
-        </p:nvSpPr>
-        <p:spPr>
-          <a:xfrm>
-            <a:off x="877823" y="2157984"/>
-            <a:ext cx="10552175" cy="3903819"/>
-          </a:xfrm>
-        </p:spPr>
-        <p:txBody>
-          <a:bodyPr>
-            <a:normAutofit/>
-          </a:bodyPr>
-          <a:lstStyle/>
-          <a:p>
-            <a:pPr algn="just"/>
-            <a:r>
-              <a:rPr lang="en-US" sz="1800" dirty="0"/>
-              <a:t>We need to first understand how the components work together when a site managed by Django is accessed</a:t>
-            </a:r>
-          </a:p>
-          <a:p>
-            <a:pPr algn="just"/>
-            <a:r>
-              <a:rPr lang="en-US" sz="1800" dirty="0"/>
-              <a:t>Having a clear understanding of the working of nuts and bolts will make it easier to understand the overall design of any application that we will make</a:t>
-            </a:r>
-          </a:p>
-          <a:p>
-            <a:pPr algn="just"/>
-            <a:r>
-              <a:rPr lang="en-US" sz="1800" dirty="0"/>
-              <a:t>A site made by Django is actually a collection of different applications where each application is a collection of different webpages</a:t>
-            </a:r>
-          </a:p>
-          <a:p>
-            <a:pPr algn="just"/>
-            <a:r>
-              <a:rPr lang="en-US" sz="1800" dirty="0"/>
-              <a:t>So we must begin from the starting point and that being, what happens when a user opens the very first page of an application which is normally </a:t>
-            </a:r>
-            <a:r>
-              <a:rPr lang="en-US" sz="1800" b="1" dirty="0"/>
-              <a:t>index.html</a:t>
-            </a:r>
-          </a:p>
-        </p:txBody>
-      </p:sp>
-      <p:sp>
-        <p:nvSpPr>
-          <p:cNvPr id="4" name="Date Placeholder 3">
-            <a:extLst>
-              <a:ext uri="{FF2B5EF4-FFF2-40B4-BE49-F238E27FC236}">
-                <a16:creationId xmlns:a16="http://schemas.microsoft.com/office/drawing/2014/main" id="{C5B2B352-82E9-D7A0-8E8B-365DB115985A}"/>
-              </a:ext>
-            </a:extLst>
-          </p:cNvPr>
-          <p:cNvSpPr>
-            <a:spLocks noGrp="1"/>
-          </p:cNvSpPr>
-          <p:nvPr>
-            <p:ph type="dt" sz="half" idx="10"/>
-          </p:nvPr>
-        </p:nvSpPr>
-        <p:spPr/>
-        <p:txBody>
-          <a:bodyPr/>
-          <a:lstStyle/>
-          <a:p>
-            <a:fld id="{579F6069-8263-4296-913A-BC2234E8D32B}" type="datetime1">
-              <a:rPr lang="en-US" smtClean="0"/>
-              <a:t>12/26/2023</a:t>
-            </a:fld>
-            <a:endParaRPr lang="en-US"/>
-          </a:p>
-        </p:txBody>
-      </p:sp>
-      <p:sp>
-        <p:nvSpPr>
-          <p:cNvPr id="6" name="Slide Number Placeholder 5">
-            <a:extLst>
-              <a:ext uri="{FF2B5EF4-FFF2-40B4-BE49-F238E27FC236}">
-                <a16:creationId xmlns:a16="http://schemas.microsoft.com/office/drawing/2014/main" id="{ABC0E6A7-72EF-6EAF-7761-36A63544B97C}"/>
-              </a:ext>
-            </a:extLst>
-          </p:cNvPr>
-          <p:cNvSpPr>
-            <a:spLocks noGrp="1"/>
-          </p:cNvSpPr>
-          <p:nvPr>
-            <p:ph type="sldNum" sz="quarter" idx="12"/>
-          </p:nvPr>
-        </p:nvSpPr>
-        <p:spPr/>
-        <p:txBody>
-          <a:bodyPr/>
-          <a:lstStyle/>
-          <a:p>
-            <a:fld id="{C68AC1EC-23E2-4F0E-A5A4-674EC8DB954E}" type="slidenum">
-              <a:rPr lang="en-US" smtClean="0"/>
-              <a:t>2</a:t>
-            </a:fld>
-            <a:endParaRPr lang="en-US"/>
-          </a:p>
-        </p:txBody>
-      </p:sp>
-    </p:spTree>
-    <p:extLst>
-      <p:ext uri="{BB962C8B-B14F-4D97-AF65-F5344CB8AC3E}">
-        <p14:creationId xmlns:p14="http://schemas.microsoft.com/office/powerpoint/2010/main" val="1560108451"/>
-      </p:ext>
-    </p:extLst>
-  </p:cSld>
-  <p:clrMapOvr>
-    <a:masterClrMapping/>
-  </p:clrMapOvr>
-</p:sld>
-</file>
-
-<file path=ppt/slides/slide20.xml><?xml version="1.0" encoding="utf-8"?>
-<p:sld xmlns:a="http://schemas.openxmlformats.org/drawingml/2006/main" xmlns:r="http://schemas.openxmlformats.org/officeDocument/2006/relationships" xmlns:p="http://schemas.openxmlformats.org/presentationml/2006/main">
-  <p:cSld>
-    <p:spTree>
-      <p:nvGrpSpPr>
-        <p:cNvPr id="1" name=""/>
-        <p:cNvGrpSpPr/>
-        <p:nvPr/>
-      </p:nvGrpSpPr>
-      <p:grpSpPr>
-        <a:xfrm>
-          <a:off x="0" y="0"/>
-          <a:ext cx="0" cy="0"/>
-          <a:chOff x="0" y="0"/>
-          <a:chExt cx="0" cy="0"/>
-        </a:xfrm>
-      </p:grpSpPr>
-      <p:sp>
-        <p:nvSpPr>
-          <p:cNvPr id="2" name="Title 1">
-            <a:extLst>
-              <a:ext uri="{FF2B5EF4-FFF2-40B4-BE49-F238E27FC236}">
                 <a16:creationId xmlns:a16="http://schemas.microsoft.com/office/drawing/2014/main" id="{ABCA22B6-0CC6-3E58-50B8-B08A1091C7FE}"/>
               </a:ext>
             </a:extLst>
@@ -10931,7 +11787,7 @@
           <a:p>
             <a:fld id="{579F6069-8263-4296-913A-BC2234E8D32B}" type="datetime1">
               <a:rPr lang="en-US" smtClean="0"/>
-              <a:t>12/26/2023</a:t>
+              <a:t>12/29/2023</a:t>
             </a:fld>
             <a:endParaRPr lang="en-US"/>
           </a:p>
@@ -10960,7 +11816,7 @@
           <a:p>
             <a:fld id="{C68AC1EC-23E2-4F0E-A5A4-674EC8DB954E}" type="slidenum">
               <a:rPr lang="en-US" smtClean="0"/>
-              <a:t>20</a:t>
+              <a:t>22</a:t>
             </a:fld>
             <a:endParaRPr lang="en-US"/>
           </a:p>
@@ -11009,7 +11865,7 @@
 </p:sld>
 </file>
 
-<file path=ppt/slides/slide21.xml><?xml version="1.0" encoding="utf-8"?>
+<file path=ppt/slides/slide23.xml><?xml version="1.0" encoding="utf-8"?>
 <p:sld xmlns:a="http://schemas.openxmlformats.org/drawingml/2006/main" xmlns:r="http://schemas.openxmlformats.org/officeDocument/2006/relationships" xmlns:p="http://schemas.openxmlformats.org/presentationml/2006/main">
   <p:cSld>
     <p:spTree>
@@ -11528,7 +12384,7 @@
           <a:p>
             <a:fld id="{579F6069-8263-4296-913A-BC2234E8D32B}" type="datetime1">
               <a:rPr lang="en-US" smtClean="0"/>
-              <a:t>12/27/2023</a:t>
+              <a:t>12/29/2023</a:t>
             </a:fld>
             <a:endParaRPr lang="en-US"/>
           </a:p>
@@ -11557,7 +12413,7 @@
           <a:p>
             <a:fld id="{C68AC1EC-23E2-4F0E-A5A4-674EC8DB954E}" type="slidenum">
               <a:rPr lang="en-US" smtClean="0"/>
-              <a:t>21</a:t>
+              <a:t>23</a:t>
             </a:fld>
             <a:endParaRPr lang="en-US"/>
           </a:p>
@@ -11576,7 +12432,7 @@
 </p:sld>
 </file>
 
-<file path=ppt/slides/slide22.xml><?xml version="1.0" encoding="utf-8"?>
+<file path=ppt/slides/slide24.xml><?xml version="1.0" encoding="utf-8"?>
 <p:sld xmlns:a="http://schemas.openxmlformats.org/drawingml/2006/main" xmlns:r="http://schemas.openxmlformats.org/officeDocument/2006/relationships" xmlns:p="http://schemas.openxmlformats.org/presentationml/2006/main">
   <p:cSld>
     <p:spTree>
@@ -11644,7 +12500,7 @@
           <a:p>
             <a:fld id="{579F6069-8263-4296-913A-BC2234E8D32B}" type="datetime1">
               <a:rPr lang="en-US" smtClean="0"/>
-              <a:t>12/26/2023</a:t>
+              <a:t>12/29/2023</a:t>
             </a:fld>
             <a:endParaRPr lang="en-US"/>
           </a:p>
@@ -11673,7 +12529,7 @@
           <a:p>
             <a:fld id="{C68AC1EC-23E2-4F0E-A5A4-674EC8DB954E}" type="slidenum">
               <a:rPr lang="en-US" smtClean="0"/>
-              <a:t>22</a:t>
+              <a:t>24</a:t>
             </a:fld>
             <a:endParaRPr lang="en-US"/>
           </a:p>
@@ -11721,7 +12577,7 @@
 </p:sld>
 </file>
 
-<file path=ppt/slides/slide23.xml><?xml version="1.0" encoding="utf-8"?>
+<file path=ppt/slides/slide25.xml><?xml version="1.0" encoding="utf-8"?>
 <p:sld xmlns:a="http://schemas.openxmlformats.org/drawingml/2006/main" xmlns:r="http://schemas.openxmlformats.org/officeDocument/2006/relationships" xmlns:p="http://schemas.openxmlformats.org/presentationml/2006/main">
   <p:cSld>
     <p:spTree>
@@ -11789,7 +12645,7 @@
           <a:p>
             <a:fld id="{579F6069-8263-4296-913A-BC2234E8D32B}" type="datetime1">
               <a:rPr lang="en-US" smtClean="0"/>
-              <a:t>12/26/2023</a:t>
+              <a:t>12/29/2023</a:t>
             </a:fld>
             <a:endParaRPr lang="en-US"/>
           </a:p>
@@ -11818,7 +12674,7 @@
           <a:p>
             <a:fld id="{C68AC1EC-23E2-4F0E-A5A4-674EC8DB954E}" type="slidenum">
               <a:rPr lang="en-US" smtClean="0"/>
-              <a:t>23</a:t>
+              <a:t>25</a:t>
             </a:fld>
             <a:endParaRPr lang="en-US"/>
           </a:p>
@@ -11866,7 +12722,7 @@
 </p:sld>
 </file>
 
-<file path=ppt/slides/slide24.xml><?xml version="1.0" encoding="utf-8"?>
+<file path=ppt/slides/slide26.xml><?xml version="1.0" encoding="utf-8"?>
 <p:sld xmlns:a="http://schemas.openxmlformats.org/drawingml/2006/main" xmlns:r="http://schemas.openxmlformats.org/officeDocument/2006/relationships" xmlns:p="http://schemas.openxmlformats.org/presentationml/2006/main">
   <p:cSld>
     <p:spTree>
@@ -11963,7 +12819,7 @@
           <a:p>
             <a:fld id="{579F6069-8263-4296-913A-BC2234E8D32B}" type="datetime1">
               <a:rPr lang="en-US" smtClean="0"/>
-              <a:t>12/26/2023</a:t>
+              <a:t>12/29/2023</a:t>
             </a:fld>
             <a:endParaRPr lang="en-US"/>
           </a:p>
@@ -11992,7 +12848,7 @@
           <a:p>
             <a:fld id="{C68AC1EC-23E2-4F0E-A5A4-674EC8DB954E}" type="slidenum">
               <a:rPr lang="en-US" smtClean="0"/>
-              <a:t>24</a:t>
+              <a:t>26</a:t>
             </a:fld>
             <a:endParaRPr lang="en-US"/>
           </a:p>
@@ -12011,7 +12867,7 @@
 </p:sld>
 </file>
 
-<file path=ppt/slides/slide25.xml><?xml version="1.0" encoding="utf-8"?>
+<file path=ppt/slides/slide27.xml><?xml version="1.0" encoding="utf-8"?>
 <p:sld xmlns:a="http://schemas.openxmlformats.org/drawingml/2006/main" xmlns:r="http://schemas.openxmlformats.org/officeDocument/2006/relationships" xmlns:p="http://schemas.openxmlformats.org/presentationml/2006/main">
   <p:cSld>
     <p:spTree>
@@ -12129,7 +12985,7 @@
           <a:p>
             <a:fld id="{579F6069-8263-4296-913A-BC2234E8D32B}" type="datetime1">
               <a:rPr lang="en-US" smtClean="0"/>
-              <a:t>12/26/2023</a:t>
+              <a:t>12/29/2023</a:t>
             </a:fld>
             <a:endParaRPr lang="en-US"/>
           </a:p>
@@ -12158,7 +13014,7 @@
           <a:p>
             <a:fld id="{C68AC1EC-23E2-4F0E-A5A4-674EC8DB954E}" type="slidenum">
               <a:rPr lang="en-US" smtClean="0"/>
-              <a:t>25</a:t>
+              <a:t>27</a:t>
             </a:fld>
             <a:endParaRPr lang="en-US"/>
           </a:p>
@@ -12177,7 +13033,7 @@
 </p:sld>
 </file>
 
-<file path=ppt/slides/slide26.xml><?xml version="1.0" encoding="utf-8"?>
+<file path=ppt/slides/slide28.xml><?xml version="1.0" encoding="utf-8"?>
 <p:sld xmlns:a="http://schemas.openxmlformats.org/drawingml/2006/main" xmlns:r="http://schemas.openxmlformats.org/officeDocument/2006/relationships" xmlns:p="http://schemas.openxmlformats.org/presentationml/2006/main">
   <p:cSld>
     <p:spTree>
@@ -12594,7 +13450,7 @@
           <a:p>
             <a:fld id="{579F6069-8263-4296-913A-BC2234E8D32B}" type="datetime1">
               <a:rPr lang="en-US" smtClean="0"/>
-              <a:t>12/27/2023</a:t>
+              <a:t>12/29/2023</a:t>
             </a:fld>
             <a:endParaRPr lang="en-US"/>
           </a:p>
@@ -12602,34 +13458,6 @@
       </p:sp>
       <p:sp>
         <p:nvSpPr>
-          <p:cNvPr id="5" name="Footer Placeholder 4">
-            <a:extLst>
-              <a:ext uri="{FF2B5EF4-FFF2-40B4-BE49-F238E27FC236}">
-                <a16:creationId xmlns:a16="http://schemas.microsoft.com/office/drawing/2014/main" id="{3C72E1D4-44E4-E536-863A-2C682B767751}"/>
-              </a:ext>
-            </a:extLst>
-          </p:cNvPr>
-          <p:cNvSpPr>
-            <a:spLocks noGrp="1"/>
-          </p:cNvSpPr>
-          <p:nvPr>
-            <p:ph type="ftr" sz="quarter" idx="11"/>
-          </p:nvPr>
-        </p:nvSpPr>
-        <p:spPr/>
-        <p:txBody>
-          <a:bodyPr/>
-          <a:lstStyle/>
-          <a:p>
-            <a:r>
-              <a:rPr lang="en-US"/>
-              <a:t>Sample Footer Text</a:t>
-            </a:r>
-          </a:p>
-        </p:txBody>
-      </p:sp>
-      <p:sp>
-        <p:nvSpPr>
           <p:cNvPr id="6" name="Slide Number Placeholder 5">
             <a:extLst>
               <a:ext uri="{FF2B5EF4-FFF2-40B4-BE49-F238E27FC236}">
@@ -12651,7 +13479,7 @@
           <a:p>
             <a:fld id="{C68AC1EC-23E2-4F0E-A5A4-674EC8DB954E}" type="slidenum">
               <a:rPr lang="en-US" smtClean="0"/>
-              <a:t>26</a:t>
+              <a:t>28</a:t>
             </a:fld>
             <a:endParaRPr lang="en-US"/>
           </a:p>
@@ -12670,7 +13498,641 @@
 </p:sld>
 </file>
 
-<file path=ppt/slides/slide27.xml><?xml version="1.0" encoding="utf-8"?>
+<file path=ppt/slides/slide29.xml><?xml version="1.0" encoding="utf-8"?>
+<p:sld xmlns:a="http://schemas.openxmlformats.org/drawingml/2006/main" xmlns:r="http://schemas.openxmlformats.org/officeDocument/2006/relationships" xmlns:p="http://schemas.openxmlformats.org/presentationml/2006/main">
+  <p:cSld>
+    <p:spTree>
+      <p:nvGrpSpPr>
+        <p:cNvPr id="1" name=""/>
+        <p:cNvGrpSpPr/>
+        <p:nvPr/>
+      </p:nvGrpSpPr>
+      <p:grpSpPr>
+        <a:xfrm>
+          <a:off x="0" y="0"/>
+          <a:ext cx="0" cy="0"/>
+          <a:chOff x="0" y="0"/>
+          <a:chExt cx="0" cy="0"/>
+        </a:xfrm>
+      </p:grpSpPr>
+      <p:sp>
+        <p:nvSpPr>
+          <p:cNvPr id="2" name="Title 1">
+            <a:extLst>
+              <a:ext uri="{FF2B5EF4-FFF2-40B4-BE49-F238E27FC236}">
+                <a16:creationId xmlns:a16="http://schemas.microsoft.com/office/drawing/2014/main" id="{1C0BF7E4-D172-A7EE-9987-05CA3E7C1638}"/>
+              </a:ext>
+            </a:extLst>
+          </p:cNvPr>
+          <p:cNvSpPr>
+            <a:spLocks noGrp="1"/>
+          </p:cNvSpPr>
+          <p:nvPr>
+            <p:ph type="title"/>
+          </p:nvPr>
+        </p:nvSpPr>
+        <p:spPr/>
+        <p:txBody>
+          <a:bodyPr/>
+          <a:lstStyle/>
+          <a:p>
+            <a:r>
+              <a:rPr lang="en-US" dirty="0"/>
+              <a:t>Types of </a:t>
+            </a:r>
+            <a:r>
+              <a:rPr lang="en-US" dirty="0" err="1"/>
+              <a:t>HttpResponse</a:t>
+            </a:r>
+            <a:endParaRPr lang="en-US" dirty="0"/>
+          </a:p>
+        </p:txBody>
+      </p:sp>
+      <p:sp>
+        <p:nvSpPr>
+          <p:cNvPr id="3" name="Content Placeholder 2">
+            <a:extLst>
+              <a:ext uri="{FF2B5EF4-FFF2-40B4-BE49-F238E27FC236}">
+                <a16:creationId xmlns:a16="http://schemas.microsoft.com/office/drawing/2014/main" id="{9EEFB858-502A-009A-4828-BC001980D4F2}"/>
+              </a:ext>
+            </a:extLst>
+          </p:cNvPr>
+          <p:cNvSpPr>
+            <a:spLocks noGrp="1"/>
+          </p:cNvSpPr>
+          <p:nvPr>
+            <p:ph idx="1"/>
+          </p:nvPr>
+        </p:nvSpPr>
+        <p:spPr>
+          <a:xfrm>
+            <a:off x="877824" y="2157984"/>
+            <a:ext cx="10442448" cy="1961255"/>
+          </a:xfrm>
+        </p:spPr>
+        <p:txBody>
+          <a:bodyPr/>
+          <a:lstStyle/>
+          <a:p>
+            <a:r>
+              <a:rPr lang="en-US" altLang="x-none" dirty="0"/>
+              <a:t>http://www.mysite.com/page1.html - </a:t>
+            </a:r>
+            <a:r>
+              <a:rPr lang="en-US" altLang="x-none" dirty="0">
+                <a:solidFill>
+                  <a:srgbClr val="00B050"/>
+                </a:solidFill>
+              </a:rPr>
+              <a:t>200 OK</a:t>
+            </a:r>
+          </a:p>
+          <a:p>
+            <a:r>
+              <a:rPr lang="en-US" altLang="x-none" dirty="0"/>
+              <a:t>http://www. mysite.com/page2.html- </a:t>
+            </a:r>
+            <a:r>
+              <a:rPr lang="en-US" altLang="x-none" dirty="0">
+                <a:solidFill>
+                  <a:srgbClr val="FF0000"/>
+                </a:solidFill>
+              </a:rPr>
+              <a:t>404 Not Found</a:t>
+            </a:r>
+          </a:p>
+          <a:p>
+            <a:r>
+              <a:rPr lang="en-US" altLang="x-none" dirty="0">
+                <a:solidFill>
+                  <a:srgbClr val="FF0000"/>
+                </a:solidFill>
+              </a:rPr>
+              <a:t>500 Server Error</a:t>
+            </a:r>
+          </a:p>
+          <a:p>
+            <a:r>
+              <a:rPr lang="en-US" altLang="x-none" dirty="0"/>
+              <a:t>http://www.mysite.org/ - </a:t>
+            </a:r>
+            <a:r>
+              <a:rPr lang="en-US" altLang="x-none" dirty="0">
+                <a:solidFill>
+                  <a:srgbClr val="FFC000"/>
+                </a:solidFill>
+              </a:rPr>
+              <a:t>302 Found / Moved (which means that a redirection has happened)</a:t>
+            </a:r>
+          </a:p>
+          <a:p>
+            <a:endParaRPr lang="en-US" dirty="0"/>
+          </a:p>
+          <a:p>
+            <a:endParaRPr lang="en-US" dirty="0"/>
+          </a:p>
+        </p:txBody>
+      </p:sp>
+      <p:sp>
+        <p:nvSpPr>
+          <p:cNvPr id="4" name="Date Placeholder 3">
+            <a:extLst>
+              <a:ext uri="{FF2B5EF4-FFF2-40B4-BE49-F238E27FC236}">
+                <a16:creationId xmlns:a16="http://schemas.microsoft.com/office/drawing/2014/main" id="{D1791469-6250-3654-8479-F1F1FEDA2C09}"/>
+              </a:ext>
+            </a:extLst>
+          </p:cNvPr>
+          <p:cNvSpPr>
+            <a:spLocks noGrp="1"/>
+          </p:cNvSpPr>
+          <p:nvPr>
+            <p:ph type="dt" sz="half" idx="10"/>
+          </p:nvPr>
+        </p:nvSpPr>
+        <p:spPr/>
+        <p:txBody>
+          <a:bodyPr/>
+          <a:lstStyle/>
+          <a:p>
+            <a:fld id="{579F6069-8263-4296-913A-BC2234E8D32B}" type="datetime1">
+              <a:rPr lang="en-US" smtClean="0"/>
+              <a:t>12/29/2023</a:t>
+            </a:fld>
+            <a:endParaRPr lang="en-US"/>
+          </a:p>
+        </p:txBody>
+      </p:sp>
+      <p:sp>
+        <p:nvSpPr>
+          <p:cNvPr id="6" name="Slide Number Placeholder 5">
+            <a:extLst>
+              <a:ext uri="{FF2B5EF4-FFF2-40B4-BE49-F238E27FC236}">
+                <a16:creationId xmlns:a16="http://schemas.microsoft.com/office/drawing/2014/main" id="{7249D2E7-0FC1-D193-8AD6-21968C7500AD}"/>
+              </a:ext>
+            </a:extLst>
+          </p:cNvPr>
+          <p:cNvSpPr>
+            <a:spLocks noGrp="1"/>
+          </p:cNvSpPr>
+          <p:nvPr>
+            <p:ph type="sldNum" sz="quarter" idx="12"/>
+          </p:nvPr>
+        </p:nvSpPr>
+        <p:spPr/>
+        <p:txBody>
+          <a:bodyPr/>
+          <a:lstStyle/>
+          <a:p>
+            <a:fld id="{C68AC1EC-23E2-4F0E-A5A4-674EC8DB954E}" type="slidenum">
+              <a:rPr lang="en-US" smtClean="0"/>
+              <a:t>29</a:t>
+            </a:fld>
+            <a:endParaRPr lang="en-US"/>
+          </a:p>
+        </p:txBody>
+      </p:sp>
+      <p:sp>
+        <p:nvSpPr>
+          <p:cNvPr id="7" name="Rectangle 3">
+            <a:extLst>
+              <a:ext uri="{FF2B5EF4-FFF2-40B4-BE49-F238E27FC236}">
+                <a16:creationId xmlns:a16="http://schemas.microsoft.com/office/drawing/2014/main" id="{970978DB-5587-4AE0-5B96-D0BFBB0989E3}"/>
+              </a:ext>
+            </a:extLst>
+          </p:cNvPr>
+          <p:cNvSpPr>
+            <a:spLocks noChangeArrowheads="1"/>
+          </p:cNvSpPr>
+          <p:nvPr/>
+        </p:nvSpPr>
+        <p:spPr bwMode="auto">
+          <a:xfrm>
+            <a:off x="2032000" y="5664201"/>
+            <a:ext cx="8839200" cy="307777"/>
+          </a:xfrm>
+          <a:prstGeom prst="rect">
+            <a:avLst/>
+          </a:prstGeom>
+          <a:noFill/>
+          <a:ln>
+            <a:noFill/>
+          </a:ln>
+          <a:extLst>
+            <a:ext uri="{909E8E84-426E-40DD-AFC4-6F175D3DCCD1}">
+              <a14:hiddenFill xmlns:a14="http://schemas.microsoft.com/office/drawing/2010/main">
+                <a:solidFill>
+                  <a:srgbClr val="FFFFFF"/>
+                </a:solidFill>
+              </a14:hiddenFill>
+            </a:ext>
+            <a:ext uri="{91240B29-F687-4F45-9708-019B960494DF}">
+              <a14:hiddenLine xmlns:a14="http://schemas.microsoft.com/office/drawing/2010/main" w="9525">
+                <a:solidFill>
+                  <a:srgbClr val="000000"/>
+                </a:solidFill>
+                <a:miter lim="800000"/>
+                <a:headEnd/>
+                <a:tailEnd/>
+              </a14:hiddenLine>
+            </a:ext>
+          </a:extLst>
+        </p:spPr>
+        <p:txBody>
+          <a:bodyPr>
+            <a:spAutoFit/>
+          </a:bodyPr>
+          <a:lstStyle>
+            <a:lvl1pPr>
+              <a:defRPr sz="2000">
+                <a:solidFill>
+                  <a:srgbClr val="FFFFFF"/>
+                </a:solidFill>
+                <a:latin typeface="Gill Sans" charset="0"/>
+                <a:ea typeface="ヒラギノ角ゴ ProN W3" charset="-128"/>
+                <a:sym typeface="Gill Sans" charset="0"/>
+              </a:defRPr>
+            </a:lvl1pPr>
+            <a:lvl2pPr marL="742950" indent="-285750">
+              <a:defRPr sz="2000">
+                <a:solidFill>
+                  <a:srgbClr val="FFFFFF"/>
+                </a:solidFill>
+                <a:latin typeface="Gill Sans" charset="0"/>
+                <a:ea typeface="ヒラギノ角ゴ ProN W3" charset="-128"/>
+                <a:sym typeface="Gill Sans" charset="0"/>
+              </a:defRPr>
+            </a:lvl2pPr>
+            <a:lvl3pPr marL="1143000" indent="-228600">
+              <a:defRPr sz="2000">
+                <a:solidFill>
+                  <a:srgbClr val="FFFFFF"/>
+                </a:solidFill>
+                <a:latin typeface="Gill Sans" charset="0"/>
+                <a:ea typeface="ヒラギノ角ゴ ProN W3" charset="-128"/>
+                <a:sym typeface="Gill Sans" charset="0"/>
+              </a:defRPr>
+            </a:lvl3pPr>
+            <a:lvl4pPr marL="1600200" indent="-228600">
+              <a:defRPr sz="2000">
+                <a:solidFill>
+                  <a:srgbClr val="FFFFFF"/>
+                </a:solidFill>
+                <a:latin typeface="Gill Sans" charset="0"/>
+                <a:ea typeface="ヒラギノ角ゴ ProN W3" charset="-128"/>
+                <a:sym typeface="Gill Sans" charset="0"/>
+              </a:defRPr>
+            </a:lvl4pPr>
+            <a:lvl5pPr marL="2057400" indent="-228600">
+              <a:defRPr sz="2000">
+                <a:solidFill>
+                  <a:srgbClr val="FFFFFF"/>
+                </a:solidFill>
+                <a:latin typeface="Gill Sans" charset="0"/>
+                <a:ea typeface="ヒラギノ角ゴ ProN W3" charset="-128"/>
+                <a:sym typeface="Gill Sans" charset="0"/>
+              </a:defRPr>
+            </a:lvl5pPr>
+            <a:lvl6pPr marL="2514600" indent="-228600" eaLnBrk="0" fontAlgn="base" hangingPunct="0">
+              <a:spcBef>
+                <a:spcPct val="0"/>
+              </a:spcBef>
+              <a:spcAft>
+                <a:spcPct val="0"/>
+              </a:spcAft>
+              <a:defRPr sz="2000">
+                <a:solidFill>
+                  <a:srgbClr val="FFFFFF"/>
+                </a:solidFill>
+                <a:latin typeface="Gill Sans" charset="0"/>
+                <a:ea typeface="ヒラギノ角ゴ ProN W3" charset="-128"/>
+                <a:sym typeface="Gill Sans" charset="0"/>
+              </a:defRPr>
+            </a:lvl6pPr>
+            <a:lvl7pPr marL="2971800" indent="-228600" eaLnBrk="0" fontAlgn="base" hangingPunct="0">
+              <a:spcBef>
+                <a:spcPct val="0"/>
+              </a:spcBef>
+              <a:spcAft>
+                <a:spcPct val="0"/>
+              </a:spcAft>
+              <a:defRPr sz="2000">
+                <a:solidFill>
+                  <a:srgbClr val="FFFFFF"/>
+                </a:solidFill>
+                <a:latin typeface="Gill Sans" charset="0"/>
+                <a:ea typeface="ヒラギノ角ゴ ProN W3" charset="-128"/>
+                <a:sym typeface="Gill Sans" charset="0"/>
+              </a:defRPr>
+            </a:lvl7pPr>
+            <a:lvl8pPr marL="3429000" indent="-228600" eaLnBrk="0" fontAlgn="base" hangingPunct="0">
+              <a:spcBef>
+                <a:spcPct val="0"/>
+              </a:spcBef>
+              <a:spcAft>
+                <a:spcPct val="0"/>
+              </a:spcAft>
+              <a:defRPr sz="2000">
+                <a:solidFill>
+                  <a:srgbClr val="FFFFFF"/>
+                </a:solidFill>
+                <a:latin typeface="Gill Sans" charset="0"/>
+                <a:ea typeface="ヒラギノ角ゴ ProN W3" charset="-128"/>
+                <a:sym typeface="Gill Sans" charset="0"/>
+              </a:defRPr>
+            </a:lvl8pPr>
+            <a:lvl9pPr marL="3886200" indent="-228600" eaLnBrk="0" fontAlgn="base" hangingPunct="0">
+              <a:spcBef>
+                <a:spcPct val="0"/>
+              </a:spcBef>
+              <a:spcAft>
+                <a:spcPct val="0"/>
+              </a:spcAft>
+              <a:defRPr sz="2000">
+                <a:solidFill>
+                  <a:srgbClr val="FFFFFF"/>
+                </a:solidFill>
+                <a:latin typeface="Gill Sans" charset="0"/>
+                <a:ea typeface="ヒラギノ角ゴ ProN W3" charset="-128"/>
+                <a:sym typeface="Gill Sans" charset="0"/>
+              </a:defRPr>
+            </a:lvl9pPr>
+          </a:lstStyle>
+          <a:p>
+            <a:pPr algn="ctr"/>
+            <a:r>
+              <a:rPr lang="en-US" altLang="x-none" sz="1400" dirty="0">
+                <a:solidFill>
+                  <a:schemeClr val="tx1"/>
+                </a:solidFill>
+                <a:latin typeface="+mn-lt"/>
+              </a:rPr>
+              <a:t>https://</a:t>
+            </a:r>
+            <a:r>
+              <a:rPr lang="en-US" altLang="x-none" sz="1400" dirty="0" err="1">
+                <a:solidFill>
+                  <a:schemeClr val="tx1"/>
+                </a:solidFill>
+                <a:latin typeface="+mn-lt"/>
+              </a:rPr>
+              <a:t>en.wikipedia.org</a:t>
+            </a:r>
+            <a:r>
+              <a:rPr lang="en-US" altLang="x-none" sz="1400" dirty="0">
+                <a:solidFill>
+                  <a:schemeClr val="tx1"/>
+                </a:solidFill>
+                <a:latin typeface="+mn-lt"/>
+              </a:rPr>
+              <a:t>/wiki/</a:t>
+            </a:r>
+            <a:r>
+              <a:rPr lang="en-US" altLang="x-none" sz="1400" dirty="0" err="1">
+                <a:solidFill>
+                  <a:schemeClr val="tx1"/>
+                </a:solidFill>
+                <a:latin typeface="+mn-lt"/>
+              </a:rPr>
+              <a:t>List_of_HTTP_status_codes</a:t>
+            </a:r>
+            <a:endParaRPr lang="en-US" altLang="x-none" sz="1400" dirty="0">
+              <a:solidFill>
+                <a:schemeClr val="tx1"/>
+              </a:solidFill>
+              <a:latin typeface="+mn-lt"/>
+            </a:endParaRPr>
+          </a:p>
+        </p:txBody>
+      </p:sp>
+    </p:spTree>
+    <p:extLst>
+      <p:ext uri="{BB962C8B-B14F-4D97-AF65-F5344CB8AC3E}">
+        <p14:creationId xmlns:p14="http://schemas.microsoft.com/office/powerpoint/2010/main" val="1324770702"/>
+      </p:ext>
+    </p:extLst>
+  </p:cSld>
+  <p:clrMapOvr>
+    <a:masterClrMapping/>
+  </p:clrMapOvr>
+</p:sld>
+</file>
+
+<file path=ppt/slides/slide3.xml><?xml version="1.0" encoding="utf-8"?>
+<p:sld xmlns:a="http://schemas.openxmlformats.org/drawingml/2006/main" xmlns:r="http://schemas.openxmlformats.org/officeDocument/2006/relationships" xmlns:p="http://schemas.openxmlformats.org/presentationml/2006/main">
+  <p:cSld>
+    <p:spTree>
+      <p:nvGrpSpPr>
+        <p:cNvPr id="1" name=""/>
+        <p:cNvGrpSpPr/>
+        <p:nvPr/>
+      </p:nvGrpSpPr>
+      <p:grpSpPr>
+        <a:xfrm>
+          <a:off x="0" y="0"/>
+          <a:ext cx="0" cy="0"/>
+          <a:chOff x="0" y="0"/>
+          <a:chExt cx="0" cy="0"/>
+        </a:xfrm>
+      </p:grpSpPr>
+      <p:sp>
+        <p:nvSpPr>
+          <p:cNvPr id="2" name="Title 1">
+            <a:extLst>
+              <a:ext uri="{FF2B5EF4-FFF2-40B4-BE49-F238E27FC236}">
+                <a16:creationId xmlns:a16="http://schemas.microsoft.com/office/drawing/2014/main" id="{809A08B7-B914-8ABB-119A-7E980BD567F2}"/>
+              </a:ext>
+            </a:extLst>
+          </p:cNvPr>
+          <p:cNvSpPr>
+            <a:spLocks noGrp="1"/>
+          </p:cNvSpPr>
+          <p:nvPr>
+            <p:ph type="title"/>
+          </p:nvPr>
+        </p:nvSpPr>
+        <p:spPr/>
+        <p:txBody>
+          <a:bodyPr/>
+          <a:lstStyle/>
+          <a:p>
+            <a:r>
+              <a:rPr lang="en-US" dirty="0" err="1"/>
+              <a:t>HttpRequest</a:t>
+            </a:r>
+            <a:r>
+              <a:rPr lang="en-US" dirty="0"/>
+              <a:t> and </a:t>
+            </a:r>
+            <a:r>
+              <a:rPr lang="en-US" dirty="0" err="1"/>
+              <a:t>HttpResponse</a:t>
+            </a:r>
+            <a:endParaRPr lang="en-US" dirty="0"/>
+          </a:p>
+        </p:txBody>
+      </p:sp>
+      <p:sp>
+        <p:nvSpPr>
+          <p:cNvPr id="3" name="Content Placeholder 2">
+            <a:extLst>
+              <a:ext uri="{FF2B5EF4-FFF2-40B4-BE49-F238E27FC236}">
+                <a16:creationId xmlns:a16="http://schemas.microsoft.com/office/drawing/2014/main" id="{9129F560-9D36-DE42-3E18-9B97F87C5C17}"/>
+              </a:ext>
+            </a:extLst>
+          </p:cNvPr>
+          <p:cNvSpPr>
+            <a:spLocks noGrp="1"/>
+          </p:cNvSpPr>
+          <p:nvPr>
+            <p:ph idx="1"/>
+          </p:nvPr>
+        </p:nvSpPr>
+        <p:spPr/>
+        <p:txBody>
+          <a:bodyPr/>
+          <a:lstStyle/>
+          <a:p>
+            <a:r>
+              <a:rPr lang="en-US" dirty="0"/>
+              <a:t>When a page is requested, Django creates an </a:t>
+            </a:r>
+            <a:r>
+              <a:rPr lang="en-US" b="1" i="1" dirty="0" err="1"/>
+              <a:t>HttpRequest</a:t>
+            </a:r>
+            <a:r>
+              <a:rPr lang="en-US" dirty="0"/>
+              <a:t> object that contains metadata about the request</a:t>
+            </a:r>
+          </a:p>
+          <a:p>
+            <a:r>
+              <a:rPr lang="en-US" dirty="0"/>
+              <a:t>It is a request/response cycle where a request must be followed by a response known as </a:t>
+            </a:r>
+            <a:r>
+              <a:rPr lang="en-US" b="1" i="1" dirty="0" err="1"/>
+              <a:t>HttpResponse</a:t>
+            </a:r>
+            <a:r>
+              <a:rPr lang="en-US" dirty="0"/>
+              <a:t> object</a:t>
+            </a:r>
+          </a:p>
+          <a:p>
+            <a:r>
+              <a:rPr lang="en-US" dirty="0"/>
+              <a:t>But how to manage the request? And what response should be returned? And how can this be done?</a:t>
+            </a:r>
+          </a:p>
+          <a:p>
+            <a:r>
+              <a:rPr lang="en-US" dirty="0"/>
+              <a:t>Since the request is generated by what is viewed by the user and the response is also viewed by the user, it only makes sense that this processing happens in </a:t>
+            </a:r>
+            <a:r>
+              <a:rPr lang="en-US" b="1" i="1" dirty="0"/>
+              <a:t>views.py </a:t>
+            </a:r>
+            <a:r>
+              <a:rPr lang="en-US" dirty="0"/>
+              <a:t>file</a:t>
+            </a:r>
+          </a:p>
+          <a:p>
+            <a:r>
+              <a:rPr lang="en-US" dirty="0"/>
+              <a:t>The views.py file contains specific functions which handle the specific responses. Thus, a request generated by the index page is generally handled by the index function, and a request generated by the about page is generally handled by the about function and so on. </a:t>
+            </a:r>
+            <a:r>
+              <a:rPr lang="en-US" u="sng" dirty="0"/>
+              <a:t>Keeping the names of the functions as that of the pages reduces confusion</a:t>
+            </a:r>
+            <a:r>
+              <a:rPr lang="en-US" dirty="0"/>
+              <a:t>.</a:t>
+            </a:r>
+          </a:p>
+          <a:p>
+            <a:r>
+              <a:rPr lang="en-US" dirty="0"/>
+              <a:t>But how does Django know which function to call for which request?</a:t>
+            </a:r>
+          </a:p>
+        </p:txBody>
+      </p:sp>
+      <p:sp>
+        <p:nvSpPr>
+          <p:cNvPr id="4" name="Date Placeholder 3">
+            <a:extLst>
+              <a:ext uri="{FF2B5EF4-FFF2-40B4-BE49-F238E27FC236}">
+                <a16:creationId xmlns:a16="http://schemas.microsoft.com/office/drawing/2014/main" id="{A7D732E5-636B-C7C2-EE34-9D821F41E57E}"/>
+              </a:ext>
+            </a:extLst>
+          </p:cNvPr>
+          <p:cNvSpPr>
+            <a:spLocks noGrp="1"/>
+          </p:cNvSpPr>
+          <p:nvPr>
+            <p:ph type="dt" sz="half" idx="10"/>
+          </p:nvPr>
+        </p:nvSpPr>
+        <p:spPr/>
+        <p:txBody>
+          <a:bodyPr/>
+          <a:lstStyle/>
+          <a:p>
+            <a:fld id="{579F6069-8263-4296-913A-BC2234E8D32B}" type="datetime1">
+              <a:rPr lang="en-US" smtClean="0"/>
+              <a:t>12/29/2023</a:t>
+            </a:fld>
+            <a:endParaRPr lang="en-US"/>
+          </a:p>
+        </p:txBody>
+      </p:sp>
+      <p:sp>
+        <p:nvSpPr>
+          <p:cNvPr id="6" name="Slide Number Placeholder 5">
+            <a:extLst>
+              <a:ext uri="{FF2B5EF4-FFF2-40B4-BE49-F238E27FC236}">
+                <a16:creationId xmlns:a16="http://schemas.microsoft.com/office/drawing/2014/main" id="{BB2151C0-BF90-1A3A-2F49-36073DEE5BC9}"/>
+              </a:ext>
+            </a:extLst>
+          </p:cNvPr>
+          <p:cNvSpPr>
+            <a:spLocks noGrp="1"/>
+          </p:cNvSpPr>
+          <p:nvPr>
+            <p:ph type="sldNum" sz="quarter" idx="12"/>
+          </p:nvPr>
+        </p:nvSpPr>
+        <p:spPr/>
+        <p:txBody>
+          <a:bodyPr/>
+          <a:lstStyle/>
+          <a:p>
+            <a:fld id="{C68AC1EC-23E2-4F0E-A5A4-674EC8DB954E}" type="slidenum">
+              <a:rPr lang="en-US" smtClean="0"/>
+              <a:t>3</a:t>
+            </a:fld>
+            <a:endParaRPr lang="en-US"/>
+          </a:p>
+        </p:txBody>
+      </p:sp>
+    </p:spTree>
+    <p:extLst>
+      <p:ext uri="{BB962C8B-B14F-4D97-AF65-F5344CB8AC3E}">
+        <p14:creationId xmlns:p14="http://schemas.microsoft.com/office/powerpoint/2010/main" val="1280019300"/>
+      </p:ext>
+    </p:extLst>
+  </p:cSld>
+  <p:clrMapOvr>
+    <a:masterClrMapping/>
+  </p:clrMapOvr>
+</p:sld>
+</file>
+
+<file path=ppt/slides/slide30.xml><?xml version="1.0" encoding="utf-8"?>
 <p:sld xmlns:a="http://schemas.openxmlformats.org/drawingml/2006/main" xmlns:r="http://schemas.openxmlformats.org/officeDocument/2006/relationships" xmlns:p="http://schemas.openxmlformats.org/presentationml/2006/main">
   <p:cSld>
     <p:spTree>
@@ -13099,7 +14561,7 @@
           <a:p>
             <a:fld id="{579F6069-8263-4296-913A-BC2234E8D32B}" type="datetime1">
               <a:rPr lang="en-US" smtClean="0"/>
-              <a:t>12/27/2023</a:t>
+              <a:t>12/29/2023</a:t>
             </a:fld>
             <a:endParaRPr lang="en-US"/>
           </a:p>
@@ -13156,7 +14618,7 @@
           <a:p>
             <a:fld id="{C68AC1EC-23E2-4F0E-A5A4-674EC8DB954E}" type="slidenum">
               <a:rPr lang="en-US" smtClean="0"/>
-              <a:t>27</a:t>
+              <a:t>30</a:t>
             </a:fld>
             <a:endParaRPr lang="en-US"/>
           </a:p>
@@ -13175,7 +14637,7 @@
 </p:sld>
 </file>
 
-<file path=ppt/slides/slide28.xml><?xml version="1.0" encoding="utf-8"?>
+<file path=ppt/slides/slide31.xml><?xml version="1.0" encoding="utf-8"?>
 <p:sld xmlns:a="http://schemas.openxmlformats.org/drawingml/2006/main" xmlns:r="http://schemas.openxmlformats.org/officeDocument/2006/relationships" xmlns:p="http://schemas.openxmlformats.org/presentationml/2006/main">
   <p:cSld>
     <p:spTree>
@@ -13474,7 +14936,7 @@
           <a:p>
             <a:fld id="{579F6069-8263-4296-913A-BC2234E8D32B}" type="datetime1">
               <a:rPr lang="en-US" smtClean="0"/>
-              <a:t>12/27/2023</a:t>
+              <a:t>12/29/2023</a:t>
             </a:fld>
             <a:endParaRPr lang="en-US"/>
           </a:p>
@@ -13503,7 +14965,7 @@
           <a:p>
             <a:fld id="{C68AC1EC-23E2-4F0E-A5A4-674EC8DB954E}" type="slidenum">
               <a:rPr lang="en-US" smtClean="0"/>
-              <a:t>28</a:t>
+              <a:t>31</a:t>
             </a:fld>
             <a:endParaRPr lang="en-US"/>
           </a:p>
@@ -13522,7 +14984,7 @@
 </p:sld>
 </file>
 
-<file path=ppt/slides/slide29.xml><?xml version="1.0" encoding="utf-8"?>
+<file path=ppt/slides/slide32.xml><?xml version="1.0" encoding="utf-8"?>
 <p:sld xmlns:a="http://schemas.openxmlformats.org/drawingml/2006/main" xmlns:r="http://schemas.openxmlformats.org/officeDocument/2006/relationships" xmlns:p="http://schemas.openxmlformats.org/presentationml/2006/main">
   <p:cSld>
     <p:spTree>
@@ -13669,7 +15131,7 @@
           <a:p>
             <a:fld id="{579F6069-8263-4296-913A-BC2234E8D32B}" type="datetime1">
               <a:rPr lang="en-US" smtClean="0"/>
-              <a:t>12/27/2023</a:t>
+              <a:t>12/29/2023</a:t>
             </a:fld>
             <a:endParaRPr lang="en-US"/>
           </a:p>
@@ -13698,7 +15160,7 @@
           <a:p>
             <a:fld id="{C68AC1EC-23E2-4F0E-A5A4-674EC8DB954E}" type="slidenum">
               <a:rPr lang="en-US" smtClean="0"/>
-              <a:t>29</a:t>
+              <a:t>32</a:t>
             </a:fld>
             <a:endParaRPr lang="en-US"/>
           </a:p>
@@ -14083,222 +15545,7 @@
 </p:sld>
 </file>
 
-<file path=ppt/slides/slide3.xml><?xml version="1.0" encoding="utf-8"?>
-<p:sld xmlns:a="http://schemas.openxmlformats.org/drawingml/2006/main" xmlns:r="http://schemas.openxmlformats.org/officeDocument/2006/relationships" xmlns:p="http://schemas.openxmlformats.org/presentationml/2006/main">
-  <p:cSld>
-    <p:spTree>
-      <p:nvGrpSpPr>
-        <p:cNvPr id="1" name=""/>
-        <p:cNvGrpSpPr/>
-        <p:nvPr/>
-      </p:nvGrpSpPr>
-      <p:grpSpPr>
-        <a:xfrm>
-          <a:off x="0" y="0"/>
-          <a:ext cx="0" cy="0"/>
-          <a:chOff x="0" y="0"/>
-          <a:chExt cx="0" cy="0"/>
-        </a:xfrm>
-      </p:grpSpPr>
-      <p:sp>
-        <p:nvSpPr>
-          <p:cNvPr id="2" name="Title 1">
-            <a:extLst>
-              <a:ext uri="{FF2B5EF4-FFF2-40B4-BE49-F238E27FC236}">
-                <a16:creationId xmlns:a16="http://schemas.microsoft.com/office/drawing/2014/main" id="{809A08B7-B914-8ABB-119A-7E980BD567F2}"/>
-              </a:ext>
-            </a:extLst>
-          </p:cNvPr>
-          <p:cNvSpPr>
-            <a:spLocks noGrp="1"/>
-          </p:cNvSpPr>
-          <p:nvPr>
-            <p:ph type="title"/>
-          </p:nvPr>
-        </p:nvSpPr>
-        <p:spPr/>
-        <p:txBody>
-          <a:bodyPr/>
-          <a:lstStyle/>
-          <a:p>
-            <a:r>
-              <a:rPr lang="en-US" dirty="0" err="1"/>
-              <a:t>HttpRequest</a:t>
-            </a:r>
-            <a:r>
-              <a:rPr lang="en-US" dirty="0"/>
-              <a:t> and </a:t>
-            </a:r>
-            <a:r>
-              <a:rPr lang="en-US" dirty="0" err="1"/>
-              <a:t>HttpResponse</a:t>
-            </a:r>
-            <a:endParaRPr lang="en-US" dirty="0"/>
-          </a:p>
-        </p:txBody>
-      </p:sp>
-      <p:sp>
-        <p:nvSpPr>
-          <p:cNvPr id="3" name="Content Placeholder 2">
-            <a:extLst>
-              <a:ext uri="{FF2B5EF4-FFF2-40B4-BE49-F238E27FC236}">
-                <a16:creationId xmlns:a16="http://schemas.microsoft.com/office/drawing/2014/main" id="{9129F560-9D36-DE42-3E18-9B97F87C5C17}"/>
-              </a:ext>
-            </a:extLst>
-          </p:cNvPr>
-          <p:cNvSpPr>
-            <a:spLocks noGrp="1"/>
-          </p:cNvSpPr>
-          <p:nvPr>
-            <p:ph idx="1"/>
-          </p:nvPr>
-        </p:nvSpPr>
-        <p:spPr/>
-        <p:txBody>
-          <a:bodyPr/>
-          <a:lstStyle/>
-          <a:p>
-            <a:r>
-              <a:rPr lang="en-US" dirty="0"/>
-              <a:t>When a page is requested, Django creates an </a:t>
-            </a:r>
-            <a:r>
-              <a:rPr lang="en-US" b="1" i="1" dirty="0" err="1"/>
-              <a:t>HttpRequest</a:t>
-            </a:r>
-            <a:r>
-              <a:rPr lang="en-US" dirty="0"/>
-              <a:t> object that contains metadata about the request</a:t>
-            </a:r>
-          </a:p>
-          <a:p>
-            <a:r>
-              <a:rPr lang="en-US" dirty="0"/>
-              <a:t>It is a request/response cycle where a request must be followed by a response known as </a:t>
-            </a:r>
-            <a:r>
-              <a:rPr lang="en-US" b="1" i="1" dirty="0" err="1"/>
-              <a:t>HttpResponse</a:t>
-            </a:r>
-            <a:r>
-              <a:rPr lang="en-US" dirty="0"/>
-              <a:t> object</a:t>
-            </a:r>
-          </a:p>
-          <a:p>
-            <a:r>
-              <a:rPr lang="en-US" dirty="0"/>
-              <a:t>But how to manage the request? And what response should be returned? And how can this be done?</a:t>
-            </a:r>
-          </a:p>
-          <a:p>
-            <a:r>
-              <a:rPr lang="en-US" dirty="0"/>
-              <a:t>Since the request is generated by what is viewed by the user and the response is also viewed by the user, it only makes sense that this processing happens in </a:t>
-            </a:r>
-            <a:r>
-              <a:rPr lang="en-US" b="1" i="1" dirty="0"/>
-              <a:t>views.py </a:t>
-            </a:r>
-            <a:r>
-              <a:rPr lang="en-US" dirty="0"/>
-              <a:t>file</a:t>
-            </a:r>
-          </a:p>
-          <a:p>
-            <a:r>
-              <a:rPr lang="en-US" dirty="0"/>
-              <a:t>The views.py file contains specific functions which handle the specific responses. Thus, a request generated by the index page is generally handled by the index function, and a request generated by the about page is generally handled by the about function and so on. </a:t>
-            </a:r>
-            <a:r>
-              <a:rPr lang="en-US" u="sng" dirty="0"/>
-              <a:t>Keeping the names of the functions as that of the pages reduces confusion</a:t>
-            </a:r>
-            <a:r>
-              <a:rPr lang="en-US" dirty="0"/>
-              <a:t>.</a:t>
-            </a:r>
-          </a:p>
-          <a:p>
-            <a:r>
-              <a:rPr lang="en-US" dirty="0"/>
-              <a:t>But how does Django know which function to call for which request?</a:t>
-            </a:r>
-          </a:p>
-        </p:txBody>
-      </p:sp>
-      <p:sp>
-        <p:nvSpPr>
-          <p:cNvPr id="4" name="Date Placeholder 3">
-            <a:extLst>
-              <a:ext uri="{FF2B5EF4-FFF2-40B4-BE49-F238E27FC236}">
-                <a16:creationId xmlns:a16="http://schemas.microsoft.com/office/drawing/2014/main" id="{A7D732E5-636B-C7C2-EE34-9D821F41E57E}"/>
-              </a:ext>
-            </a:extLst>
-          </p:cNvPr>
-          <p:cNvSpPr>
-            <a:spLocks noGrp="1"/>
-          </p:cNvSpPr>
-          <p:nvPr>
-            <p:ph type="dt" sz="half" idx="10"/>
-          </p:nvPr>
-        </p:nvSpPr>
-        <p:spPr/>
-        <p:txBody>
-          <a:bodyPr/>
-          <a:lstStyle/>
-          <a:p>
-            <a:fld id="{579F6069-8263-4296-913A-BC2234E8D32B}" type="datetime1">
-              <a:rPr lang="en-US" smtClean="0"/>
-              <a:t>12/26/2023</a:t>
-            </a:fld>
-            <a:endParaRPr lang="en-US"/>
-          </a:p>
-        </p:txBody>
-      </p:sp>
-      <p:sp>
-        <p:nvSpPr>
-          <p:cNvPr id="6" name="Slide Number Placeholder 5">
-            <a:extLst>
-              <a:ext uri="{FF2B5EF4-FFF2-40B4-BE49-F238E27FC236}">
-                <a16:creationId xmlns:a16="http://schemas.microsoft.com/office/drawing/2014/main" id="{BB2151C0-BF90-1A3A-2F49-36073DEE5BC9}"/>
-              </a:ext>
-            </a:extLst>
-          </p:cNvPr>
-          <p:cNvSpPr>
-            <a:spLocks noGrp="1"/>
-          </p:cNvSpPr>
-          <p:nvPr>
-            <p:ph type="sldNum" sz="quarter" idx="12"/>
-          </p:nvPr>
-        </p:nvSpPr>
-        <p:spPr/>
-        <p:txBody>
-          <a:bodyPr/>
-          <a:lstStyle/>
-          <a:p>
-            <a:fld id="{C68AC1EC-23E2-4F0E-A5A4-674EC8DB954E}" type="slidenum">
-              <a:rPr lang="en-US" smtClean="0"/>
-              <a:t>3</a:t>
-            </a:fld>
-            <a:endParaRPr lang="en-US"/>
-          </a:p>
-        </p:txBody>
-      </p:sp>
-    </p:spTree>
-    <p:extLst>
-      <p:ext uri="{BB962C8B-B14F-4D97-AF65-F5344CB8AC3E}">
-        <p14:creationId xmlns:p14="http://schemas.microsoft.com/office/powerpoint/2010/main" val="1280019300"/>
-      </p:ext>
-    </p:extLst>
-  </p:cSld>
-  <p:clrMapOvr>
-    <a:masterClrMapping/>
-  </p:clrMapOvr>
-</p:sld>
-</file>
-
-<file path=ppt/slides/slide30.xml><?xml version="1.0" encoding="utf-8"?>
+<file path=ppt/slides/slide33.xml><?xml version="1.0" encoding="utf-8"?>
 <p:sld xmlns:a="http://schemas.openxmlformats.org/drawingml/2006/main" xmlns:r="http://schemas.openxmlformats.org/officeDocument/2006/relationships" xmlns:p="http://schemas.openxmlformats.org/presentationml/2006/main">
   <p:cSld>
     <p:spTree>
@@ -14510,7 +15757,7 @@
           <a:p>
             <a:fld id="{579F6069-8263-4296-913A-BC2234E8D32B}" type="datetime1">
               <a:rPr lang="en-US" smtClean="0"/>
-              <a:t>12/27/2023</a:t>
+              <a:t>12/29/2023</a:t>
             </a:fld>
             <a:endParaRPr lang="en-US"/>
           </a:p>
@@ -14567,7 +15814,7 @@
           <a:p>
             <a:fld id="{C68AC1EC-23E2-4F0E-A5A4-674EC8DB954E}" type="slidenum">
               <a:rPr lang="en-US" smtClean="0"/>
-              <a:t>30</a:t>
+              <a:t>33</a:t>
             </a:fld>
             <a:endParaRPr lang="en-US"/>
           </a:p>
@@ -14586,7 +15833,7 @@
 </p:sld>
 </file>
 
-<file path=ppt/slides/slide31.xml><?xml version="1.0" encoding="utf-8"?>
+<file path=ppt/slides/slide34.xml><?xml version="1.0" encoding="utf-8"?>
 <p:sld xmlns:a="http://schemas.openxmlformats.org/drawingml/2006/main" xmlns:r="http://schemas.openxmlformats.org/officeDocument/2006/relationships" xmlns:p="http://schemas.openxmlformats.org/presentationml/2006/main">
   <p:cSld>
     <p:spTree>
@@ -14907,7 +16154,7 @@
           <a:p>
             <a:fld id="{579F6069-8263-4296-913A-BC2234E8D32B}" type="datetime1">
               <a:rPr lang="en-US" smtClean="0"/>
-              <a:t>12/27/2023</a:t>
+              <a:t>12/29/2023</a:t>
             </a:fld>
             <a:endParaRPr lang="en-US"/>
           </a:p>
@@ -14964,7 +16211,7 @@
           <a:p>
             <a:fld id="{C68AC1EC-23E2-4F0E-A5A4-674EC8DB954E}" type="slidenum">
               <a:rPr lang="en-US" smtClean="0"/>
-              <a:t>31</a:t>
+              <a:t>34</a:t>
             </a:fld>
             <a:endParaRPr lang="en-US"/>
           </a:p>
@@ -14984,6 +16231,976 @@
 </file>
 
 <file path=ppt/slides/slide4.xml><?xml version="1.0" encoding="utf-8"?>
+<p:sld xmlns:a="http://schemas.openxmlformats.org/drawingml/2006/main" xmlns:r="http://schemas.openxmlformats.org/officeDocument/2006/relationships" xmlns:p="http://schemas.openxmlformats.org/presentationml/2006/main">
+  <p:cSld>
+    <p:spTree>
+      <p:nvGrpSpPr>
+        <p:cNvPr id="1" name=""/>
+        <p:cNvGrpSpPr/>
+        <p:nvPr/>
+      </p:nvGrpSpPr>
+      <p:grpSpPr>
+        <a:xfrm>
+          <a:off x="0" y="0"/>
+          <a:ext cx="0" cy="0"/>
+          <a:chOff x="0" y="0"/>
+          <a:chExt cx="0" cy="0"/>
+        </a:xfrm>
+      </p:grpSpPr>
+      <p:sp>
+        <p:nvSpPr>
+          <p:cNvPr id="2" name="Title 1">
+            <a:extLst>
+              <a:ext uri="{FF2B5EF4-FFF2-40B4-BE49-F238E27FC236}">
+                <a16:creationId xmlns:a16="http://schemas.microsoft.com/office/drawing/2014/main" id="{332C786B-BA05-D200-72E2-53D7343DE0F3}"/>
+              </a:ext>
+            </a:extLst>
+          </p:cNvPr>
+          <p:cNvSpPr>
+            <a:spLocks noGrp="1"/>
+          </p:cNvSpPr>
+          <p:nvPr>
+            <p:ph type="title"/>
+          </p:nvPr>
+        </p:nvSpPr>
+        <p:spPr/>
+        <p:txBody>
+          <a:bodyPr/>
+          <a:lstStyle/>
+          <a:p>
+            <a:r>
+              <a:rPr lang="en-US" dirty="0"/>
+              <a:t>Reading the URL</a:t>
+            </a:r>
+          </a:p>
+        </p:txBody>
+      </p:sp>
+      <p:sp>
+        <p:nvSpPr>
+          <p:cNvPr id="3" name="Content Placeholder 2">
+            <a:extLst>
+              <a:ext uri="{FF2B5EF4-FFF2-40B4-BE49-F238E27FC236}">
+                <a16:creationId xmlns:a16="http://schemas.microsoft.com/office/drawing/2014/main" id="{1360784C-F1C2-6A2F-834D-D1040947266C}"/>
+              </a:ext>
+            </a:extLst>
+          </p:cNvPr>
+          <p:cNvSpPr>
+            <a:spLocks noGrp="1"/>
+          </p:cNvSpPr>
+          <p:nvPr>
+            <p:ph idx="1"/>
+          </p:nvPr>
+        </p:nvSpPr>
+        <p:spPr>
+          <a:xfrm>
+            <a:off x="877824" y="2157984"/>
+            <a:ext cx="10442448" cy="1144509"/>
+          </a:xfrm>
+        </p:spPr>
+        <p:txBody>
+          <a:bodyPr/>
+          <a:lstStyle/>
+          <a:p>
+            <a:r>
+              <a:rPr lang="en-US" dirty="0"/>
+              <a:t>When Django receives an HTTP request it parses it, uses some of the URL for routing purposes and passes parts of the URL to your code</a:t>
+            </a:r>
+          </a:p>
+        </p:txBody>
+      </p:sp>
+      <p:sp>
+        <p:nvSpPr>
+          <p:cNvPr id="4" name="Date Placeholder 3">
+            <a:extLst>
+              <a:ext uri="{FF2B5EF4-FFF2-40B4-BE49-F238E27FC236}">
+                <a16:creationId xmlns:a16="http://schemas.microsoft.com/office/drawing/2014/main" id="{E8ACF450-8CBE-2547-3C9A-8497625DCCF2}"/>
+              </a:ext>
+            </a:extLst>
+          </p:cNvPr>
+          <p:cNvSpPr>
+            <a:spLocks noGrp="1"/>
+          </p:cNvSpPr>
+          <p:nvPr>
+            <p:ph type="dt" sz="half" idx="10"/>
+          </p:nvPr>
+        </p:nvSpPr>
+        <p:spPr/>
+        <p:txBody>
+          <a:bodyPr/>
+          <a:lstStyle/>
+          <a:p>
+            <a:fld id="{579F6069-8263-4296-913A-BC2234E8D32B}" type="datetime1">
+              <a:rPr lang="en-US" smtClean="0"/>
+              <a:t>12/29/2023</a:t>
+            </a:fld>
+            <a:endParaRPr lang="en-US"/>
+          </a:p>
+        </p:txBody>
+      </p:sp>
+      <p:sp>
+        <p:nvSpPr>
+          <p:cNvPr id="6" name="Slide Number Placeholder 5">
+            <a:extLst>
+              <a:ext uri="{FF2B5EF4-FFF2-40B4-BE49-F238E27FC236}">
+                <a16:creationId xmlns:a16="http://schemas.microsoft.com/office/drawing/2014/main" id="{C50AB81B-5E7D-BE56-47E3-7EDBDC37D61E}"/>
+              </a:ext>
+            </a:extLst>
+          </p:cNvPr>
+          <p:cNvSpPr>
+            <a:spLocks noGrp="1"/>
+          </p:cNvSpPr>
+          <p:nvPr>
+            <p:ph type="sldNum" sz="quarter" idx="12"/>
+          </p:nvPr>
+        </p:nvSpPr>
+        <p:spPr/>
+        <p:txBody>
+          <a:bodyPr/>
+          <a:lstStyle/>
+          <a:p>
+            <a:fld id="{C68AC1EC-23E2-4F0E-A5A4-674EC8DB954E}" type="slidenum">
+              <a:rPr lang="en-US" smtClean="0"/>
+              <a:t>4</a:t>
+            </a:fld>
+            <a:endParaRPr lang="en-US"/>
+          </a:p>
+        </p:txBody>
+      </p:sp>
+      <p:sp>
+        <p:nvSpPr>
+          <p:cNvPr id="7" name="Rectangle 6">
+            <a:extLst>
+              <a:ext uri="{FF2B5EF4-FFF2-40B4-BE49-F238E27FC236}">
+                <a16:creationId xmlns:a16="http://schemas.microsoft.com/office/drawing/2014/main" id="{0639FDB3-194A-2B6F-0D7C-E775B83F1D9C}"/>
+              </a:ext>
+            </a:extLst>
+          </p:cNvPr>
+          <p:cNvSpPr/>
+          <p:nvPr/>
+        </p:nvSpPr>
+        <p:spPr>
+          <a:xfrm>
+            <a:off x="963912" y="3671229"/>
+            <a:ext cx="5666103" cy="1938992"/>
+          </a:xfrm>
+          <a:prstGeom prst="rect">
+            <a:avLst/>
+          </a:prstGeom>
+        </p:spPr>
+        <p:txBody>
+          <a:bodyPr wrap="none">
+            <a:spAutoFit/>
+          </a:bodyPr>
+          <a:lstStyle/>
+          <a:p>
+            <a:r>
+              <a:rPr lang="en-US" sz="2400" b="1" dirty="0">
+                <a:ea typeface="Courier" charset="0"/>
+                <a:cs typeface="Courier" charset="0"/>
+              </a:rPr>
+              <a:t>https://mysite.com/</a:t>
+            </a:r>
+            <a:r>
+              <a:rPr lang="en-US" sz="2400" b="1" dirty="0">
+                <a:solidFill>
+                  <a:srgbClr val="00FF00"/>
+                </a:solidFill>
+                <a:ea typeface="Courier" charset="0"/>
+                <a:cs typeface="Courier" charset="0"/>
+              </a:rPr>
+              <a:t>polls</a:t>
+            </a:r>
+            <a:r>
+              <a:rPr lang="en-US" sz="2400" b="1" dirty="0">
+                <a:ea typeface="Courier" charset="0"/>
+                <a:cs typeface="Courier" charset="0"/>
+              </a:rPr>
+              <a:t>/</a:t>
+            </a:r>
+            <a:r>
+              <a:rPr lang="en-US" sz="2400" b="1" dirty="0">
+                <a:solidFill>
+                  <a:srgbClr val="FF40FF"/>
+                </a:solidFill>
+                <a:ea typeface="Courier" charset="0"/>
+                <a:cs typeface="Courier" charset="0"/>
+              </a:rPr>
+              <a:t>about</a:t>
+            </a:r>
+            <a:r>
+              <a:rPr lang="en-US" sz="2400" b="1" dirty="0">
+                <a:ea typeface="Courier" charset="0"/>
+                <a:cs typeface="Courier" charset="0"/>
+              </a:rPr>
+              <a:t> </a:t>
+            </a:r>
+          </a:p>
+          <a:p>
+            <a:endParaRPr lang="en-US" sz="2400" b="1" dirty="0">
+              <a:ea typeface="Courier" charset="0"/>
+              <a:cs typeface="Courier" charset="0"/>
+            </a:endParaRPr>
+          </a:p>
+          <a:p>
+            <a:r>
+              <a:rPr lang="en-US" sz="2400" b="1" dirty="0">
+                <a:ea typeface="Courier" charset="0"/>
+                <a:cs typeface="Courier" charset="0"/>
+              </a:rPr>
+              <a:t>https://mysite.com/</a:t>
+            </a:r>
+            <a:r>
+              <a:rPr lang="en-US" sz="2400" b="1" dirty="0">
+                <a:solidFill>
+                  <a:srgbClr val="00FF00"/>
+                </a:solidFill>
+                <a:ea typeface="Courier" charset="0"/>
+                <a:cs typeface="Courier" charset="0"/>
+              </a:rPr>
+              <a:t>polls</a:t>
+            </a:r>
+            <a:r>
+              <a:rPr lang="en-US" sz="2400" b="1" dirty="0">
+                <a:ea typeface="Courier" charset="0"/>
+                <a:cs typeface="Courier" charset="0"/>
+              </a:rPr>
+              <a:t>/</a:t>
+            </a:r>
+            <a:r>
+              <a:rPr lang="en-US" sz="2400" b="1" dirty="0">
+                <a:solidFill>
+                  <a:srgbClr val="FF40FF"/>
+                </a:solidFill>
+                <a:ea typeface="Courier" charset="0"/>
+                <a:cs typeface="Courier" charset="0"/>
+              </a:rPr>
+              <a:t>about</a:t>
+            </a:r>
+            <a:r>
+              <a:rPr lang="en-US" sz="2400" b="1" dirty="0">
+                <a:ea typeface="Courier" charset="0"/>
+                <a:cs typeface="Courier" charset="0"/>
+              </a:rPr>
+              <a:t>?</a:t>
+            </a:r>
+            <a:r>
+              <a:rPr lang="en-US" sz="2400" b="1" dirty="0">
+                <a:solidFill>
+                  <a:srgbClr val="0070C0"/>
+                </a:solidFill>
+                <a:ea typeface="Courier" charset="0"/>
+                <a:cs typeface="Courier" charset="0"/>
+              </a:rPr>
+              <a:t>guess=42 </a:t>
+            </a:r>
+          </a:p>
+          <a:p>
+            <a:endParaRPr lang="en-US" sz="2400" b="1" dirty="0">
+              <a:ea typeface="Courier" charset="0"/>
+              <a:cs typeface="Courier" charset="0"/>
+            </a:endParaRPr>
+          </a:p>
+          <a:p>
+            <a:r>
+              <a:rPr lang="en-US" sz="2400" b="1" dirty="0">
+                <a:ea typeface="Courier" charset="0"/>
+                <a:cs typeface="Courier" charset="0"/>
+              </a:rPr>
+              <a:t>https://mysite.com/</a:t>
+            </a:r>
+            <a:r>
+              <a:rPr lang="en-US" sz="2400" b="1" dirty="0">
+                <a:solidFill>
+                  <a:srgbClr val="00FF00"/>
+                </a:solidFill>
+                <a:ea typeface="Courier" charset="0"/>
+                <a:cs typeface="Courier" charset="0"/>
+              </a:rPr>
+              <a:t>polls</a:t>
+            </a:r>
+            <a:r>
+              <a:rPr lang="en-US" sz="2400" b="1" dirty="0">
+                <a:ea typeface="Courier" charset="0"/>
+                <a:cs typeface="Courier" charset="0"/>
+              </a:rPr>
+              <a:t>/</a:t>
+            </a:r>
+            <a:r>
+              <a:rPr lang="en-US" sz="2400" b="1" dirty="0">
+                <a:solidFill>
+                  <a:srgbClr val="FF40FF"/>
+                </a:solidFill>
+                <a:ea typeface="Courier" charset="0"/>
+                <a:cs typeface="Courier" charset="0"/>
+              </a:rPr>
+              <a:t>about</a:t>
+            </a:r>
+            <a:r>
+              <a:rPr lang="en-US" sz="2400" b="1" dirty="0">
+                <a:ea typeface="Courier" charset="0"/>
+                <a:cs typeface="Courier" charset="0"/>
+              </a:rPr>
+              <a:t>/</a:t>
+            </a:r>
+            <a:r>
+              <a:rPr lang="en-US" sz="2400" b="1" dirty="0">
+                <a:solidFill>
+                  <a:srgbClr val="FFC000"/>
+                </a:solidFill>
+                <a:ea typeface="Courier" charset="0"/>
+                <a:cs typeface="Courier" charset="0"/>
+              </a:rPr>
+              <a:t>24</a:t>
+            </a:r>
+            <a:r>
+              <a:rPr lang="en-US" sz="2400" b="1" dirty="0">
+                <a:ea typeface="Courier" charset="0"/>
+                <a:cs typeface="Courier" charset="0"/>
+              </a:rPr>
+              <a:t> </a:t>
+            </a:r>
+          </a:p>
+        </p:txBody>
+      </p:sp>
+      <p:sp>
+        <p:nvSpPr>
+          <p:cNvPr id="8" name="TextBox 7">
+            <a:extLst>
+              <a:ext uri="{FF2B5EF4-FFF2-40B4-BE49-F238E27FC236}">
+                <a16:creationId xmlns:a16="http://schemas.microsoft.com/office/drawing/2014/main" id="{FD94657D-86C2-D8F0-0CFA-653CA0CA295A}"/>
+              </a:ext>
+            </a:extLst>
+          </p:cNvPr>
+          <p:cNvSpPr txBox="1"/>
+          <p:nvPr/>
+        </p:nvSpPr>
+        <p:spPr>
+          <a:xfrm>
+            <a:off x="2291598" y="2733277"/>
+            <a:ext cx="3558025" cy="400110"/>
+          </a:xfrm>
+          <a:prstGeom prst="rect">
+            <a:avLst/>
+          </a:prstGeom>
+          <a:noFill/>
+        </p:spPr>
+        <p:txBody>
+          <a:bodyPr wrap="none" rtlCol="0">
+            <a:spAutoFit/>
+          </a:bodyPr>
+          <a:lstStyle/>
+          <a:p>
+            <a:r>
+              <a:rPr lang="en-US" sz="2000" b="1" dirty="0">
+                <a:solidFill>
+                  <a:srgbClr val="00FF00"/>
+                </a:solidFill>
+              </a:rPr>
+              <a:t>Django Application (also folder)</a:t>
+            </a:r>
+          </a:p>
+        </p:txBody>
+      </p:sp>
+      <p:sp>
+        <p:nvSpPr>
+          <p:cNvPr id="9" name="TextBox 8">
+            <a:extLst>
+              <a:ext uri="{FF2B5EF4-FFF2-40B4-BE49-F238E27FC236}">
+                <a16:creationId xmlns:a16="http://schemas.microsoft.com/office/drawing/2014/main" id="{F075EFE4-115B-0D11-7890-9EF68C783841}"/>
+              </a:ext>
+            </a:extLst>
+          </p:cNvPr>
+          <p:cNvSpPr txBox="1"/>
+          <p:nvPr/>
+        </p:nvSpPr>
+        <p:spPr>
+          <a:xfrm>
+            <a:off x="5758704" y="3261730"/>
+            <a:ext cx="2663934" cy="400110"/>
+          </a:xfrm>
+          <a:prstGeom prst="rect">
+            <a:avLst/>
+          </a:prstGeom>
+          <a:noFill/>
+        </p:spPr>
+        <p:txBody>
+          <a:bodyPr wrap="none" rtlCol="0">
+            <a:spAutoFit/>
+          </a:bodyPr>
+          <a:lstStyle/>
+          <a:p>
+            <a:r>
+              <a:rPr lang="en-US" sz="2000" b="1" dirty="0">
+                <a:solidFill>
+                  <a:srgbClr val="FF40FF"/>
+                </a:solidFill>
+              </a:rPr>
+              <a:t>View within application</a:t>
+            </a:r>
+          </a:p>
+        </p:txBody>
+      </p:sp>
+      <p:sp>
+        <p:nvSpPr>
+          <p:cNvPr id="10" name="TextBox 9">
+            <a:extLst>
+              <a:ext uri="{FF2B5EF4-FFF2-40B4-BE49-F238E27FC236}">
+                <a16:creationId xmlns:a16="http://schemas.microsoft.com/office/drawing/2014/main" id="{444D7BED-2DCE-DFD9-6E41-BEEC8050067B}"/>
+              </a:ext>
+            </a:extLst>
+          </p:cNvPr>
+          <p:cNvSpPr txBox="1"/>
+          <p:nvPr/>
+        </p:nvSpPr>
+        <p:spPr>
+          <a:xfrm>
+            <a:off x="6948854" y="3809525"/>
+            <a:ext cx="3143809" cy="400110"/>
+          </a:xfrm>
+          <a:prstGeom prst="rect">
+            <a:avLst/>
+          </a:prstGeom>
+          <a:noFill/>
+        </p:spPr>
+        <p:txBody>
+          <a:bodyPr wrap="none" rtlCol="0">
+            <a:spAutoFit/>
+          </a:bodyPr>
+          <a:lstStyle/>
+          <a:p>
+            <a:r>
+              <a:rPr lang="en-US" sz="2000" b="1" dirty="0">
+                <a:solidFill>
+                  <a:srgbClr val="0070C0"/>
+                </a:solidFill>
+              </a:rPr>
+              <a:t>Key / value parameter (GET)</a:t>
+            </a:r>
+          </a:p>
+        </p:txBody>
+      </p:sp>
+      <p:sp>
+        <p:nvSpPr>
+          <p:cNvPr id="11" name="TextBox 10">
+            <a:extLst>
+              <a:ext uri="{FF2B5EF4-FFF2-40B4-BE49-F238E27FC236}">
+                <a16:creationId xmlns:a16="http://schemas.microsoft.com/office/drawing/2014/main" id="{C802365B-2D62-40B9-C8B0-AD8D4E0AE065}"/>
+              </a:ext>
+            </a:extLst>
+          </p:cNvPr>
+          <p:cNvSpPr txBox="1"/>
+          <p:nvPr/>
+        </p:nvSpPr>
+        <p:spPr>
+          <a:xfrm>
+            <a:off x="6932342" y="5169354"/>
+            <a:ext cx="2336858" cy="400110"/>
+          </a:xfrm>
+          <a:prstGeom prst="rect">
+            <a:avLst/>
+          </a:prstGeom>
+          <a:noFill/>
+        </p:spPr>
+        <p:txBody>
+          <a:bodyPr wrap="none" rtlCol="0">
+            <a:spAutoFit/>
+          </a:bodyPr>
+          <a:lstStyle/>
+          <a:p>
+            <a:r>
+              <a:rPr lang="en-US" sz="2000" b="1" dirty="0">
+                <a:solidFill>
+                  <a:srgbClr val="FFC000"/>
+                </a:solidFill>
+              </a:rPr>
+              <a:t>URL Path Parameter</a:t>
+            </a:r>
+          </a:p>
+        </p:txBody>
+      </p:sp>
+      <p:cxnSp>
+        <p:nvCxnSpPr>
+          <p:cNvPr id="12" name="Straight Arrow Connector 11">
+            <a:extLst>
+              <a:ext uri="{FF2B5EF4-FFF2-40B4-BE49-F238E27FC236}">
+                <a16:creationId xmlns:a16="http://schemas.microsoft.com/office/drawing/2014/main" id="{D254EC61-BE23-0F64-0849-37B700C4CABE}"/>
+              </a:ext>
+            </a:extLst>
+          </p:cNvPr>
+          <p:cNvCxnSpPr>
+            <a:cxnSpLocks/>
+            <a:stCxn id="9" idx="2"/>
+          </p:cNvCxnSpPr>
+          <p:nvPr/>
+        </p:nvCxnSpPr>
+        <p:spPr>
+          <a:xfrm flipH="1">
+            <a:off x="5007006" y="3661840"/>
+            <a:ext cx="2083665" cy="248497"/>
+          </a:xfrm>
+          <a:prstGeom prst="straightConnector1">
+            <a:avLst/>
+          </a:prstGeom>
+          <a:ln w="38100">
+            <a:solidFill>
+              <a:schemeClr val="tx1"/>
+            </a:solidFill>
+            <a:tailEnd type="triangle"/>
+          </a:ln>
+        </p:spPr>
+        <p:style>
+          <a:lnRef idx="1">
+            <a:schemeClr val="accent1"/>
+          </a:lnRef>
+          <a:fillRef idx="0">
+            <a:schemeClr val="accent1"/>
+          </a:fillRef>
+          <a:effectRef idx="0">
+            <a:schemeClr val="accent1"/>
+          </a:effectRef>
+          <a:fontRef idx="minor">
+            <a:schemeClr val="tx1"/>
+          </a:fontRef>
+        </p:style>
+      </p:cxnSp>
+      <p:cxnSp>
+        <p:nvCxnSpPr>
+          <p:cNvPr id="13" name="Straight Arrow Connector 12">
+            <a:extLst>
+              <a:ext uri="{FF2B5EF4-FFF2-40B4-BE49-F238E27FC236}">
+                <a16:creationId xmlns:a16="http://schemas.microsoft.com/office/drawing/2014/main" id="{C82F0C31-91A1-B4E5-279D-1083708C2E40}"/>
+              </a:ext>
+            </a:extLst>
+          </p:cNvPr>
+          <p:cNvCxnSpPr>
+            <a:cxnSpLocks/>
+            <a:stCxn id="8" idx="2"/>
+          </p:cNvCxnSpPr>
+          <p:nvPr/>
+        </p:nvCxnSpPr>
+        <p:spPr>
+          <a:xfrm>
+            <a:off x="4070611" y="3133387"/>
+            <a:ext cx="0" cy="591227"/>
+          </a:xfrm>
+          <a:prstGeom prst="straightConnector1">
+            <a:avLst/>
+          </a:prstGeom>
+          <a:ln w="38100">
+            <a:solidFill>
+              <a:schemeClr val="tx1"/>
+            </a:solidFill>
+            <a:tailEnd type="triangle"/>
+          </a:ln>
+        </p:spPr>
+        <p:style>
+          <a:lnRef idx="1">
+            <a:schemeClr val="accent1"/>
+          </a:lnRef>
+          <a:fillRef idx="0">
+            <a:schemeClr val="accent1"/>
+          </a:fillRef>
+          <a:effectRef idx="0">
+            <a:schemeClr val="accent1"/>
+          </a:effectRef>
+          <a:fontRef idx="minor">
+            <a:schemeClr val="tx1"/>
+          </a:fontRef>
+        </p:style>
+      </p:cxnSp>
+      <p:cxnSp>
+        <p:nvCxnSpPr>
+          <p:cNvPr id="14" name="Straight Arrow Connector 13">
+            <a:extLst>
+              <a:ext uri="{FF2B5EF4-FFF2-40B4-BE49-F238E27FC236}">
+                <a16:creationId xmlns:a16="http://schemas.microsoft.com/office/drawing/2014/main" id="{DEA230FB-F458-1DEF-BF74-176D070DDDB0}"/>
+              </a:ext>
+            </a:extLst>
+          </p:cNvPr>
+          <p:cNvCxnSpPr>
+            <a:cxnSpLocks/>
+            <a:stCxn id="10" idx="2"/>
+          </p:cNvCxnSpPr>
+          <p:nvPr/>
+        </p:nvCxnSpPr>
+        <p:spPr>
+          <a:xfrm flipH="1">
+            <a:off x="6418555" y="4209635"/>
+            <a:ext cx="2102204" cy="431090"/>
+          </a:xfrm>
+          <a:prstGeom prst="straightConnector1">
+            <a:avLst/>
+          </a:prstGeom>
+          <a:ln w="38100">
+            <a:solidFill>
+              <a:schemeClr val="tx1"/>
+            </a:solidFill>
+            <a:tailEnd type="triangle"/>
+          </a:ln>
+        </p:spPr>
+        <p:style>
+          <a:lnRef idx="1">
+            <a:schemeClr val="accent1"/>
+          </a:lnRef>
+          <a:fillRef idx="0">
+            <a:schemeClr val="accent1"/>
+          </a:fillRef>
+          <a:effectRef idx="0">
+            <a:schemeClr val="accent1"/>
+          </a:effectRef>
+          <a:fontRef idx="minor">
+            <a:schemeClr val="tx1"/>
+          </a:fontRef>
+        </p:style>
+      </p:cxnSp>
+      <p:cxnSp>
+        <p:nvCxnSpPr>
+          <p:cNvPr id="15" name="Straight Arrow Connector 14">
+            <a:extLst>
+              <a:ext uri="{FF2B5EF4-FFF2-40B4-BE49-F238E27FC236}">
+                <a16:creationId xmlns:a16="http://schemas.microsoft.com/office/drawing/2014/main" id="{A0EC226A-2000-5759-05F3-0B341CD15E28}"/>
+              </a:ext>
+            </a:extLst>
+          </p:cNvPr>
+          <p:cNvCxnSpPr>
+            <a:cxnSpLocks/>
+            <a:stCxn id="11" idx="1"/>
+          </p:cNvCxnSpPr>
+          <p:nvPr/>
+        </p:nvCxnSpPr>
+        <p:spPr>
+          <a:xfrm flipH="1">
+            <a:off x="5459767" y="5369409"/>
+            <a:ext cx="1472575" cy="0"/>
+          </a:xfrm>
+          <a:prstGeom prst="straightConnector1">
+            <a:avLst/>
+          </a:prstGeom>
+          <a:ln w="38100">
+            <a:solidFill>
+              <a:schemeClr val="tx1"/>
+            </a:solidFill>
+            <a:tailEnd type="triangle"/>
+          </a:ln>
+        </p:spPr>
+        <p:style>
+          <a:lnRef idx="1">
+            <a:schemeClr val="accent1"/>
+          </a:lnRef>
+          <a:fillRef idx="0">
+            <a:schemeClr val="accent1"/>
+          </a:fillRef>
+          <a:effectRef idx="0">
+            <a:schemeClr val="accent1"/>
+          </a:effectRef>
+          <a:fontRef idx="minor">
+            <a:schemeClr val="tx1"/>
+          </a:fontRef>
+        </p:style>
+      </p:cxnSp>
+      <p:sp>
+        <p:nvSpPr>
+          <p:cNvPr id="19" name="TextBox 18">
+            <a:extLst>
+              <a:ext uri="{FF2B5EF4-FFF2-40B4-BE49-F238E27FC236}">
+                <a16:creationId xmlns:a16="http://schemas.microsoft.com/office/drawing/2014/main" id="{6CB4ED94-FD52-08E2-C20D-47444B912FEF}"/>
+              </a:ext>
+            </a:extLst>
+          </p:cNvPr>
+          <p:cNvSpPr txBox="1"/>
+          <p:nvPr/>
+        </p:nvSpPr>
+        <p:spPr>
+          <a:xfrm>
+            <a:off x="87711" y="3047394"/>
+            <a:ext cx="1752403" cy="400110"/>
+          </a:xfrm>
+          <a:prstGeom prst="rect">
+            <a:avLst/>
+          </a:prstGeom>
+          <a:noFill/>
+        </p:spPr>
+        <p:txBody>
+          <a:bodyPr wrap="none" rtlCol="0">
+            <a:spAutoFit/>
+          </a:bodyPr>
+          <a:lstStyle/>
+          <a:p>
+            <a:r>
+              <a:rPr lang="en-US" sz="2000" b="1" dirty="0"/>
+              <a:t>Domain Name</a:t>
+            </a:r>
+          </a:p>
+        </p:txBody>
+      </p:sp>
+      <p:cxnSp>
+        <p:nvCxnSpPr>
+          <p:cNvPr id="20" name="Straight Arrow Connector 19">
+            <a:extLst>
+              <a:ext uri="{FF2B5EF4-FFF2-40B4-BE49-F238E27FC236}">
+                <a16:creationId xmlns:a16="http://schemas.microsoft.com/office/drawing/2014/main" id="{333F6E2F-8CC9-1C44-65E0-B9178D1C54EA}"/>
+              </a:ext>
+            </a:extLst>
+          </p:cNvPr>
+          <p:cNvCxnSpPr>
+            <a:cxnSpLocks/>
+            <a:stCxn id="19" idx="2"/>
+          </p:cNvCxnSpPr>
+          <p:nvPr/>
+        </p:nvCxnSpPr>
+        <p:spPr>
+          <a:xfrm>
+            <a:off x="963913" y="3447504"/>
+            <a:ext cx="942901" cy="338903"/>
+          </a:xfrm>
+          <a:prstGeom prst="straightConnector1">
+            <a:avLst/>
+          </a:prstGeom>
+          <a:ln w="38100">
+            <a:solidFill>
+              <a:schemeClr val="tx1"/>
+            </a:solidFill>
+            <a:tailEnd type="triangle"/>
+          </a:ln>
+        </p:spPr>
+        <p:style>
+          <a:lnRef idx="1">
+            <a:schemeClr val="accent1"/>
+          </a:lnRef>
+          <a:fillRef idx="0">
+            <a:schemeClr val="accent1"/>
+          </a:fillRef>
+          <a:effectRef idx="0">
+            <a:schemeClr val="accent1"/>
+          </a:effectRef>
+          <a:fontRef idx="minor">
+            <a:schemeClr val="tx1"/>
+          </a:fontRef>
+        </p:style>
+      </p:cxnSp>
+    </p:spTree>
+    <p:extLst>
+      <p:ext uri="{BB962C8B-B14F-4D97-AF65-F5344CB8AC3E}">
+        <p14:creationId xmlns:p14="http://schemas.microsoft.com/office/powerpoint/2010/main" val="1643845895"/>
+      </p:ext>
+    </p:extLst>
+  </p:cSld>
+  <p:clrMapOvr>
+    <a:masterClrMapping/>
+  </p:clrMapOvr>
+</p:sld>
+</file>
+
+<file path=ppt/slides/slide5.xml><?xml version="1.0" encoding="utf-8"?>
+<p:sld xmlns:a="http://schemas.openxmlformats.org/drawingml/2006/main" xmlns:r="http://schemas.openxmlformats.org/officeDocument/2006/relationships" xmlns:p="http://schemas.openxmlformats.org/presentationml/2006/main">
+  <p:cSld>
+    <p:spTree>
+      <p:nvGrpSpPr>
+        <p:cNvPr id="1" name=""/>
+        <p:cNvGrpSpPr/>
+        <p:nvPr/>
+      </p:nvGrpSpPr>
+      <p:grpSpPr>
+        <a:xfrm>
+          <a:off x="0" y="0"/>
+          <a:ext cx="0" cy="0"/>
+          <a:chOff x="0" y="0"/>
+          <a:chExt cx="0" cy="0"/>
+        </a:xfrm>
+      </p:grpSpPr>
+      <p:sp>
+        <p:nvSpPr>
+          <p:cNvPr id="2" name="Title 1">
+            <a:extLst>
+              <a:ext uri="{FF2B5EF4-FFF2-40B4-BE49-F238E27FC236}">
+                <a16:creationId xmlns:a16="http://schemas.microsoft.com/office/drawing/2014/main" id="{F21AAEB4-167C-1254-EE20-786E3FF966C5}"/>
+              </a:ext>
+            </a:extLst>
+          </p:cNvPr>
+          <p:cNvSpPr>
+            <a:spLocks noGrp="1"/>
+          </p:cNvSpPr>
+          <p:nvPr>
+            <p:ph type="title"/>
+          </p:nvPr>
+        </p:nvSpPr>
+        <p:spPr/>
+        <p:txBody>
+          <a:bodyPr/>
+          <a:lstStyle/>
+          <a:p>
+            <a:r>
+              <a:rPr lang="en-US" dirty="0"/>
+              <a:t>Three patterns of Views</a:t>
+            </a:r>
+          </a:p>
+        </p:txBody>
+      </p:sp>
+      <p:sp>
+        <p:nvSpPr>
+          <p:cNvPr id="3" name="Content Placeholder 2">
+            <a:extLst>
+              <a:ext uri="{FF2B5EF4-FFF2-40B4-BE49-F238E27FC236}">
+                <a16:creationId xmlns:a16="http://schemas.microsoft.com/office/drawing/2014/main" id="{AC3540DB-5DE1-16EB-D903-A226A0345A31}"/>
+              </a:ext>
+            </a:extLst>
+          </p:cNvPr>
+          <p:cNvSpPr>
+            <a:spLocks noGrp="1"/>
+          </p:cNvSpPr>
+          <p:nvPr>
+            <p:ph idx="1"/>
+          </p:nvPr>
+        </p:nvSpPr>
+        <p:spPr/>
+        <p:txBody>
+          <a:bodyPr/>
+          <a:lstStyle/>
+          <a:p>
+            <a:r>
+              <a:rPr lang="en-US" dirty="0"/>
+              <a:t>Requests are routed to a pre-defined class from Django itself</a:t>
+            </a:r>
+          </a:p>
+          <a:p>
+            <a:endParaRPr lang="en-US" dirty="0"/>
+          </a:p>
+          <a:p>
+            <a:r>
+              <a:rPr lang="en-US" dirty="0"/>
+              <a:t>Requests are routed to a function in </a:t>
+            </a:r>
+            <a:r>
+              <a:rPr lang="en-US" b="1" dirty="0"/>
+              <a:t>views.py </a:t>
+            </a:r>
+            <a:r>
+              <a:rPr lang="en-US" dirty="0"/>
+              <a:t>(something that we will be doing in our polls app) that takes the http request as a parameter and returns a response</a:t>
+            </a:r>
+          </a:p>
+          <a:p>
+            <a:endParaRPr lang="en-US" dirty="0"/>
+          </a:p>
+          <a:p>
+            <a:r>
+              <a:rPr lang="en-US" dirty="0"/>
+              <a:t>Requests are routed to a class in </a:t>
+            </a:r>
+            <a:r>
+              <a:rPr lang="en-US" b="1" dirty="0"/>
+              <a:t>views.py</a:t>
+            </a:r>
+            <a:r>
+              <a:rPr lang="en-US" dirty="0"/>
+              <a:t> (A more powerful methodology as it uses various OOP techniques) that has  get() and post() methods that take the http request as a parameter and return a response</a:t>
+            </a:r>
+          </a:p>
+          <a:p>
+            <a:endParaRPr lang="en-US" dirty="0"/>
+          </a:p>
+        </p:txBody>
+      </p:sp>
+      <p:sp>
+        <p:nvSpPr>
+          <p:cNvPr id="4" name="Date Placeholder 3">
+            <a:extLst>
+              <a:ext uri="{FF2B5EF4-FFF2-40B4-BE49-F238E27FC236}">
+                <a16:creationId xmlns:a16="http://schemas.microsoft.com/office/drawing/2014/main" id="{AF585C09-7C97-5AF9-EB29-ED88D989E643}"/>
+              </a:ext>
+            </a:extLst>
+          </p:cNvPr>
+          <p:cNvSpPr>
+            <a:spLocks noGrp="1"/>
+          </p:cNvSpPr>
+          <p:nvPr>
+            <p:ph type="dt" sz="half" idx="10"/>
+          </p:nvPr>
+        </p:nvSpPr>
+        <p:spPr/>
+        <p:txBody>
+          <a:bodyPr/>
+          <a:lstStyle/>
+          <a:p>
+            <a:fld id="{579F6069-8263-4296-913A-BC2234E8D32B}" type="datetime1">
+              <a:rPr lang="en-US" smtClean="0"/>
+              <a:t>12/29/2023</a:t>
+            </a:fld>
+            <a:endParaRPr lang="en-US"/>
+          </a:p>
+        </p:txBody>
+      </p:sp>
+      <p:sp>
+        <p:nvSpPr>
+          <p:cNvPr id="5" name="Footer Placeholder 4">
+            <a:extLst>
+              <a:ext uri="{FF2B5EF4-FFF2-40B4-BE49-F238E27FC236}">
+                <a16:creationId xmlns:a16="http://schemas.microsoft.com/office/drawing/2014/main" id="{A330390E-B4C3-4098-2A23-51A173A3CED9}"/>
+              </a:ext>
+            </a:extLst>
+          </p:cNvPr>
+          <p:cNvSpPr>
+            <a:spLocks noGrp="1"/>
+          </p:cNvSpPr>
+          <p:nvPr>
+            <p:ph type="ftr" sz="quarter" idx="11"/>
+          </p:nvPr>
+        </p:nvSpPr>
+        <p:spPr/>
+        <p:txBody>
+          <a:bodyPr/>
+          <a:lstStyle/>
+          <a:p>
+            <a:r>
+              <a:rPr lang="en-US"/>
+              <a:t>Sample Footer Text</a:t>
+            </a:r>
+          </a:p>
+        </p:txBody>
+      </p:sp>
+      <p:sp>
+        <p:nvSpPr>
+          <p:cNvPr id="6" name="Slide Number Placeholder 5">
+            <a:extLst>
+              <a:ext uri="{FF2B5EF4-FFF2-40B4-BE49-F238E27FC236}">
+                <a16:creationId xmlns:a16="http://schemas.microsoft.com/office/drawing/2014/main" id="{1253DEB1-AD0D-DF2E-F7F7-0C56DAF87CA0}"/>
+              </a:ext>
+            </a:extLst>
+          </p:cNvPr>
+          <p:cNvSpPr>
+            <a:spLocks noGrp="1"/>
+          </p:cNvSpPr>
+          <p:nvPr>
+            <p:ph type="sldNum" sz="quarter" idx="12"/>
+          </p:nvPr>
+        </p:nvSpPr>
+        <p:spPr/>
+        <p:txBody>
+          <a:bodyPr/>
+          <a:lstStyle/>
+          <a:p>
+            <a:fld id="{C68AC1EC-23E2-4F0E-A5A4-674EC8DB954E}" type="slidenum">
+              <a:rPr lang="en-US" smtClean="0"/>
+              <a:t>5</a:t>
+            </a:fld>
+            <a:endParaRPr lang="en-US"/>
+          </a:p>
+        </p:txBody>
+      </p:sp>
+    </p:spTree>
+    <p:extLst>
+      <p:ext uri="{BB962C8B-B14F-4D97-AF65-F5344CB8AC3E}">
+        <p14:creationId xmlns:p14="http://schemas.microsoft.com/office/powerpoint/2010/main" val="2130348625"/>
+      </p:ext>
+    </p:extLst>
+  </p:cSld>
+  <p:clrMapOvr>
+    <a:masterClrMapping/>
+  </p:clrMapOvr>
+</p:sld>
+</file>
+
+<file path=ppt/slides/slide6.xml><?xml version="1.0" encoding="utf-8"?>
 <p:sld xmlns:a="http://schemas.openxmlformats.org/drawingml/2006/main" xmlns:r="http://schemas.openxmlformats.org/officeDocument/2006/relationships" xmlns:p="http://schemas.openxmlformats.org/presentationml/2006/main">
   <p:cSld>
     <p:spTree>
@@ -15565,7 +17782,7 @@
           <a:p>
             <a:fld id="{579F6069-8263-4296-913A-BC2234E8D32B}" type="datetime1">
               <a:rPr lang="en-US" smtClean="0"/>
-              <a:t>12/26/2023</a:t>
+              <a:t>12/29/2023</a:t>
             </a:fld>
             <a:endParaRPr lang="en-US"/>
           </a:p>
@@ -15594,7 +17811,7 @@
           <a:p>
             <a:fld id="{C68AC1EC-23E2-4F0E-A5A4-674EC8DB954E}" type="slidenum">
               <a:rPr lang="en-US" smtClean="0"/>
-              <a:t>4</a:t>
+              <a:t>6</a:t>
             </a:fld>
             <a:endParaRPr lang="en-US"/>
           </a:p>
@@ -15613,7 +17830,7 @@
 </p:sld>
 </file>
 
-<file path=ppt/slides/slide5.xml><?xml version="1.0" encoding="utf-8"?>
+<file path=ppt/slides/slide7.xml><?xml version="1.0" encoding="utf-8"?>
 <p:sld xmlns:a="http://schemas.openxmlformats.org/drawingml/2006/main" xmlns:r="http://schemas.openxmlformats.org/officeDocument/2006/relationships" xmlns:p="http://schemas.openxmlformats.org/presentationml/2006/main">
   <p:cSld>
     <p:spTree>
@@ -15737,7 +17954,7 @@
           <a:p>
             <a:fld id="{579F6069-8263-4296-913A-BC2234E8D32B}" type="datetime1">
               <a:rPr lang="en-US" smtClean="0"/>
-              <a:t>12/26/2023</a:t>
+              <a:t>12/29/2023</a:t>
             </a:fld>
             <a:endParaRPr lang="en-US"/>
           </a:p>
@@ -15766,7 +17983,7 @@
           <a:p>
             <a:fld id="{C68AC1EC-23E2-4F0E-A5A4-674EC8DB954E}" type="slidenum">
               <a:rPr lang="en-US" smtClean="0"/>
-              <a:t>5</a:t>
+              <a:t>7</a:t>
             </a:fld>
             <a:endParaRPr lang="en-US"/>
           </a:p>
@@ -15785,7 +18002,7 @@
 </p:sld>
 </file>
 
-<file path=ppt/slides/slide6.xml><?xml version="1.0" encoding="utf-8"?>
+<file path=ppt/slides/slide8.xml><?xml version="1.0" encoding="utf-8"?>
 <p:sld xmlns:a="http://schemas.openxmlformats.org/drawingml/2006/main" xmlns:r="http://schemas.openxmlformats.org/officeDocument/2006/relationships" xmlns:p="http://schemas.openxmlformats.org/presentationml/2006/main">
   <p:cSld>
     <p:spTree>
@@ -16365,7 +18582,7 @@
           <a:p>
             <a:fld id="{579F6069-8263-4296-913A-BC2234E8D32B}" type="datetime1">
               <a:rPr lang="en-US" smtClean="0"/>
-              <a:t>12/27/2023</a:t>
+              <a:t>12/29/2023</a:t>
             </a:fld>
             <a:endParaRPr lang="en-US"/>
           </a:p>
@@ -16394,7 +18611,7 @@
           <a:p>
             <a:fld id="{C68AC1EC-23E2-4F0E-A5A4-674EC8DB954E}" type="slidenum">
               <a:rPr lang="en-US" smtClean="0"/>
-              <a:t>6</a:t>
+              <a:t>8</a:t>
             </a:fld>
             <a:endParaRPr lang="en-US"/>
           </a:p>
@@ -16413,7 +18630,7 @@
 </p:sld>
 </file>
 
-<file path=ppt/slides/slide7.xml><?xml version="1.0" encoding="utf-8"?>
+<file path=ppt/slides/slide9.xml><?xml version="1.0" encoding="utf-8"?>
 <p:sld xmlns:a="http://schemas.openxmlformats.org/drawingml/2006/main" xmlns:r="http://schemas.openxmlformats.org/officeDocument/2006/relationships" xmlns:p="http://schemas.openxmlformats.org/presentationml/2006/main">
   <p:cSld>
     <p:spTree>
@@ -16543,7 +18760,7 @@
               <a:t>You also need to tell </a:t>
             </a:r>
             <a:r>
-              <a:rPr lang="en-US" dirty="0" err="1"/>
+              <a:rPr lang="en-US" b="1" dirty="0" err="1"/>
               <a:t>mysite</a:t>
             </a:r>
             <a:r>
@@ -17166,7 +19383,7 @@
           <a:p>
             <a:fld id="{579F6069-8263-4296-913A-BC2234E8D32B}" type="datetime1">
               <a:rPr lang="en-US" smtClean="0"/>
-              <a:t>12/27/2023</a:t>
+              <a:t>12/29/2023</a:t>
             </a:fld>
             <a:endParaRPr lang="en-US"/>
           </a:p>
@@ -17178,843 +19395,6 @@
             <a:extLst>
               <a:ext uri="{FF2B5EF4-FFF2-40B4-BE49-F238E27FC236}">
                 <a16:creationId xmlns:a16="http://schemas.microsoft.com/office/drawing/2014/main" id="{28F55C69-06DC-ACAF-54EC-845B7C05875F}"/>
-              </a:ext>
-            </a:extLst>
-          </p:cNvPr>
-          <p:cNvSpPr>
-            <a:spLocks noGrp="1"/>
-          </p:cNvSpPr>
-          <p:nvPr>
-            <p:ph type="sldNum" sz="quarter" idx="12"/>
-          </p:nvPr>
-        </p:nvSpPr>
-        <p:spPr/>
-        <p:txBody>
-          <a:bodyPr/>
-          <a:lstStyle/>
-          <a:p>
-            <a:fld id="{C68AC1EC-23E2-4F0E-A5A4-674EC8DB954E}" type="slidenum">
-              <a:rPr lang="en-US" smtClean="0"/>
-              <a:t>7</a:t>
-            </a:fld>
-            <a:endParaRPr lang="en-US"/>
-          </a:p>
-        </p:txBody>
-      </p:sp>
-    </p:spTree>
-    <p:extLst>
-      <p:ext uri="{BB962C8B-B14F-4D97-AF65-F5344CB8AC3E}">
-        <p14:creationId xmlns:p14="http://schemas.microsoft.com/office/powerpoint/2010/main" val="3070729188"/>
-      </p:ext>
-    </p:extLst>
-  </p:cSld>
-  <p:clrMapOvr>
-    <a:masterClrMapping/>
-  </p:clrMapOvr>
-</p:sld>
-</file>
-
-<file path=ppt/slides/slide8.xml><?xml version="1.0" encoding="utf-8"?>
-<p:sld xmlns:a="http://schemas.openxmlformats.org/drawingml/2006/main" xmlns:r="http://schemas.openxmlformats.org/officeDocument/2006/relationships" xmlns:p="http://schemas.openxmlformats.org/presentationml/2006/main">
-  <p:cSld>
-    <p:spTree>
-      <p:nvGrpSpPr>
-        <p:cNvPr id="1" name=""/>
-        <p:cNvGrpSpPr/>
-        <p:nvPr/>
-      </p:nvGrpSpPr>
-      <p:grpSpPr>
-        <a:xfrm>
-          <a:off x="0" y="0"/>
-          <a:ext cx="0" cy="0"/>
-          <a:chOff x="0" y="0"/>
-          <a:chExt cx="0" cy="0"/>
-        </a:xfrm>
-      </p:grpSpPr>
-      <p:sp>
-        <p:nvSpPr>
-          <p:cNvPr id="2" name="Title 1">
-            <a:extLst>
-              <a:ext uri="{FF2B5EF4-FFF2-40B4-BE49-F238E27FC236}">
-                <a16:creationId xmlns:a16="http://schemas.microsoft.com/office/drawing/2014/main" id="{4802860E-F967-A14A-FEF8-2D958372256A}"/>
-              </a:ext>
-            </a:extLst>
-          </p:cNvPr>
-          <p:cNvSpPr>
-            <a:spLocks noGrp="1"/>
-          </p:cNvSpPr>
-          <p:nvPr>
-            <p:ph type="title"/>
-          </p:nvPr>
-        </p:nvSpPr>
-        <p:spPr/>
-        <p:txBody>
-          <a:bodyPr/>
-          <a:lstStyle/>
-          <a:p>
-            <a:r>
-              <a:rPr lang="en-US" dirty="0"/>
-              <a:t>Testing it out</a:t>
-            </a:r>
-          </a:p>
-        </p:txBody>
-      </p:sp>
-      <p:sp>
-        <p:nvSpPr>
-          <p:cNvPr id="3" name="Content Placeholder 2">
-            <a:extLst>
-              <a:ext uri="{FF2B5EF4-FFF2-40B4-BE49-F238E27FC236}">
-                <a16:creationId xmlns:a16="http://schemas.microsoft.com/office/drawing/2014/main" id="{58C630BA-ECF2-6BAD-C2F4-586A992FF6B8}"/>
-              </a:ext>
-            </a:extLst>
-          </p:cNvPr>
-          <p:cNvSpPr>
-            <a:spLocks noGrp="1"/>
-          </p:cNvSpPr>
-          <p:nvPr>
-            <p:ph idx="1"/>
-          </p:nvPr>
-        </p:nvSpPr>
-        <p:spPr/>
-        <p:txBody>
-          <a:bodyPr>
-            <a:normAutofit/>
-          </a:bodyPr>
-          <a:lstStyle/>
-          <a:p>
-            <a:r>
-              <a:rPr lang="en-US" dirty="0"/>
-              <a:t>to launch the server while using a terminal or shell, type in:</a:t>
-            </a:r>
-          </a:p>
-          <a:p>
-            <a:pPr marL="0" indent="0">
-              <a:buNone/>
-            </a:pPr>
-            <a:r>
-              <a:rPr lang="en-US" b="1" dirty="0"/>
-              <a:t>$ python manage.py </a:t>
-            </a:r>
-            <a:r>
-              <a:rPr lang="en-US" b="1" dirty="0" err="1"/>
-              <a:t>runserver</a:t>
-            </a:r>
-            <a:endParaRPr lang="en-US" dirty="0"/>
-          </a:p>
-          <a:p>
-            <a:r>
-              <a:rPr lang="en-US" dirty="0"/>
-              <a:t>If you are working on python anywhere, you must relaunch the server by pressing the following button:</a:t>
-            </a:r>
-          </a:p>
-          <a:p>
-            <a:endParaRPr lang="en-US" dirty="0"/>
-          </a:p>
-          <a:p>
-            <a:r>
-              <a:rPr lang="en-US" dirty="0"/>
-              <a:t>If you are working on the shell or terminal, go to </a:t>
-            </a:r>
-            <a:r>
-              <a:rPr lang="en-US" b="1" dirty="0"/>
-              <a:t>http://localhost:8000/polls/</a:t>
-            </a:r>
-          </a:p>
-          <a:p>
-            <a:r>
-              <a:rPr lang="en-US" dirty="0"/>
-              <a:t>If you are working on python anywhere, go to </a:t>
-            </a:r>
-            <a:r>
-              <a:rPr lang="en-US" b="1" dirty="0"/>
-              <a:t>&lt;username&gt;.pythonanywhere.com/polls/ </a:t>
-            </a:r>
-            <a:r>
-              <a:rPr lang="en-US" dirty="0"/>
-              <a:t>and check the output</a:t>
-            </a:r>
-          </a:p>
-        </p:txBody>
-      </p:sp>
-      <p:sp>
-        <p:nvSpPr>
-          <p:cNvPr id="4" name="Date Placeholder 3">
-            <a:extLst>
-              <a:ext uri="{FF2B5EF4-FFF2-40B4-BE49-F238E27FC236}">
-                <a16:creationId xmlns:a16="http://schemas.microsoft.com/office/drawing/2014/main" id="{1312A1E5-62C3-1906-8A26-4EA109241397}"/>
-              </a:ext>
-            </a:extLst>
-          </p:cNvPr>
-          <p:cNvSpPr>
-            <a:spLocks noGrp="1"/>
-          </p:cNvSpPr>
-          <p:nvPr>
-            <p:ph type="dt" sz="half" idx="10"/>
-          </p:nvPr>
-        </p:nvSpPr>
-        <p:spPr/>
-        <p:txBody>
-          <a:bodyPr/>
-          <a:lstStyle/>
-          <a:p>
-            <a:fld id="{579F6069-8263-4296-913A-BC2234E8D32B}" type="datetime1">
-              <a:rPr lang="en-US" smtClean="0"/>
-              <a:t>12/26/2023</a:t>
-            </a:fld>
-            <a:endParaRPr lang="en-US"/>
-          </a:p>
-        </p:txBody>
-      </p:sp>
-      <p:sp>
-        <p:nvSpPr>
-          <p:cNvPr id="6" name="Slide Number Placeholder 5">
-            <a:extLst>
-              <a:ext uri="{FF2B5EF4-FFF2-40B4-BE49-F238E27FC236}">
-                <a16:creationId xmlns:a16="http://schemas.microsoft.com/office/drawing/2014/main" id="{28F55C69-06DC-ACAF-54EC-845B7C05875F}"/>
-              </a:ext>
-            </a:extLst>
-          </p:cNvPr>
-          <p:cNvSpPr>
-            <a:spLocks noGrp="1"/>
-          </p:cNvSpPr>
-          <p:nvPr>
-            <p:ph type="sldNum" sz="quarter" idx="12"/>
-          </p:nvPr>
-        </p:nvSpPr>
-        <p:spPr/>
-        <p:txBody>
-          <a:bodyPr/>
-          <a:lstStyle/>
-          <a:p>
-            <a:fld id="{C68AC1EC-23E2-4F0E-A5A4-674EC8DB954E}" type="slidenum">
-              <a:rPr lang="en-US" smtClean="0"/>
-              <a:t>8</a:t>
-            </a:fld>
-            <a:endParaRPr lang="en-US"/>
-          </a:p>
-        </p:txBody>
-      </p:sp>
-      <p:pic>
-        <p:nvPicPr>
-          <p:cNvPr id="10" name="Picture 9">
-            <a:extLst>
-              <a:ext uri="{FF2B5EF4-FFF2-40B4-BE49-F238E27FC236}">
-                <a16:creationId xmlns:a16="http://schemas.microsoft.com/office/drawing/2014/main" id="{CAF7B228-6E7F-005D-7F12-DD3B32B82BAB}"/>
-              </a:ext>
-            </a:extLst>
-          </p:cNvPr>
-          <p:cNvPicPr>
-            <a:picLocks noChangeAspect="1"/>
-          </p:cNvPicPr>
-          <p:nvPr/>
-        </p:nvPicPr>
-        <p:blipFill>
-          <a:blip r:embed="rId2"/>
-          <a:stretch>
-            <a:fillRect/>
-          </a:stretch>
-        </p:blipFill>
-        <p:spPr>
-          <a:xfrm>
-            <a:off x="1229418" y="3429000"/>
-            <a:ext cx="2790825" cy="323850"/>
-          </a:xfrm>
-          <a:prstGeom prst="rect">
-            <a:avLst/>
-          </a:prstGeom>
-        </p:spPr>
-      </p:pic>
-    </p:spTree>
-    <p:extLst>
-      <p:ext uri="{BB962C8B-B14F-4D97-AF65-F5344CB8AC3E}">
-        <p14:creationId xmlns:p14="http://schemas.microsoft.com/office/powerpoint/2010/main" val="3209122033"/>
-      </p:ext>
-    </p:extLst>
-  </p:cSld>
-  <p:clrMapOvr>
-    <a:masterClrMapping/>
-  </p:clrMapOvr>
-</p:sld>
-</file>
-
-<file path=ppt/slides/slide9.xml><?xml version="1.0" encoding="utf-8"?>
-<p:sld xmlns:a="http://schemas.openxmlformats.org/drawingml/2006/main" xmlns:r="http://schemas.openxmlformats.org/officeDocument/2006/relationships" xmlns:p="http://schemas.openxmlformats.org/presentationml/2006/main">
-  <p:cSld>
-    <p:spTree>
-      <p:nvGrpSpPr>
-        <p:cNvPr id="1" name=""/>
-        <p:cNvGrpSpPr/>
-        <p:nvPr/>
-      </p:nvGrpSpPr>
-      <p:grpSpPr>
-        <a:xfrm>
-          <a:off x="0" y="0"/>
-          <a:ext cx="0" cy="0"/>
-          <a:chOff x="0" y="0"/>
-          <a:chExt cx="0" cy="0"/>
-        </a:xfrm>
-      </p:grpSpPr>
-      <p:sp>
-        <p:nvSpPr>
-          <p:cNvPr id="2" name="Title 1">
-            <a:extLst>
-              <a:ext uri="{FF2B5EF4-FFF2-40B4-BE49-F238E27FC236}">
-                <a16:creationId xmlns:a16="http://schemas.microsoft.com/office/drawing/2014/main" id="{EFEAFB94-5723-EAAB-D0A4-DB8A8D7D7353}"/>
-              </a:ext>
-            </a:extLst>
-          </p:cNvPr>
-          <p:cNvSpPr>
-            <a:spLocks noGrp="1"/>
-          </p:cNvSpPr>
-          <p:nvPr>
-            <p:ph type="title"/>
-          </p:nvPr>
-        </p:nvSpPr>
-        <p:spPr/>
-        <p:txBody>
-          <a:bodyPr/>
-          <a:lstStyle/>
-          <a:p>
-            <a:r>
-              <a:rPr lang="en-US" dirty="0"/>
-              <a:t>Upgrading the first view</a:t>
-            </a:r>
-          </a:p>
-        </p:txBody>
-      </p:sp>
-      <p:sp>
-        <p:nvSpPr>
-          <p:cNvPr id="10" name="Rectangle 9">
-            <a:extLst>
-              <a:ext uri="{FF2B5EF4-FFF2-40B4-BE49-F238E27FC236}">
-                <a16:creationId xmlns:a16="http://schemas.microsoft.com/office/drawing/2014/main" id="{BC749135-45EA-F57C-6DE6-172D190EC52A}"/>
-              </a:ext>
-            </a:extLst>
-          </p:cNvPr>
-          <p:cNvSpPr/>
-          <p:nvPr/>
-        </p:nvSpPr>
-        <p:spPr>
-          <a:xfrm>
-            <a:off x="949911" y="3098307"/>
-            <a:ext cx="7457242" cy="1340528"/>
-          </a:xfrm>
-          <a:prstGeom prst="rect">
-            <a:avLst/>
-          </a:prstGeom>
-          <a:solidFill>
-            <a:schemeClr val="tx2">
-              <a:lumMod val="10000"/>
-              <a:lumOff val="90000"/>
-            </a:schemeClr>
-          </a:solidFill>
-          <a:ln>
-            <a:solidFill>
-              <a:schemeClr val="bg2">
-                <a:lumMod val="50000"/>
-              </a:schemeClr>
-            </a:solidFill>
-          </a:ln>
-        </p:spPr>
-        <p:style>
-          <a:lnRef idx="2">
-            <a:schemeClr val="accent1">
-              <a:shade val="50000"/>
-            </a:schemeClr>
-          </a:lnRef>
-          <a:fillRef idx="1">
-            <a:schemeClr val="accent1"/>
-          </a:fillRef>
-          <a:effectRef idx="0">
-            <a:schemeClr val="accent1"/>
-          </a:effectRef>
-          <a:fontRef idx="minor">
-            <a:schemeClr val="lt1"/>
-          </a:fontRef>
-        </p:style>
-        <p:txBody>
-          <a:bodyPr rtlCol="0" anchor="ctr"/>
-          <a:lstStyle/>
-          <a:p>
-            <a:pPr algn="ctr"/>
-            <a:endParaRPr lang="en-US"/>
-          </a:p>
-        </p:txBody>
-      </p:sp>
-      <p:sp>
-        <p:nvSpPr>
-          <p:cNvPr id="3" name="Content Placeholder 2">
-            <a:extLst>
-              <a:ext uri="{FF2B5EF4-FFF2-40B4-BE49-F238E27FC236}">
-                <a16:creationId xmlns:a16="http://schemas.microsoft.com/office/drawing/2014/main" id="{B9945DBF-AD9F-9766-F4D0-7F913F6F9763}"/>
-              </a:ext>
-            </a:extLst>
-          </p:cNvPr>
-          <p:cNvSpPr>
-            <a:spLocks noGrp="1"/>
-          </p:cNvSpPr>
-          <p:nvPr>
-            <p:ph idx="1"/>
-          </p:nvPr>
-        </p:nvSpPr>
-        <p:spPr>
-          <a:xfrm>
-            <a:off x="877824" y="2294509"/>
-            <a:ext cx="10442448" cy="3903819"/>
-          </a:xfrm>
-        </p:spPr>
-        <p:txBody>
-          <a:bodyPr/>
-          <a:lstStyle/>
-          <a:p>
-            <a:r>
-              <a:rPr lang="en-US" dirty="0"/>
-              <a:t>We further upgrade the response object by adding a bit of HTML … it however does not give us the result that we want:</a:t>
-            </a:r>
-          </a:p>
-          <a:p>
-            <a:endParaRPr lang="en-US" dirty="0"/>
-          </a:p>
-          <a:p>
-            <a:pPr marL="0" marR="0" lvl="0" indent="0" algn="l" defTabSz="914400" rtl="0" eaLnBrk="0" fontAlgn="base" latinLnBrk="0" hangingPunct="0">
-              <a:lnSpc>
-                <a:spcPct val="100000"/>
-              </a:lnSpc>
-              <a:spcBef>
-                <a:spcPct val="30000"/>
-              </a:spcBef>
-              <a:spcAft>
-                <a:spcPct val="0"/>
-              </a:spcAft>
-              <a:buClrTx/>
-              <a:buSzTx/>
-              <a:buFontTx/>
-              <a:buNone/>
-              <a:tabLst/>
-              <a:defRPr/>
-            </a:pPr>
-            <a:r>
-              <a:rPr kumimoji="0" lang="en-US" altLang="en-US" b="1" i="0" u="none" strike="noStrike" kern="1200" cap="none" spc="0" normalizeH="0" baseline="0" noProof="0" dirty="0">
-                <a:ln>
-                  <a:noFill/>
-                </a:ln>
-                <a:solidFill>
-                  <a:srgbClr val="008000"/>
-                </a:solidFill>
-                <a:effectLst/>
-                <a:uLnTx/>
-                <a:uFillTx/>
-                <a:ea typeface="+mn-ea"/>
-                <a:cs typeface="+mn-cs"/>
-              </a:rPr>
-              <a:t>from</a:t>
-            </a:r>
-            <a:r>
-              <a:rPr kumimoji="0" lang="en-US" altLang="en-US" b="0" i="0" u="none" strike="noStrike" kern="1200" cap="none" spc="0" normalizeH="0" baseline="0" noProof="0" dirty="0">
-                <a:ln>
-                  <a:noFill/>
-                </a:ln>
-                <a:solidFill>
-                  <a:srgbClr val="000000"/>
-                </a:solidFill>
-                <a:effectLst/>
-                <a:uLnTx/>
-                <a:uFillTx/>
-                <a:ea typeface="+mn-ea"/>
-                <a:cs typeface="+mn-cs"/>
-              </a:rPr>
-              <a:t> </a:t>
-            </a:r>
-            <a:r>
-              <a:rPr kumimoji="0" lang="en-US" altLang="en-US" b="1" i="0" u="none" strike="noStrike" kern="1200" cap="none" spc="0" normalizeH="0" baseline="0" noProof="0" dirty="0" err="1">
-                <a:ln>
-                  <a:noFill/>
-                </a:ln>
-                <a:solidFill>
-                  <a:srgbClr val="0000FF"/>
-                </a:solidFill>
-                <a:effectLst/>
-                <a:uLnTx/>
-                <a:uFillTx/>
-                <a:ea typeface="+mn-ea"/>
-                <a:cs typeface="+mn-cs"/>
-              </a:rPr>
-              <a:t>django.http</a:t>
-            </a:r>
-            <a:r>
-              <a:rPr kumimoji="0" lang="en-US" altLang="en-US" b="0" i="0" u="none" strike="noStrike" kern="1200" cap="none" spc="0" normalizeH="0" baseline="0" noProof="0" dirty="0">
-                <a:ln>
-                  <a:noFill/>
-                </a:ln>
-                <a:solidFill>
-                  <a:srgbClr val="000000"/>
-                </a:solidFill>
-                <a:effectLst/>
-                <a:uLnTx/>
-                <a:uFillTx/>
-                <a:ea typeface="+mn-ea"/>
-                <a:cs typeface="+mn-cs"/>
-              </a:rPr>
-              <a:t> </a:t>
-            </a:r>
-            <a:r>
-              <a:rPr kumimoji="0" lang="en-US" altLang="en-US" b="1" i="0" u="none" strike="noStrike" kern="1200" cap="none" spc="0" normalizeH="0" baseline="0" noProof="0" dirty="0">
-                <a:ln>
-                  <a:noFill/>
-                </a:ln>
-                <a:solidFill>
-                  <a:srgbClr val="008000"/>
-                </a:solidFill>
-                <a:effectLst/>
-                <a:uLnTx/>
-                <a:uFillTx/>
-                <a:ea typeface="+mn-ea"/>
-                <a:cs typeface="+mn-cs"/>
-              </a:rPr>
-              <a:t>import</a:t>
-            </a:r>
-            <a:r>
-              <a:rPr kumimoji="0" lang="en-US" altLang="en-US" b="0" i="0" u="none" strike="noStrike" kern="1200" cap="none" spc="0" normalizeH="0" baseline="0" noProof="0" dirty="0">
-                <a:ln>
-                  <a:noFill/>
-                </a:ln>
-                <a:solidFill>
-                  <a:srgbClr val="000000"/>
-                </a:solidFill>
-                <a:effectLst/>
-                <a:uLnTx/>
-                <a:uFillTx/>
-                <a:ea typeface="+mn-ea"/>
-                <a:cs typeface="+mn-cs"/>
-              </a:rPr>
-              <a:t> </a:t>
-            </a:r>
-            <a:r>
-              <a:rPr kumimoji="0" lang="en-US" altLang="en-US" b="0" i="0" u="none" strike="noStrike" kern="1200" cap="none" spc="0" normalizeH="0" baseline="0" noProof="0" dirty="0" err="1">
-                <a:ln>
-                  <a:noFill/>
-                </a:ln>
-                <a:solidFill>
-                  <a:srgbClr val="000000"/>
-                </a:solidFill>
-                <a:effectLst/>
-                <a:uLnTx/>
-                <a:uFillTx/>
-                <a:ea typeface="+mn-ea"/>
-                <a:cs typeface="+mn-cs"/>
-              </a:rPr>
-              <a:t>HttpResponse</a:t>
-            </a:r>
-            <a:r>
-              <a:rPr kumimoji="0" lang="en-US" altLang="en-US" b="0" i="0" u="none" strike="noStrike" kern="1200" cap="none" spc="0" normalizeH="0" baseline="0" noProof="0" dirty="0">
-                <a:ln>
-                  <a:noFill/>
-                </a:ln>
-                <a:solidFill>
-                  <a:srgbClr val="000000"/>
-                </a:solidFill>
-                <a:effectLst/>
-                <a:uLnTx/>
-                <a:uFillTx/>
-                <a:ea typeface="+mn-ea"/>
-                <a:cs typeface="+mn-cs"/>
-              </a:rPr>
-              <a:t> </a:t>
-            </a:r>
-          </a:p>
-          <a:p>
-            <a:pPr marL="0" marR="0" lvl="0" indent="0" algn="l" defTabSz="914400" rtl="0" eaLnBrk="0" fontAlgn="base" latinLnBrk="0" hangingPunct="0">
-              <a:lnSpc>
-                <a:spcPct val="100000"/>
-              </a:lnSpc>
-              <a:spcBef>
-                <a:spcPct val="30000"/>
-              </a:spcBef>
-              <a:spcAft>
-                <a:spcPct val="0"/>
-              </a:spcAft>
-              <a:buClrTx/>
-              <a:buSzTx/>
-              <a:buFontTx/>
-              <a:buNone/>
-              <a:tabLst/>
-              <a:defRPr/>
-            </a:pPr>
-            <a:endParaRPr kumimoji="0" lang="en-US" altLang="en-US" b="0" i="0" u="none" strike="noStrike" kern="1200" cap="none" spc="0" normalizeH="0" baseline="0" noProof="0" dirty="0">
-              <a:ln>
-                <a:noFill/>
-              </a:ln>
-              <a:solidFill>
-                <a:srgbClr val="000000"/>
-              </a:solidFill>
-              <a:effectLst/>
-              <a:uLnTx/>
-              <a:uFillTx/>
-              <a:ea typeface="+mn-ea"/>
-              <a:cs typeface="+mn-cs"/>
-            </a:endParaRPr>
-          </a:p>
-          <a:p>
-            <a:pPr marL="0" marR="0" lvl="0" indent="0" algn="l" defTabSz="914400" rtl="0" eaLnBrk="0" fontAlgn="base" latinLnBrk="0" hangingPunct="0">
-              <a:lnSpc>
-                <a:spcPct val="100000"/>
-              </a:lnSpc>
-              <a:spcBef>
-                <a:spcPct val="30000"/>
-              </a:spcBef>
-              <a:spcAft>
-                <a:spcPct val="0"/>
-              </a:spcAft>
-              <a:buClrTx/>
-              <a:buSzTx/>
-              <a:buFontTx/>
-              <a:buNone/>
-              <a:tabLst/>
-              <a:defRPr/>
-            </a:pPr>
-            <a:r>
-              <a:rPr kumimoji="0" lang="en-US" altLang="en-US" b="1" i="0" u="none" strike="noStrike" kern="1200" cap="none" spc="0" normalizeH="0" baseline="0" noProof="0" dirty="0">
-                <a:ln>
-                  <a:noFill/>
-                </a:ln>
-                <a:solidFill>
-                  <a:srgbClr val="008000"/>
-                </a:solidFill>
-                <a:effectLst/>
-                <a:uLnTx/>
-                <a:uFillTx/>
-                <a:ea typeface="+mn-ea"/>
-                <a:cs typeface="+mn-cs"/>
-              </a:rPr>
-              <a:t>def</a:t>
-            </a:r>
-            <a:r>
-              <a:rPr kumimoji="0" lang="en-US" altLang="en-US" b="0" i="0" u="none" strike="noStrike" kern="1200" cap="none" spc="0" normalizeH="0" baseline="0" noProof="0" dirty="0">
-                <a:ln>
-                  <a:noFill/>
-                </a:ln>
-                <a:solidFill>
-                  <a:srgbClr val="000000"/>
-                </a:solidFill>
-                <a:effectLst/>
-                <a:uLnTx/>
-                <a:uFillTx/>
-                <a:ea typeface="+mn-ea"/>
-                <a:cs typeface="+mn-cs"/>
-              </a:rPr>
-              <a:t> </a:t>
-            </a:r>
-            <a:r>
-              <a:rPr kumimoji="0" lang="en-US" altLang="en-US" b="0" i="0" u="none" strike="noStrike" kern="1200" cap="none" spc="0" normalizeH="0" baseline="0" noProof="0" dirty="0">
-                <a:ln>
-                  <a:noFill/>
-                </a:ln>
-                <a:solidFill>
-                  <a:srgbClr val="0000FF"/>
-                </a:solidFill>
-                <a:effectLst/>
-                <a:uLnTx/>
-                <a:uFillTx/>
-                <a:ea typeface="+mn-ea"/>
-                <a:cs typeface="+mn-cs"/>
-              </a:rPr>
-              <a:t>index</a:t>
-            </a:r>
-            <a:r>
-              <a:rPr kumimoji="0" lang="en-US" altLang="en-US" b="0" i="0" u="none" strike="noStrike" kern="1200" cap="none" spc="0" normalizeH="0" baseline="0" noProof="0" dirty="0">
-                <a:ln>
-                  <a:noFill/>
-                </a:ln>
-                <a:solidFill>
-                  <a:srgbClr val="000000"/>
-                </a:solidFill>
-                <a:effectLst/>
-                <a:uLnTx/>
-                <a:uFillTx/>
-                <a:ea typeface="+mn-ea"/>
-                <a:cs typeface="+mn-cs"/>
-              </a:rPr>
-              <a:t>(request): </a:t>
-            </a:r>
-          </a:p>
-          <a:p>
-            <a:pPr marL="0" marR="0" lvl="0" indent="0" algn="l" defTabSz="914400" rtl="0" eaLnBrk="0" fontAlgn="base" latinLnBrk="0" hangingPunct="0">
-              <a:lnSpc>
-                <a:spcPct val="100000"/>
-              </a:lnSpc>
-              <a:spcBef>
-                <a:spcPct val="30000"/>
-              </a:spcBef>
-              <a:spcAft>
-                <a:spcPct val="0"/>
-              </a:spcAft>
-              <a:buClrTx/>
-              <a:buSzTx/>
-              <a:buFontTx/>
-              <a:buNone/>
-              <a:tabLst/>
-              <a:defRPr/>
-            </a:pPr>
-            <a:r>
-              <a:rPr lang="en-US" altLang="en-US" dirty="0">
-                <a:solidFill>
-                  <a:srgbClr val="000000"/>
-                </a:solidFill>
-              </a:rPr>
-              <a:t>	</a:t>
-            </a:r>
-            <a:r>
-              <a:rPr kumimoji="0" lang="en-US" altLang="en-US" b="1" i="0" u="none" strike="noStrike" kern="1200" cap="none" spc="0" normalizeH="0" baseline="0" noProof="0" dirty="0">
-                <a:ln>
-                  <a:noFill/>
-                </a:ln>
-                <a:solidFill>
-                  <a:srgbClr val="008000"/>
-                </a:solidFill>
-                <a:effectLst/>
-                <a:uLnTx/>
-                <a:uFillTx/>
-                <a:ea typeface="+mn-ea"/>
-                <a:cs typeface="+mn-cs"/>
-              </a:rPr>
-              <a:t>return</a:t>
-            </a:r>
-            <a:r>
-              <a:rPr kumimoji="0" lang="en-US" altLang="en-US" b="0" i="0" u="none" strike="noStrike" kern="1200" cap="none" spc="0" normalizeH="0" baseline="0" noProof="0" dirty="0">
-                <a:ln>
-                  <a:noFill/>
-                </a:ln>
-                <a:solidFill>
-                  <a:srgbClr val="000000"/>
-                </a:solidFill>
-                <a:effectLst/>
-                <a:uLnTx/>
-                <a:uFillTx/>
-                <a:ea typeface="+mn-ea"/>
-                <a:cs typeface="+mn-cs"/>
-              </a:rPr>
-              <a:t> </a:t>
-            </a:r>
-            <a:r>
-              <a:rPr kumimoji="0" lang="en-US" altLang="en-US" b="0" i="0" u="none" strike="noStrike" kern="1200" cap="none" spc="0" normalizeH="0" baseline="0" noProof="0" dirty="0" err="1">
-                <a:ln>
-                  <a:noFill/>
-                </a:ln>
-                <a:solidFill>
-                  <a:srgbClr val="000000"/>
-                </a:solidFill>
-                <a:effectLst/>
-                <a:uLnTx/>
-                <a:uFillTx/>
-                <a:ea typeface="+mn-ea"/>
-                <a:cs typeface="+mn-cs"/>
-              </a:rPr>
-              <a:t>HttpResponse</a:t>
-            </a:r>
-            <a:r>
-              <a:rPr kumimoji="0" lang="en-US" altLang="en-US" b="0" i="0" u="none" strike="noStrike" kern="1200" cap="none" spc="0" normalizeH="0" baseline="0" noProof="0" dirty="0">
-                <a:ln>
-                  <a:noFill/>
-                </a:ln>
-                <a:solidFill>
-                  <a:srgbClr val="000000"/>
-                </a:solidFill>
-                <a:effectLst/>
-                <a:uLnTx/>
-                <a:uFillTx/>
-                <a:ea typeface="+mn-ea"/>
-                <a:cs typeface="+mn-cs"/>
-              </a:rPr>
-              <a:t>(</a:t>
-            </a:r>
-            <a:r>
-              <a:rPr kumimoji="0" lang="en-US" altLang="en-US" b="0" i="0" u="none" strike="noStrike" kern="1200" cap="none" spc="0" normalizeH="0" baseline="0" noProof="0" dirty="0">
-                <a:ln>
-                  <a:noFill/>
-                </a:ln>
-                <a:solidFill>
-                  <a:srgbClr val="BA2121"/>
-                </a:solidFill>
-                <a:effectLst/>
-                <a:uLnTx/>
-                <a:uFillTx/>
-                <a:ea typeface="+mn-ea"/>
-                <a:cs typeface="+mn-cs"/>
-              </a:rPr>
-              <a:t>“&lt;h1&gt;Hello, world. &lt;p&gt;You're at the polls index.&lt;/p&gt;"</a:t>
-            </a:r>
-            <a:r>
-              <a:rPr kumimoji="0" lang="en-US" altLang="en-US" b="0" i="0" u="none" strike="noStrike" kern="1200" cap="none" spc="0" normalizeH="0" baseline="0" noProof="0" dirty="0">
-                <a:ln>
-                  <a:noFill/>
-                </a:ln>
-                <a:solidFill>
-                  <a:srgbClr val="000000"/>
-                </a:solidFill>
-                <a:effectLst/>
-                <a:uLnTx/>
-                <a:uFillTx/>
-                <a:ea typeface="+mn-ea"/>
-                <a:cs typeface="+mn-cs"/>
-              </a:rPr>
-              <a:t>)</a:t>
-            </a:r>
-          </a:p>
-          <a:p>
-            <a:pPr marL="0" indent="0">
-              <a:buNone/>
-            </a:pPr>
-            <a:endParaRPr lang="en-US" dirty="0"/>
-          </a:p>
-          <a:p>
-            <a:r>
-              <a:rPr lang="en-US" dirty="0"/>
-              <a:t>You can see that the HTML syntax is not complete and yet it works … although the view is a little bit not like what we want</a:t>
-            </a:r>
-          </a:p>
-          <a:p>
-            <a:r>
-              <a:rPr lang="en-US" dirty="0"/>
-              <a:t>This disregard of syntax is intentionally overlooked by the browsers as the aim is to give proper information and the styling can be investigated later. \</a:t>
-            </a:r>
-          </a:p>
-        </p:txBody>
-      </p:sp>
-      <p:sp>
-        <p:nvSpPr>
-          <p:cNvPr id="4" name="Date Placeholder 3">
-            <a:extLst>
-              <a:ext uri="{FF2B5EF4-FFF2-40B4-BE49-F238E27FC236}">
-                <a16:creationId xmlns:a16="http://schemas.microsoft.com/office/drawing/2014/main" id="{9A5751CF-E7DE-B76E-6E9B-2608B53D4F07}"/>
-              </a:ext>
-            </a:extLst>
-          </p:cNvPr>
-          <p:cNvSpPr>
-            <a:spLocks noGrp="1"/>
-          </p:cNvSpPr>
-          <p:nvPr>
-            <p:ph type="dt" sz="half" idx="10"/>
-          </p:nvPr>
-        </p:nvSpPr>
-        <p:spPr/>
-        <p:txBody>
-          <a:bodyPr/>
-          <a:lstStyle/>
-          <a:p>
-            <a:fld id="{579F6069-8263-4296-913A-BC2234E8D32B}" type="datetime1">
-              <a:rPr lang="en-US" smtClean="0"/>
-              <a:t>12/26/2023</a:t>
-            </a:fld>
-            <a:endParaRPr lang="en-US"/>
-          </a:p>
-        </p:txBody>
-      </p:sp>
-      <p:sp>
-        <p:nvSpPr>
-          <p:cNvPr id="6" name="Slide Number Placeholder 5">
-            <a:extLst>
-              <a:ext uri="{FF2B5EF4-FFF2-40B4-BE49-F238E27FC236}">
-                <a16:creationId xmlns:a16="http://schemas.microsoft.com/office/drawing/2014/main" id="{72BF7527-EFDB-4609-2B5D-E40E5BE945D6}"/>
               </a:ext>
             </a:extLst>
           </p:cNvPr>
@@ -18041,7 +19421,7 @@
     </p:spTree>
     <p:extLst>
       <p:ext uri="{BB962C8B-B14F-4D97-AF65-F5344CB8AC3E}">
-        <p14:creationId xmlns:p14="http://schemas.microsoft.com/office/powerpoint/2010/main" val="2897484157"/>
+        <p14:creationId xmlns:p14="http://schemas.microsoft.com/office/powerpoint/2010/main" val="3070729188"/>
       </p:ext>
     </p:extLst>
   </p:cSld>
